--- a/fall15/slidesF15/proofs1.pptx
+++ b/fall15/slidesF15/proofs1.pptx
@@ -5,10 +5,10 @@
     <p:sldMasterId id="2147483650" r:id="rId1"/>
   </p:sldMasterIdLst>
   <p:notesMasterIdLst>
-    <p:notesMasterId r:id="rId24"/>
+    <p:notesMasterId r:id="rId25"/>
   </p:notesMasterIdLst>
   <p:handoutMasterIdLst>
-    <p:handoutMasterId r:id="rId25"/>
+    <p:handoutMasterId r:id="rId26"/>
   </p:handoutMasterIdLst>
   <p:sldIdLst>
     <p:sldId id="306" r:id="rId2"/>
@@ -25,19 +25,20 @@
     <p:sldId id="357" r:id="rId13"/>
     <p:sldId id="354" r:id="rId14"/>
     <p:sldId id="288" r:id="rId15"/>
-    <p:sldId id="319" r:id="rId16"/>
-    <p:sldId id="320" r:id="rId17"/>
-    <p:sldId id="308" r:id="rId18"/>
-    <p:sldId id="298" r:id="rId19"/>
-    <p:sldId id="342" r:id="rId20"/>
-    <p:sldId id="289" r:id="rId21"/>
-    <p:sldId id="302" r:id="rId22"/>
-    <p:sldId id="266" r:id="rId23"/>
+    <p:sldId id="358" r:id="rId16"/>
+    <p:sldId id="319" r:id="rId17"/>
+    <p:sldId id="320" r:id="rId18"/>
+    <p:sldId id="308" r:id="rId19"/>
+    <p:sldId id="298" r:id="rId20"/>
+    <p:sldId id="342" r:id="rId21"/>
+    <p:sldId id="289" r:id="rId22"/>
+    <p:sldId id="302" r:id="rId23"/>
+    <p:sldId id="266" r:id="rId24"/>
   </p:sldIdLst>
   <p:sldSz cx="9144000" cy="6858000" type="screen4x3"/>
   <p:notesSz cx="9601200" cy="7315200"/>
   <p:custDataLst>
-    <p:tags r:id="rId27"/>
+    <p:tags r:id="rId28"/>
   </p:custDataLst>
   <p:defaultTextStyle>
     <a:defPPr>
@@ -1320,7 +1321,7 @@
             <a:fld id="{61C0D827-3B30-41B3-844D-02406EF0DDDE}" type="slidenum">
               <a:rPr lang="en-US" smtClean="0"/>
               <a:pPr/>
-              <a:t>15</a:t>
+              <a:t>16</a:t>
             </a:fld>
             <a:endParaRPr lang="en-US" smtClean="0"/>
           </a:p>
@@ -1408,7 +1409,7 @@
             <a:fld id="{7ADFF96C-1126-4FE2-8812-2235E28F31C8}" type="slidenum">
               <a:rPr lang="en-US" smtClean="0"/>
               <a:pPr/>
-              <a:t>16</a:t>
+              <a:t>17</a:t>
             </a:fld>
             <a:endParaRPr lang="en-US" smtClean="0"/>
           </a:p>
@@ -1496,7 +1497,7 @@
             <a:fld id="{E1AB1F72-E3CC-4931-BF03-3C0BE4D7A4E3}" type="slidenum">
               <a:rPr lang="en-US" smtClean="0"/>
               <a:pPr/>
-              <a:t>17</a:t>
+              <a:t>18</a:t>
             </a:fld>
             <a:endParaRPr lang="en-US" smtClean="0"/>
           </a:p>
@@ -1584,7 +1585,7 @@
             <a:fld id="{AB383728-4ACD-45AA-AE8F-C481528D9881}" type="slidenum">
               <a:rPr lang="en-US" smtClean="0"/>
               <a:pPr/>
-              <a:t>18</a:t>
+              <a:t>19</a:t>
             </a:fld>
             <a:endParaRPr lang="en-US" smtClean="0"/>
           </a:p>
@@ -1672,7 +1673,7 @@
             <a:fld id="{37E283DA-5899-48F3-84C6-6483C00AB4A7}" type="slidenum">
               <a:rPr lang="en-US" smtClean="0"/>
               <a:pPr/>
-              <a:t>19</a:t>
+              <a:t>20</a:t>
             </a:fld>
             <a:endParaRPr lang="en-US" smtClean="0"/>
           </a:p>
@@ -1760,7 +1761,7 @@
             <a:fld id="{37E283DA-5899-48F3-84C6-6483C00AB4A7}" type="slidenum">
               <a:rPr lang="en-US" smtClean="0"/>
               <a:pPr/>
-              <a:t>20</a:t>
+              <a:t>21</a:t>
             </a:fld>
             <a:endParaRPr lang="en-US" smtClean="0"/>
           </a:p>
@@ -1936,7 +1937,7 @@
             <a:fld id="{8E7D3159-B9DE-441B-A62B-B74582C5B49E}" type="slidenum">
               <a:rPr lang="en-US" smtClean="0"/>
               <a:pPr/>
-              <a:t>21</a:t>
+              <a:t>22</a:t>
             </a:fld>
             <a:endParaRPr lang="en-US" smtClean="0"/>
           </a:p>
@@ -2024,7 +2025,7 @@
             <a:fld id="{20F44D78-E584-4667-AD79-A0C4664A329D}" type="slidenum">
               <a:rPr lang="en-US" smtClean="0"/>
               <a:pPr/>
-              <a:t>22</a:t>
+              <a:t>23</a:t>
             </a:fld>
             <a:endParaRPr lang="en-US" smtClean="0"/>
           </a:p>
@@ -5640,7 +5641,7 @@
           <a:graphicData uri="http://schemas.openxmlformats.org/presentationml/2006/ole">
             <mc:AlternateContent xmlns:mc="http://schemas.openxmlformats.org/markup-compatibility/2006">
               <mc:Choice xmlns:v="urn:schemas-microsoft-com:vml" Requires="v">
-                <p:oleObj spid="_x0000_s1210" name="Equation" r:id="rId4" imgW="914400" imgH="215640" progId="Equation.3">
+                <p:oleObj spid="_x0000_s1219" name="Equation" r:id="rId4" imgW="914400" imgH="215640" progId="Equation.3">
                   <p:embed/>
                 </p:oleObj>
               </mc:Choice>
@@ -5710,7 +5711,7 @@
           <a:graphicData uri="http://schemas.openxmlformats.org/presentationml/2006/ole">
             <mc:AlternateContent xmlns:mc="http://schemas.openxmlformats.org/markup-compatibility/2006">
               <mc:Choice xmlns:v="urn:schemas-microsoft-com:vml" Requires="v">
-                <p:oleObj spid="_x0000_s1211" name="Equation" r:id="rId6" imgW="914400" imgH="215640" progId="Equation.3">
+                <p:oleObj spid="_x0000_s1220" name="Equation" r:id="rId6" imgW="914400" imgH="215640" progId="Equation.3">
                   <p:embed/>
                 </p:oleObj>
               </mc:Choice>
@@ -11157,6 +11158,293 @@
       </p:grpSpPr>
       <p:sp>
         <p:nvSpPr>
+          <p:cNvPr id="2" name="Title 1"/>
+          <p:cNvSpPr>
+            <a:spLocks noGrp="1"/>
+          </p:cNvSpPr>
+          <p:nvPr>
+            <p:ph type="title"/>
+          </p:nvPr>
+        </p:nvSpPr>
+        <p:spPr/>
+        <p:txBody>
+          <a:bodyPr/>
+          <a:lstStyle/>
+          <a:p>
+            <a:r>
+              <a:rPr lang="en-US" dirty="0" smtClean="0"/>
+              <a:t>More Bogus Picture Proofs</a:t>
+            </a:r>
+            <a:endParaRPr lang="en-US" dirty="0"/>
+          </a:p>
+        </p:txBody>
+      </p:sp>
+      <p:sp>
+        <p:nvSpPr>
+          <p:cNvPr id="3" name="Slide Number Placeholder 2"/>
+          <p:cNvSpPr>
+            <a:spLocks noGrp="1"/>
+          </p:cNvSpPr>
+          <p:nvPr>
+            <p:ph type="sldNum" sz="quarter" idx="10"/>
+          </p:nvPr>
+        </p:nvSpPr>
+        <p:spPr/>
+        <p:txBody>
+          <a:bodyPr/>
+          <a:lstStyle/>
+          <a:p>
+            <a:pPr>
+              <a:defRPr/>
+            </a:pPr>
+            <a:r>
+              <a:rPr lang="en-US" sz="1200" smtClean="0"/>
+              <a:t>   proofintro.I.</a:t>
+            </a:r>
+            <a:fld id="{1CDF22EC-3157-477E-AA23-4E375917539F}" type="slidenum">
+              <a:rPr lang="en-US" sz="1200" smtClean="0"/>
+              <a:pPr>
+                <a:defRPr/>
+              </a:pPr>
+              <a:t>15</a:t>
+            </a:fld>
+            <a:endParaRPr lang="en-US" sz="1200" dirty="0"/>
+          </a:p>
+        </p:txBody>
+      </p:sp>
+      <p:sp>
+        <p:nvSpPr>
+          <p:cNvPr id="4" name="TextBox 3"/>
+          <p:cNvSpPr txBox="1"/>
+          <p:nvPr/>
+        </p:nvSpPr>
+        <p:spPr>
+          <a:xfrm>
+            <a:off x="247484" y="1337370"/>
+            <a:ext cx="8652207" cy="6432530"/>
+          </a:xfrm>
+          <a:prstGeom prst="rect">
+            <a:avLst/>
+          </a:prstGeom>
+          <a:noFill/>
+        </p:spPr>
+        <p:txBody>
+          <a:bodyPr wrap="square" rtlCol="0">
+            <a:spAutoFit/>
+          </a:bodyPr>
+          <a:lstStyle/>
+          <a:p>
+            <a:pPr algn="l"/>
+            <a:r>
+              <a:rPr lang="en-US" sz="4000" dirty="0" smtClean="0">
+                <a:latin typeface="Comic Sans MS"/>
+                <a:cs typeface="Comic Sans MS"/>
+              </a:rPr>
+              <a:t>Lots of good examples,</a:t>
+            </a:r>
+          </a:p>
+          <a:p>
+            <a:pPr algn="l"/>
+            <a:r>
+              <a:rPr lang="en-US" sz="4000" dirty="0" smtClean="0">
+                <a:latin typeface="Comic Sans MS"/>
+                <a:cs typeface="Comic Sans MS"/>
+              </a:rPr>
+              <a:t>for example:</a:t>
+            </a:r>
+          </a:p>
+          <a:p>
+            <a:pPr algn="l"/>
+            <a:r>
+              <a:rPr lang="en-US" sz="3600" dirty="0" smtClean="0">
+                <a:latin typeface="Arial"/>
+                <a:cs typeface="Arial"/>
+              </a:rPr>
+              <a:t>  Gardner, Martin</a:t>
+            </a:r>
+          </a:p>
+          <a:p>
+            <a:pPr algn="l"/>
+            <a:r>
+              <a:rPr lang="en-US" sz="3600" i="1" dirty="0" smtClean="0">
+                <a:latin typeface="Arial"/>
+                <a:cs typeface="Arial"/>
+              </a:rPr>
+              <a:t>  Mathematics</a:t>
+            </a:r>
+            <a:r>
+              <a:rPr lang="en-US" sz="3600" i="1" dirty="0">
+                <a:latin typeface="Arial"/>
+                <a:cs typeface="Arial"/>
+              </a:rPr>
+              <a:t>, Magic and </a:t>
+            </a:r>
+            <a:r>
+              <a:rPr lang="en-US" sz="3600" i="1" dirty="0" smtClean="0">
+                <a:latin typeface="Arial"/>
+                <a:cs typeface="Arial"/>
+              </a:rPr>
+              <a:t>Mystery</a:t>
+            </a:r>
+          </a:p>
+          <a:p>
+            <a:pPr algn="l"/>
+            <a:r>
+              <a:rPr lang="en-US" sz="3600" dirty="0" smtClean="0">
+                <a:latin typeface="Arial"/>
+                <a:cs typeface="Arial"/>
+              </a:rPr>
+              <a:t>  (</a:t>
+            </a:r>
+            <a:r>
+              <a:rPr lang="en-US" sz="3600" dirty="0">
+                <a:latin typeface="Arial"/>
+                <a:cs typeface="Arial"/>
+              </a:rPr>
+              <a:t>Dover, 1956, 12 + </a:t>
+            </a:r>
+            <a:r>
+              <a:rPr lang="en-US" sz="3600" dirty="0" smtClean="0">
+                <a:latin typeface="Arial"/>
+                <a:cs typeface="Arial"/>
+              </a:rPr>
+              <a:t>176)</a:t>
+            </a:r>
+            <a:r>
+              <a:rPr lang="en-US" sz="3600" dirty="0" smtClean="0">
+                <a:latin typeface="Comic Sans MS"/>
+                <a:cs typeface="Comic Sans MS"/>
+              </a:rPr>
+              <a:t> </a:t>
+            </a:r>
+          </a:p>
+          <a:p>
+            <a:pPr algn="l"/>
+            <a:r>
+              <a:rPr lang="en-US" sz="2400" dirty="0" smtClean="0">
+                <a:latin typeface="Comic Sans MS"/>
+                <a:cs typeface="Comic Sans MS"/>
+              </a:rPr>
+              <a:t>  </a:t>
+            </a:r>
+            <a:r>
+              <a:rPr lang="en-US" sz="2400" dirty="0" smtClean="0">
+                <a:latin typeface="Comic Sans MS"/>
+                <a:cs typeface="Comic Sans MS"/>
+                <a:hlinkClick r:id="rId2"/>
+              </a:rPr>
+              <a:t>http</a:t>
+            </a:r>
+            <a:r>
+              <a:rPr lang="en-US" sz="2400" dirty="0">
+                <a:latin typeface="Comic Sans MS"/>
+                <a:cs typeface="Comic Sans MS"/>
+                <a:hlinkClick r:id="rId2"/>
+              </a:rPr>
+              <a:t>://</a:t>
+            </a:r>
+            <a:r>
+              <a:rPr lang="en-US" sz="2400" dirty="0" err="1">
+                <a:latin typeface="Comic Sans MS"/>
+                <a:cs typeface="Comic Sans MS"/>
+                <a:hlinkClick r:id="rId2"/>
+              </a:rPr>
+              <a:t>store.doverpublications.com</a:t>
+            </a:r>
+            <a:r>
+              <a:rPr lang="en-US" sz="2400" dirty="0">
+                <a:latin typeface="Comic Sans MS"/>
+                <a:cs typeface="Comic Sans MS"/>
+                <a:hlinkClick r:id="rId2"/>
+              </a:rPr>
+              <a:t>/0486203352.html</a:t>
+            </a:r>
+            <a:endParaRPr lang="en-US" sz="2400" dirty="0">
+              <a:latin typeface="Comic Sans MS"/>
+              <a:cs typeface="Comic Sans MS"/>
+            </a:endParaRPr>
+          </a:p>
+          <a:p>
+            <a:pPr algn="l"/>
+            <a:r>
+              <a:rPr lang="en-US" sz="4000" dirty="0" err="1" smtClean="0">
+                <a:latin typeface="Comic Sans MS"/>
+                <a:cs typeface="Comic Sans MS"/>
+              </a:rPr>
+              <a:t>or</a:t>
+            </a:r>
+            <a:r>
+              <a:rPr lang="en-US" sz="4000" dirty="0" err="1" smtClean="0">
+                <a:hlinkClick r:id="rId3"/>
+              </a:rPr>
+              <a:t>https</a:t>
+            </a:r>
+            <a:r>
+              <a:rPr lang="en-US" sz="4000" dirty="0">
+                <a:hlinkClick r:id="rId3"/>
+              </a:rPr>
+              <a:t>://en.m.wikipedia.org/wiki/Missing_square_puzzle</a:t>
+            </a:r>
+            <a:endParaRPr lang="en-US" sz="4000" dirty="0"/>
+          </a:p>
+          <a:p>
+            <a:pPr algn="l"/>
+            <a:endParaRPr lang="en-US" sz="4000" dirty="0" smtClean="0">
+              <a:latin typeface="Comic Sans MS"/>
+              <a:cs typeface="Comic Sans MS"/>
+            </a:endParaRPr>
+          </a:p>
+          <a:p>
+            <a:pPr algn="l"/>
+            <a:endParaRPr lang="en-US" sz="4000" dirty="0" smtClean="0">
+              <a:latin typeface="Comic Sans MS"/>
+              <a:cs typeface="Comic Sans MS"/>
+            </a:endParaRPr>
+          </a:p>
+        </p:txBody>
+      </p:sp>
+    </p:spTree>
+    <p:extLst>
+      <p:ext uri="{BB962C8B-B14F-4D97-AF65-F5344CB8AC3E}">
+        <p14:creationId xmlns:p14="http://schemas.microsoft.com/office/powerpoint/2010/main" val="3530300016"/>
+      </p:ext>
+    </p:extLst>
+  </p:cSld>
+  <p:clrMapOvr>
+    <a:masterClrMapping/>
+  </p:clrMapOvr>
+  <p:transition xmlns:p14="http://schemas.microsoft.com/office/powerpoint/2010/main" spd="slow">
+    <p:fade/>
+  </p:transition>
+  <p:timing>
+    <p:tnLst>
+      <p:par>
+        <p:cTn xmlns:p14="http://schemas.microsoft.com/office/powerpoint/2010/main" id="1" dur="indefinite" restart="never" nodeType="tmRoot"/>
+      </p:par>
+    </p:tnLst>
+  </p:timing>
+</p:sld>
+</file>
+
+<file path=ppt/slides/slide16.xml><?xml version="1.0" encoding="utf-8"?>
+<p:sld xmlns:a="http://schemas.openxmlformats.org/drawingml/2006/main" xmlns:r="http://schemas.openxmlformats.org/officeDocument/2006/relationships" xmlns:p="http://schemas.openxmlformats.org/presentationml/2006/main">
+  <p:cSld>
+    <p:spTree>
+      <p:nvGrpSpPr>
+        <p:cNvPr id="1" name=""/>
+        <p:cNvGrpSpPr/>
+        <p:nvPr/>
+      </p:nvGrpSpPr>
+      <p:grpSpPr>
+        <a:xfrm>
+          <a:off x="0" y="0"/>
+          <a:ext cx="0" cy="0"/>
+          <a:chOff x="0" y="0"/>
+          <a:chExt cx="0" cy="0"/>
+        </a:xfrm>
+      </p:grpSpPr>
+      <p:sp>
+        <p:nvSpPr>
           <p:cNvPr id="9221" name="Slide Number Placeholder 3"/>
           <p:cNvSpPr>
             <a:spLocks noGrp="1"/>
@@ -11195,7 +11483,7 @@
             <a:fld id="{12CF27A8-2E27-47D3-89F5-30D5C89B3807}" type="slidenum">
               <a:rPr lang="en-US" sz="1200" smtClean="0"/>
               <a:pPr/>
-              <a:t>15</a:t>
+              <a:t>16</a:t>
             </a:fld>
             <a:endParaRPr lang="en-US" sz="1200" dirty="0" smtClean="0"/>
           </a:p>
@@ -11383,7 +11671,7 @@
           <a:graphicData uri="http://schemas.openxmlformats.org/presentationml/2006/ole">
             <mc:AlternateContent xmlns:mc="http://schemas.openxmlformats.org/markup-compatibility/2006">
               <mc:Choice xmlns:v="urn:schemas-microsoft-com:vml" Requires="v">
-                <p:oleObj spid="_x0000_s9476" name="Equation" r:id="rId4" imgW="1270000" imgH="457200" progId="Equation.DSMT4">
+                <p:oleObj spid="_x0000_s9489" name="Equation" r:id="rId4" imgW="1270000" imgH="457200" progId="Equation.DSMT4">
                   <p:embed/>
                 </p:oleObj>
               </mc:Choice>
@@ -11478,7 +11766,7 @@
           <a:graphicData uri="http://schemas.openxmlformats.org/presentationml/2006/ole">
             <mc:AlternateContent xmlns:mc="http://schemas.openxmlformats.org/markup-compatibility/2006">
               <mc:Choice xmlns:v="urn:schemas-microsoft-com:vml" Requires="v">
-                <p:oleObj spid="_x0000_s9477" name="Equation" r:id="rId6" imgW="1270000" imgH="457200" progId="Equation.DSMT4">
+                <p:oleObj spid="_x0000_s9490" name="Equation" r:id="rId6" imgW="1270000" imgH="457200" progId="Equation.DSMT4">
                   <p:embed/>
                 </p:oleObj>
               </mc:Choice>
@@ -11645,7 +11933,7 @@
           <a:graphicData uri="http://schemas.openxmlformats.org/presentationml/2006/ole">
             <mc:AlternateContent xmlns:mc="http://schemas.openxmlformats.org/markup-compatibility/2006">
               <mc:Choice xmlns:v="urn:schemas-microsoft-com:vml" Requires="v">
-                <p:oleObj spid="_x0000_s9478" name="Equation" r:id="rId8" imgW="774360" imgH="203040" progId="Equation.DSMT4">
+                <p:oleObj spid="_x0000_s9491" name="Equation" r:id="rId8" imgW="774360" imgH="203040" progId="Equation.DSMT4">
                   <p:embed/>
                 </p:oleObj>
               </mc:Choice>
@@ -11963,7 +12251,7 @@
 </p:sld>
 </file>
 
-<file path=ppt/slides/slide16.xml><?xml version="1.0" encoding="utf-8"?>
+<file path=ppt/slides/slide17.xml><?xml version="1.0" encoding="utf-8"?>
 <p:sld xmlns:a="http://schemas.openxmlformats.org/drawingml/2006/main" xmlns:r="http://schemas.openxmlformats.org/officeDocument/2006/relationships" xmlns:p="http://schemas.openxmlformats.org/presentationml/2006/main">
   <p:cSld>
     <p:spTree>
@@ -12020,7 +12308,7 @@
             <a:fld id="{E92C81C8-F27D-4AE4-B619-67321854E34B}" type="slidenum">
               <a:rPr lang="en-US" sz="1200" smtClean="0"/>
               <a:pPr/>
-              <a:t>16</a:t>
+              <a:t>17</a:t>
             </a:fld>
             <a:endParaRPr lang="en-US" sz="1200" dirty="0" smtClean="0"/>
           </a:p>
@@ -12222,7 +12510,7 @@
             <a:graphicData uri="http://schemas.openxmlformats.org/presentationml/2006/ole">
               <mc:AlternateContent xmlns:mc="http://schemas.openxmlformats.org/markup-compatibility/2006">
                 <mc:Choice xmlns:v="urn:schemas-microsoft-com:vml" Requires="v">
-                  <p:oleObj spid="_x0000_s10421" name="Equation" r:id="rId4" imgW="774360" imgH="203040" progId="Equation.DSMT4">
+                  <p:oleObj spid="_x0000_s10430" name="Equation" r:id="rId4" imgW="774360" imgH="203040" progId="Equation.DSMT4">
                     <p:embed/>
                   </p:oleObj>
                 </mc:Choice>
@@ -12387,7 +12675,7 @@
             <a:graphicData uri="http://schemas.openxmlformats.org/presentationml/2006/ole">
               <mc:AlternateContent xmlns:mc="http://schemas.openxmlformats.org/markup-compatibility/2006">
                 <mc:Choice xmlns:v="urn:schemas-microsoft-com:vml" Requires="v">
-                  <p:oleObj spid="_x0000_s10422" name="Equation" r:id="rId6" imgW="736560" imgH="203040" progId="Equation.DSMT4">
+                  <p:oleObj spid="_x0000_s10431" name="Equation" r:id="rId6" imgW="736560" imgH="203040" progId="Equation.DSMT4">
                     <p:embed/>
                   </p:oleObj>
                 </mc:Choice>
@@ -12754,7 +13042,7 @@
 </p:sld>
 </file>
 
-<file path=ppt/slides/slide17.xml><?xml version="1.0" encoding="utf-8"?>
+<file path=ppt/slides/slide18.xml><?xml version="1.0" encoding="utf-8"?>
 <p:sld xmlns:a="http://schemas.openxmlformats.org/drawingml/2006/main" xmlns:r="http://schemas.openxmlformats.org/officeDocument/2006/relationships" xmlns:p="http://schemas.openxmlformats.org/presentationml/2006/main">
   <p:cSld>
     <p:spTree>
@@ -12811,7 +13099,7 @@
             <a:fld id="{6F847A86-0EF0-4A1A-87B4-C860551EA508}" type="slidenum">
               <a:rPr lang="en-US" sz="1200" smtClean="0"/>
               <a:pPr/>
-              <a:t>17</a:t>
+              <a:t>18</a:t>
             </a:fld>
             <a:endParaRPr lang="en-US" sz="1200" dirty="0" smtClean="0"/>
           </a:p>
@@ -13238,7 +13526,7 @@
           <a:graphicData uri="http://schemas.openxmlformats.org/presentationml/2006/ole">
             <mc:AlternateContent xmlns:mc="http://schemas.openxmlformats.org/markup-compatibility/2006">
               <mc:Choice xmlns:v="urn:schemas-microsoft-com:vml" Requires="v">
-                <p:oleObj spid="_x0000_s11447" name="Equation" r:id="rId4" imgW="114120" imgH="177480" progId="Equation.DSMT4">
+                <p:oleObj spid="_x0000_s11456" name="Equation" r:id="rId4" imgW="114120" imgH="177480" progId="Equation.DSMT4">
                   <p:embed/>
                 </p:oleObj>
               </mc:Choice>
@@ -13308,7 +13596,7 @@
           <a:graphicData uri="http://schemas.openxmlformats.org/presentationml/2006/ole">
             <mc:AlternateContent xmlns:mc="http://schemas.openxmlformats.org/markup-compatibility/2006">
               <mc:Choice xmlns:v="urn:schemas-microsoft-com:vml" Requires="v">
-                <p:oleObj spid="_x0000_s11448" name="Equation" r:id="rId6" imgW="114120" imgH="177480" progId="Equation.DSMT4">
+                <p:oleObj spid="_x0000_s11457" name="Equation" r:id="rId6" imgW="114120" imgH="177480" progId="Equation.DSMT4">
                   <p:embed/>
                 </p:oleObj>
               </mc:Choice>
@@ -13626,7 +13914,7 @@
 </p:sld>
 </file>
 
-<file path=ppt/slides/slide18.xml><?xml version="1.0" encoding="utf-8"?>
+<file path=ppt/slides/slide19.xml><?xml version="1.0" encoding="utf-8"?>
 <p:sld xmlns:a="http://schemas.openxmlformats.org/drawingml/2006/main" xmlns:r="http://schemas.openxmlformats.org/officeDocument/2006/relationships" xmlns:p="http://schemas.openxmlformats.org/presentationml/2006/main">
   <p:cSld>
     <p:spTree>
@@ -13683,7 +13971,7 @@
             <a:fld id="{D06E24C3-47EC-4B6B-B7C6-E5F18597FBA4}" type="slidenum">
               <a:rPr lang="en-US" sz="1200" smtClean="0"/>
               <a:pPr/>
-              <a:t>18</a:t>
+              <a:t>19</a:t>
             </a:fld>
             <a:endParaRPr lang="en-US" sz="1200" dirty="0" smtClean="0"/>
           </a:p>
@@ -14133,7 +14421,271 @@
 </p:sld>
 </file>
 
-<file path=ppt/slides/slide19.xml><?xml version="1.0" encoding="utf-8"?>
+<file path=ppt/slides/slide2.xml><?xml version="1.0" encoding="utf-8"?>
+<p:sld xmlns:a="http://schemas.openxmlformats.org/drawingml/2006/main" xmlns:r="http://schemas.openxmlformats.org/officeDocument/2006/relationships" xmlns:p="http://schemas.openxmlformats.org/presentationml/2006/main" show="0">
+  <p:cSld>
+    <p:spTree>
+      <p:nvGrpSpPr>
+        <p:cNvPr id="1" name=""/>
+        <p:cNvGrpSpPr/>
+        <p:nvPr/>
+      </p:nvGrpSpPr>
+      <p:grpSpPr>
+        <a:xfrm>
+          <a:off x="0" y="0"/>
+          <a:ext cx="0" cy="0"/>
+          <a:chOff x="0" y="0"/>
+          <a:chExt cx="0" cy="0"/>
+        </a:xfrm>
+      </p:grpSpPr>
+      <p:sp>
+        <p:nvSpPr>
+          <p:cNvPr id="23554" name="Slide Number Placeholder 3"/>
+          <p:cNvSpPr>
+            <a:spLocks noGrp="1"/>
+          </p:cNvSpPr>
+          <p:nvPr>
+            <p:ph type="sldNum" sz="quarter" idx="10"/>
+          </p:nvPr>
+        </p:nvSpPr>
+        <p:spPr>
+          <a:xfrm>
+            <a:off x="7571335" y="6553200"/>
+            <a:ext cx="1572666" cy="307777"/>
+          </a:xfrm>
+          <a:noFill/>
+        </p:spPr>
+        <p:txBody>
+          <a:bodyPr/>
+          <a:lstStyle/>
+          <a:p>
+            <a:r>
+              <a:rPr lang="en-US" dirty="0" smtClean="0"/>
+              <a:t>      </a:t>
+            </a:r>
+            <a:r>
+              <a:rPr lang="en-US" sz="1200" dirty="0" smtClean="0"/>
+              <a:t>proof-</a:t>
+            </a:r>
+            <a:r>
+              <a:rPr lang="en-US" sz="1200" dirty="0" err="1" smtClean="0"/>
+              <a:t>intro.I</a:t>
+            </a:r>
+            <a:r>
+              <a:rPr lang="en-US" sz="1200" dirty="0" smtClean="0"/>
+              <a:t>.</a:t>
+            </a:r>
+            <a:fld id="{CBD4ADD5-DF96-4ED8-A1CB-551C52AF6B69}" type="slidenum">
+              <a:rPr lang="en-US" sz="1200" smtClean="0"/>
+              <a:pPr/>
+              <a:t>2</a:t>
+            </a:fld>
+            <a:endParaRPr lang="en-US" sz="1200" dirty="0" smtClean="0"/>
+          </a:p>
+        </p:txBody>
+      </p:sp>
+      <p:sp>
+        <p:nvSpPr>
+          <p:cNvPr id="23555" name="Rectangle 2"/>
+          <p:cNvSpPr>
+            <a:spLocks noGrp="1" noChangeArrowheads="1"/>
+          </p:cNvSpPr>
+          <p:nvPr>
+            <p:ph type="title"/>
+          </p:nvPr>
+        </p:nvSpPr>
+        <p:spPr>
+          <a:xfrm>
+            <a:off x="2436813" y="304800"/>
+            <a:ext cx="4270375" cy="1128713"/>
+          </a:xfrm>
+        </p:spPr>
+        <p:txBody>
+          <a:bodyPr/>
+          <a:lstStyle/>
+          <a:p>
+            <a:pPr eaLnBrk="1" hangingPunct="1"/>
+            <a:r>
+              <a:rPr lang="en-US" smtClean="0"/>
+              <a:t>Vocabulary</a:t>
+            </a:r>
+          </a:p>
+        </p:txBody>
+      </p:sp>
+      <p:sp>
+        <p:nvSpPr>
+          <p:cNvPr id="122883" name="Rectangle 3"/>
+          <p:cNvSpPr>
+            <a:spLocks noGrp="1" noChangeArrowheads="1"/>
+          </p:cNvSpPr>
+          <p:nvPr>
+            <p:ph type="body" idx="1"/>
+          </p:nvPr>
+        </p:nvSpPr>
+        <p:spPr>
+          <a:xfrm>
+            <a:off x="293688" y="1906588"/>
+            <a:ext cx="8591550" cy="2801937"/>
+          </a:xfrm>
+        </p:spPr>
+        <p:txBody>
+          <a:bodyPr/>
+          <a:lstStyle/>
+          <a:p>
+            <a:pPr eaLnBrk="1" hangingPunct="1">
+              <a:buFontTx/>
+              <a:buNone/>
+            </a:pPr>
+            <a:r>
+              <a:rPr lang="en-US" sz="4400" dirty="0" smtClean="0">
+                <a:solidFill>
+                  <a:srgbClr val="0D05A7"/>
+                </a:solidFill>
+              </a:rPr>
+              <a:t>Quickie:</a:t>
+            </a:r>
+          </a:p>
+          <a:p>
+            <a:pPr eaLnBrk="1" hangingPunct="1">
+              <a:buFontTx/>
+              <a:buNone/>
+            </a:pPr>
+            <a:r>
+              <a:rPr lang="en-US" sz="4800" dirty="0" smtClean="0"/>
+              <a:t>What does “discrete” mean?</a:t>
+            </a:r>
+          </a:p>
+          <a:p>
+            <a:pPr eaLnBrk="1" hangingPunct="1">
+              <a:buFontTx/>
+              <a:buNone/>
+            </a:pPr>
+            <a:r>
+              <a:rPr lang="en-US" sz="4800" dirty="0" smtClean="0">
+                <a:sym typeface="Symbol" pitchFamily="18" charset="2"/>
+              </a:rPr>
+              <a:t>                   ( </a:t>
+            </a:r>
+            <a:r>
+              <a:rPr lang="en-US" sz="4800" b="1" dirty="0" smtClean="0">
+                <a:solidFill>
+                  <a:srgbClr val="FF0000"/>
+                </a:solidFill>
+                <a:latin typeface="Euclid Symbol"/>
+                <a:sym typeface="Symbol" pitchFamily="18" charset="2"/>
+              </a:rPr>
+              <a:t>≠</a:t>
+            </a:r>
+            <a:r>
+              <a:rPr lang="en-US" sz="4800" dirty="0" smtClean="0">
+                <a:solidFill>
+                  <a:srgbClr val="FF0000"/>
+                </a:solidFill>
+                <a:latin typeface="Euclid Symbol"/>
+                <a:sym typeface="Symbol" pitchFamily="18" charset="2"/>
+              </a:rPr>
+              <a:t> </a:t>
+            </a:r>
+            <a:r>
+              <a:rPr lang="en-US" sz="4800" dirty="0" smtClean="0">
+                <a:sym typeface="Symbol" pitchFamily="18" charset="2"/>
+              </a:rPr>
+              <a:t>“discreet”)</a:t>
+            </a:r>
+          </a:p>
+        </p:txBody>
+      </p:sp>
+    </p:spTree>
+  </p:cSld>
+  <p:clrMapOvr>
+    <a:masterClrMapping/>
+  </p:clrMapOvr>
+  <p:transition xmlns:p14="http://schemas.microsoft.com/office/powerpoint/2010/main" spd="slow">
+    <p:fade/>
+  </p:transition>
+  <p:timing>
+    <p:tnLst>
+      <p:par>
+        <p:cTn xmlns:p14="http://schemas.microsoft.com/office/powerpoint/2010/main" id="1" dur="indefinite" restart="never" nodeType="tmRoot">
+          <p:childTnLst>
+            <p:seq concurrent="1" nextAc="seek">
+              <p:cTn id="2" dur="indefinite" nodeType="mainSeq">
+                <p:childTnLst>
+                  <p:par>
+                    <p:cTn id="3" fill="hold">
+                      <p:stCondLst>
+                        <p:cond delay="indefinite"/>
+                      </p:stCondLst>
+                      <p:childTnLst>
+                        <p:par>
+                          <p:cTn id="4" fill="hold">
+                            <p:stCondLst>
+                              <p:cond delay="0"/>
+                            </p:stCondLst>
+                            <p:childTnLst>
+                              <p:par>
+                                <p:cTn id="5" presetID="1" presetClass="entr" presetSubtype="0" fill="hold" nodeType="clickEffect">
+                                  <p:stCondLst>
+                                    <p:cond delay="0"/>
+                                  </p:stCondLst>
+                                  <p:childTnLst>
+                                    <p:set>
+                                      <p:cBhvr>
+                                        <p:cTn id="6" dur="1" fill="hold">
+                                          <p:stCondLst>
+                                            <p:cond delay="0"/>
+                                          </p:stCondLst>
+                                        </p:cTn>
+                                        <p:tgtEl>
+                                          <p:spTgt spid="122883">
+                                            <p:txEl>
+                                              <p:pRg st="2" end="2"/>
+                                            </p:txEl>
+                                          </p:spTgt>
+                                        </p:tgtEl>
+                                        <p:attrNameLst>
+                                          <p:attrName>style.visibility</p:attrName>
+                                        </p:attrNameLst>
+                                      </p:cBhvr>
+                                      <p:to>
+                                        <p:strVal val="visible"/>
+                                      </p:to>
+                                    </p:set>
+                                  </p:childTnLst>
+                                </p:cTn>
+                              </p:par>
+                            </p:childTnLst>
+                          </p:cTn>
+                        </p:par>
+                      </p:childTnLst>
+                    </p:cTn>
+                  </p:par>
+                </p:childTnLst>
+              </p:cTn>
+              <p:prevCondLst>
+                <p:cond evt="onPrev" delay="0">
+                  <p:tgtEl>
+                    <p:sldTgt/>
+                  </p:tgtEl>
+                </p:cond>
+              </p:prevCondLst>
+              <p:nextCondLst>
+                <p:cond evt="onNext" delay="0">
+                  <p:tgtEl>
+                    <p:sldTgt/>
+                  </p:tgtEl>
+                </p:cond>
+              </p:nextCondLst>
+            </p:seq>
+          </p:childTnLst>
+        </p:cTn>
+      </p:par>
+    </p:tnLst>
+  </p:timing>
+</p:sld>
+</file>
+
+<file path=ppt/slides/slide20.xml><?xml version="1.0" encoding="utf-8"?>
 <p:sld xmlns:a="http://schemas.openxmlformats.org/drawingml/2006/main" xmlns:r="http://schemas.openxmlformats.org/officeDocument/2006/relationships" xmlns:p="http://schemas.openxmlformats.org/presentationml/2006/main">
   <p:cSld>
     <p:spTree>
@@ -14190,7 +14742,7 @@
             <a:fld id="{38814692-9BDD-4F2D-A9DA-07816390A204}" type="slidenum">
               <a:rPr lang="en-US" sz="1200" smtClean="0"/>
               <a:pPr/>
-              <a:t>19</a:t>
+              <a:t>20</a:t>
             </a:fld>
             <a:endParaRPr lang="en-US" sz="1200" dirty="0" smtClean="0"/>
           </a:p>
@@ -14260,7 +14812,7 @@
           <a:graphicData uri="http://schemas.openxmlformats.org/presentationml/2006/ole">
             <mc:AlternateContent xmlns:mc="http://schemas.openxmlformats.org/markup-compatibility/2006">
               <mc:Choice xmlns:v="urn:schemas-microsoft-com:vml" Requires="v">
-                <p:oleObj spid="_x0000_s184426" name="Equation" r:id="rId4" imgW="2552700" imgH="419100" progId="Equation.DSMT4">
+                <p:oleObj spid="_x0000_s184431" name="Equation" r:id="rId4" imgW="2552700" imgH="419100" progId="Equation.DSMT4">
                   <p:embed/>
                 </p:oleObj>
               </mc:Choice>
@@ -14788,7 +15340,7 @@
 </p:sld>
 </file>
 
-<file path=ppt/slides/slide2.xml><?xml version="1.0" encoding="utf-8"?>
+<file path=ppt/slides/slide21.xml><?xml version="1.0" encoding="utf-8"?>
 <p:sld xmlns:a="http://schemas.openxmlformats.org/drawingml/2006/main" xmlns:r="http://schemas.openxmlformats.org/officeDocument/2006/relationships" xmlns:p="http://schemas.openxmlformats.org/presentationml/2006/main" show="0">
   <p:cSld>
     <p:spTree>
@@ -14807,270 +15359,6 @@
       </p:grpSpPr>
       <p:sp>
         <p:nvSpPr>
-          <p:cNvPr id="23554" name="Slide Number Placeholder 3"/>
-          <p:cNvSpPr>
-            <a:spLocks noGrp="1"/>
-          </p:cNvSpPr>
-          <p:nvPr>
-            <p:ph type="sldNum" sz="quarter" idx="10"/>
-          </p:nvPr>
-        </p:nvSpPr>
-        <p:spPr>
-          <a:xfrm>
-            <a:off x="7571335" y="6553200"/>
-            <a:ext cx="1572666" cy="307777"/>
-          </a:xfrm>
-          <a:noFill/>
-        </p:spPr>
-        <p:txBody>
-          <a:bodyPr/>
-          <a:lstStyle/>
-          <a:p>
-            <a:r>
-              <a:rPr lang="en-US" dirty="0" smtClean="0"/>
-              <a:t>      </a:t>
-            </a:r>
-            <a:r>
-              <a:rPr lang="en-US" sz="1200" dirty="0" smtClean="0"/>
-              <a:t>proof-</a:t>
-            </a:r>
-            <a:r>
-              <a:rPr lang="en-US" sz="1200" dirty="0" err="1" smtClean="0"/>
-              <a:t>intro.I</a:t>
-            </a:r>
-            <a:r>
-              <a:rPr lang="en-US" sz="1200" dirty="0" smtClean="0"/>
-              <a:t>.</a:t>
-            </a:r>
-            <a:fld id="{CBD4ADD5-DF96-4ED8-A1CB-551C52AF6B69}" type="slidenum">
-              <a:rPr lang="en-US" sz="1200" smtClean="0"/>
-              <a:pPr/>
-              <a:t>2</a:t>
-            </a:fld>
-            <a:endParaRPr lang="en-US" sz="1200" dirty="0" smtClean="0"/>
-          </a:p>
-        </p:txBody>
-      </p:sp>
-      <p:sp>
-        <p:nvSpPr>
-          <p:cNvPr id="23555" name="Rectangle 2"/>
-          <p:cNvSpPr>
-            <a:spLocks noGrp="1" noChangeArrowheads="1"/>
-          </p:cNvSpPr>
-          <p:nvPr>
-            <p:ph type="title"/>
-          </p:nvPr>
-        </p:nvSpPr>
-        <p:spPr>
-          <a:xfrm>
-            <a:off x="2436813" y="304800"/>
-            <a:ext cx="4270375" cy="1128713"/>
-          </a:xfrm>
-        </p:spPr>
-        <p:txBody>
-          <a:bodyPr/>
-          <a:lstStyle/>
-          <a:p>
-            <a:pPr eaLnBrk="1" hangingPunct="1"/>
-            <a:r>
-              <a:rPr lang="en-US" smtClean="0"/>
-              <a:t>Vocabulary</a:t>
-            </a:r>
-          </a:p>
-        </p:txBody>
-      </p:sp>
-      <p:sp>
-        <p:nvSpPr>
-          <p:cNvPr id="122883" name="Rectangle 3"/>
-          <p:cNvSpPr>
-            <a:spLocks noGrp="1" noChangeArrowheads="1"/>
-          </p:cNvSpPr>
-          <p:nvPr>
-            <p:ph type="body" idx="1"/>
-          </p:nvPr>
-        </p:nvSpPr>
-        <p:spPr>
-          <a:xfrm>
-            <a:off x="293688" y="1906588"/>
-            <a:ext cx="8591550" cy="2801937"/>
-          </a:xfrm>
-        </p:spPr>
-        <p:txBody>
-          <a:bodyPr/>
-          <a:lstStyle/>
-          <a:p>
-            <a:pPr eaLnBrk="1" hangingPunct="1">
-              <a:buFontTx/>
-              <a:buNone/>
-            </a:pPr>
-            <a:r>
-              <a:rPr lang="en-US" sz="4400" dirty="0" smtClean="0">
-                <a:solidFill>
-                  <a:srgbClr val="0D05A7"/>
-                </a:solidFill>
-              </a:rPr>
-              <a:t>Quickie:</a:t>
-            </a:r>
-          </a:p>
-          <a:p>
-            <a:pPr eaLnBrk="1" hangingPunct="1">
-              <a:buFontTx/>
-              <a:buNone/>
-            </a:pPr>
-            <a:r>
-              <a:rPr lang="en-US" sz="4800" dirty="0" smtClean="0"/>
-              <a:t>What does “discrete” mean?</a:t>
-            </a:r>
-          </a:p>
-          <a:p>
-            <a:pPr eaLnBrk="1" hangingPunct="1">
-              <a:buFontTx/>
-              <a:buNone/>
-            </a:pPr>
-            <a:r>
-              <a:rPr lang="en-US" sz="4800" dirty="0" smtClean="0">
-                <a:sym typeface="Symbol" pitchFamily="18" charset="2"/>
-              </a:rPr>
-              <a:t>                   ( </a:t>
-            </a:r>
-            <a:r>
-              <a:rPr lang="en-US" sz="4800" b="1" dirty="0" smtClean="0">
-                <a:solidFill>
-                  <a:srgbClr val="FF0000"/>
-                </a:solidFill>
-                <a:latin typeface="Euclid Symbol"/>
-                <a:sym typeface="Symbol" pitchFamily="18" charset="2"/>
-              </a:rPr>
-              <a:t>≠</a:t>
-            </a:r>
-            <a:r>
-              <a:rPr lang="en-US" sz="4800" dirty="0" smtClean="0">
-                <a:solidFill>
-                  <a:srgbClr val="FF0000"/>
-                </a:solidFill>
-                <a:latin typeface="Euclid Symbol"/>
-                <a:sym typeface="Symbol" pitchFamily="18" charset="2"/>
-              </a:rPr>
-              <a:t> </a:t>
-            </a:r>
-            <a:r>
-              <a:rPr lang="en-US" sz="4800" dirty="0" smtClean="0">
-                <a:sym typeface="Symbol" pitchFamily="18" charset="2"/>
-              </a:rPr>
-              <a:t>“discreet”)</a:t>
-            </a:r>
-          </a:p>
-        </p:txBody>
-      </p:sp>
-    </p:spTree>
-  </p:cSld>
-  <p:clrMapOvr>
-    <a:masterClrMapping/>
-  </p:clrMapOvr>
-  <p:transition xmlns:p14="http://schemas.microsoft.com/office/powerpoint/2010/main" spd="slow">
-    <p:fade/>
-  </p:transition>
-  <p:timing>
-    <p:tnLst>
-      <p:par>
-        <p:cTn xmlns:p14="http://schemas.microsoft.com/office/powerpoint/2010/main" id="1" dur="indefinite" restart="never" nodeType="tmRoot">
-          <p:childTnLst>
-            <p:seq concurrent="1" nextAc="seek">
-              <p:cTn id="2" dur="indefinite" nodeType="mainSeq">
-                <p:childTnLst>
-                  <p:par>
-                    <p:cTn id="3" fill="hold">
-                      <p:stCondLst>
-                        <p:cond delay="indefinite"/>
-                      </p:stCondLst>
-                      <p:childTnLst>
-                        <p:par>
-                          <p:cTn id="4" fill="hold">
-                            <p:stCondLst>
-                              <p:cond delay="0"/>
-                            </p:stCondLst>
-                            <p:childTnLst>
-                              <p:par>
-                                <p:cTn id="5" presetID="1" presetClass="entr" presetSubtype="0" fill="hold" nodeType="clickEffect">
-                                  <p:stCondLst>
-                                    <p:cond delay="0"/>
-                                  </p:stCondLst>
-                                  <p:childTnLst>
-                                    <p:set>
-                                      <p:cBhvr>
-                                        <p:cTn id="6" dur="1" fill="hold">
-                                          <p:stCondLst>
-                                            <p:cond delay="0"/>
-                                          </p:stCondLst>
-                                        </p:cTn>
-                                        <p:tgtEl>
-                                          <p:spTgt spid="122883">
-                                            <p:txEl>
-                                              <p:pRg st="2" end="2"/>
-                                            </p:txEl>
-                                          </p:spTgt>
-                                        </p:tgtEl>
-                                        <p:attrNameLst>
-                                          <p:attrName>style.visibility</p:attrName>
-                                        </p:attrNameLst>
-                                      </p:cBhvr>
-                                      <p:to>
-                                        <p:strVal val="visible"/>
-                                      </p:to>
-                                    </p:set>
-                                  </p:childTnLst>
-                                </p:cTn>
-                              </p:par>
-                            </p:childTnLst>
-                          </p:cTn>
-                        </p:par>
-                      </p:childTnLst>
-                    </p:cTn>
-                  </p:par>
-                </p:childTnLst>
-              </p:cTn>
-              <p:prevCondLst>
-                <p:cond evt="onPrev" delay="0">
-                  <p:tgtEl>
-                    <p:sldTgt/>
-                  </p:tgtEl>
-                </p:cond>
-              </p:prevCondLst>
-              <p:nextCondLst>
-                <p:cond evt="onNext" delay="0">
-                  <p:tgtEl>
-                    <p:sldTgt/>
-                  </p:tgtEl>
-                </p:cond>
-              </p:nextCondLst>
-            </p:seq>
-          </p:childTnLst>
-        </p:cTn>
-      </p:par>
-    </p:tnLst>
-  </p:timing>
-</p:sld>
-</file>
-
-<file path=ppt/slides/slide20.xml><?xml version="1.0" encoding="utf-8"?>
-<p:sld xmlns:a="http://schemas.openxmlformats.org/drawingml/2006/main" xmlns:r="http://schemas.openxmlformats.org/officeDocument/2006/relationships" xmlns:p="http://schemas.openxmlformats.org/presentationml/2006/main" show="0">
-  <p:cSld>
-    <p:spTree>
-      <p:nvGrpSpPr>
-        <p:cNvPr id="1" name=""/>
-        <p:cNvGrpSpPr/>
-        <p:nvPr/>
-      </p:nvGrpSpPr>
-      <p:grpSpPr>
-        <a:xfrm>
-          <a:off x="0" y="0"/>
-          <a:ext cx="0" cy="0"/>
-          <a:chOff x="0" y="0"/>
-          <a:chExt cx="0" cy="0"/>
-        </a:xfrm>
-      </p:grpSpPr>
-      <p:sp>
-        <p:nvSpPr>
           <p:cNvPr id="12291" name="Slide Number Placeholder 2"/>
           <p:cNvSpPr>
             <a:spLocks noGrp="1"/>
@@ -15109,7 +15397,7 @@
             <a:fld id="{38814692-9BDD-4F2D-A9DA-07816390A204}" type="slidenum">
               <a:rPr lang="en-US" sz="1200" smtClean="0"/>
               <a:pPr/>
-              <a:t>20</a:t>
+              <a:t>21</a:t>
             </a:fld>
             <a:endParaRPr lang="en-US" sz="1200" dirty="0" smtClean="0"/>
           </a:p>
@@ -15198,7 +15486,7 @@
           <a:graphicData uri="http://schemas.openxmlformats.org/presentationml/2006/ole">
             <mc:AlternateContent xmlns:mc="http://schemas.openxmlformats.org/markup-compatibility/2006">
               <mc:Choice xmlns:v="urn:schemas-microsoft-com:vml" Requires="v">
-                <p:oleObj spid="_x0000_s12394" name="Equation" r:id="rId4" imgW="2590560" imgH="368280" progId="Equation.DSMT4">
+                <p:oleObj spid="_x0000_s12399" name="Equation" r:id="rId4" imgW="2590560" imgH="368280" progId="Equation.DSMT4">
                   <p:embed/>
                 </p:oleObj>
               </mc:Choice>
@@ -15668,7 +15956,7 @@
 </p:sld>
 </file>
 
-<file path=ppt/slides/slide21.xml><?xml version="1.0" encoding="utf-8"?>
+<file path=ppt/slides/slide22.xml><?xml version="1.0" encoding="utf-8"?>
 <p:sld xmlns:a="http://schemas.openxmlformats.org/drawingml/2006/main" xmlns:r="http://schemas.openxmlformats.org/officeDocument/2006/relationships" xmlns:p="http://schemas.openxmlformats.org/presentationml/2006/main">
   <p:cSld>
     <p:spTree>
@@ -15721,7 +16009,7 @@
             <a:fld id="{149CEC67-A6D5-4032-8245-198398361EE0}" type="slidenum">
               <a:rPr lang="en-US" sz="1200" smtClean="0"/>
               <a:pPr/>
-              <a:t>21</a:t>
+              <a:t>22</a:t>
             </a:fld>
             <a:endParaRPr lang="en-US" sz="1200" dirty="0" smtClean="0"/>
           </a:p>
@@ -16097,7 +16385,7 @@
           <a:graphicData uri="http://schemas.openxmlformats.org/presentationml/2006/ole">
             <mc:AlternateContent xmlns:mc="http://schemas.openxmlformats.org/markup-compatibility/2006">
               <mc:Choice xmlns:v="urn:schemas-microsoft-com:vml" Requires="v">
-                <p:oleObj spid="_x0000_s13418" name="Equation" r:id="rId4" imgW="152280" imgH="393480" progId="Equation.DSMT4">
+                <p:oleObj spid="_x0000_s13423" name="Equation" r:id="rId4" imgW="152280" imgH="393480" progId="Equation.DSMT4">
                   <p:embed/>
                 </p:oleObj>
               </mc:Choice>
@@ -16415,7 +16703,7 @@
 </p:sld>
 </file>
 
-<file path=ppt/slides/slide22.xml><?xml version="1.0" encoding="utf-8"?>
+<file path=ppt/slides/slide23.xml><?xml version="1.0" encoding="utf-8"?>
 <p:sld xmlns:a="http://schemas.openxmlformats.org/drawingml/2006/main" xmlns:r="http://schemas.openxmlformats.org/officeDocument/2006/relationships" xmlns:p="http://schemas.openxmlformats.org/presentationml/2006/main">
   <p:cSld>
     <p:spTree>
@@ -16468,7 +16756,7 @@
             <a:fld id="{17F4D99F-8DB9-47AB-B21C-80A9F5EE51B9}" type="slidenum">
               <a:rPr lang="en-US" sz="1200" smtClean="0"/>
               <a:pPr/>
-              <a:t>22</a:t>
+              <a:t>23</a:t>
             </a:fld>
             <a:endParaRPr lang="en-US" sz="1200" dirty="0" smtClean="0"/>
           </a:p>
@@ -17232,7 +17520,7 @@
           <a:graphicData uri="http://schemas.openxmlformats.org/presentationml/2006/ole">
             <mc:AlternateContent xmlns:mc="http://schemas.openxmlformats.org/markup-compatibility/2006">
               <mc:Choice xmlns:v="urn:schemas-microsoft-com:vml" Requires="v">
-                <p:oleObj spid="_x0000_s150634" name="Equation" r:id="rId4" imgW="838200" imgH="241300" progId="Equation.DSMT4">
+                <p:oleObj spid="_x0000_s150639" name="Equation" r:id="rId4" imgW="838200" imgH="241300" progId="Equation.DSMT4">
                   <p:embed/>
                 </p:oleObj>
               </mc:Choice>
@@ -17901,7 +18189,7 @@
           <a:graphicData uri="http://schemas.openxmlformats.org/presentationml/2006/ole">
             <mc:AlternateContent xmlns:mc="http://schemas.openxmlformats.org/markup-compatibility/2006">
               <mc:Choice xmlns:v="urn:schemas-microsoft-com:vml" Requires="v">
-                <p:oleObj spid="_x0000_s6329" name="Equation" r:id="rId4" imgW="304560" imgH="139680" progId="Equation.DSMT4">
+                <p:oleObj spid="_x0000_s6338" name="Equation" r:id="rId4" imgW="304560" imgH="139680" progId="Equation.DSMT4">
                   <p:embed/>
                 </p:oleObj>
               </mc:Choice>
@@ -17971,7 +18259,7 @@
           <a:graphicData uri="http://schemas.openxmlformats.org/presentationml/2006/ole">
             <mc:AlternateContent xmlns:mc="http://schemas.openxmlformats.org/markup-compatibility/2006">
               <mc:Choice xmlns:v="urn:schemas-microsoft-com:vml" Requires="v">
-                <p:oleObj spid="_x0000_s6330" name="Equation" r:id="rId6" imgW="304560" imgH="139680" progId="Equation.DSMT4">
+                <p:oleObj spid="_x0000_s6339" name="Equation" r:id="rId6" imgW="304560" imgH="139680" progId="Equation.DSMT4">
                   <p:embed/>
                 </p:oleObj>
               </mc:Choice>
@@ -19879,7 +20167,7 @@
           <a:graphicData uri="http://schemas.openxmlformats.org/presentationml/2006/ole">
             <mc:AlternateContent xmlns:mc="http://schemas.openxmlformats.org/markup-compatibility/2006">
               <mc:Choice xmlns:v="urn:schemas-microsoft-com:vml" Requires="v">
-                <p:oleObj spid="_x0000_s7347" name="Equation" r:id="rId4" imgW="304560" imgH="139680" progId="Equation.DSMT4">
+                <p:oleObj spid="_x0000_s7356" name="Equation" r:id="rId4" imgW="304560" imgH="139680" progId="Equation.DSMT4">
                   <p:embed/>
                 </p:oleObj>
               </mc:Choice>
@@ -19949,7 +20237,7 @@
           <a:graphicData uri="http://schemas.openxmlformats.org/presentationml/2006/ole">
             <mc:AlternateContent xmlns:mc="http://schemas.openxmlformats.org/markup-compatibility/2006">
               <mc:Choice xmlns:v="urn:schemas-microsoft-com:vml" Requires="v">
-                <p:oleObj spid="_x0000_s7348" name="Equation" r:id="rId6" imgW="304560" imgH="139680" progId="Equation.DSMT4">
+                <p:oleObj spid="_x0000_s7357" name="Equation" r:id="rId6" imgW="304560" imgH="139680" progId="Equation.DSMT4">
                   <p:embed/>
                 </p:oleObj>
               </mc:Choice>
@@ -20358,7 +20646,7 @@
           <a:graphicData uri="http://schemas.openxmlformats.org/presentationml/2006/ole">
             <mc:AlternateContent xmlns:mc="http://schemas.openxmlformats.org/markup-compatibility/2006">
               <mc:Choice xmlns:v="urn:schemas-microsoft-com:vml" Requires="v">
-                <p:oleObj spid="_x0000_s210044" name="Equation" r:id="rId4" imgW="114120" imgH="177480" progId="Equation.DSMT4">
+                <p:oleObj spid="_x0000_s210053" name="Equation" r:id="rId4" imgW="114120" imgH="177480" progId="Equation.DSMT4">
                   <p:embed/>
                 </p:oleObj>
               </mc:Choice>
@@ -20963,7 +21251,7 @@
           <a:graphicData uri="http://schemas.openxmlformats.org/presentationml/2006/ole">
             <mc:AlternateContent xmlns:mc="http://schemas.openxmlformats.org/markup-compatibility/2006">
               <mc:Choice xmlns:v="urn:schemas-microsoft-com:vml" Requires="v">
-                <p:oleObj spid="_x0000_s210045" name="Equation" r:id="rId6" imgW="635000" imgH="469900" progId="Equation.DSMT4">
+                <p:oleObj spid="_x0000_s210054" name="Equation" r:id="rId6" imgW="635000" imgH="469900" progId="Equation.DSMT4">
                   <p:embed/>
                 </p:oleObj>
               </mc:Choice>
@@ -21199,7 +21487,7 @@
           <a:graphicData uri="http://schemas.openxmlformats.org/presentationml/2006/ole">
             <mc:AlternateContent xmlns:mc="http://schemas.openxmlformats.org/markup-compatibility/2006">
               <mc:Choice xmlns:v="urn:schemas-microsoft-com:vml" Requires="v">
-                <p:oleObj spid="_x0000_s187549" name="Equation" r:id="rId4" imgW="114120" imgH="177480" progId="Equation.DSMT4">
+                <p:oleObj spid="_x0000_s187558" name="Equation" r:id="rId4" imgW="114120" imgH="177480" progId="Equation.DSMT4">
                   <p:embed/>
                 </p:oleObj>
               </mc:Choice>
@@ -21857,7 +22145,7 @@
             <a:graphicData uri="http://schemas.openxmlformats.org/presentationml/2006/ole">
               <mc:AlternateContent xmlns:mc="http://schemas.openxmlformats.org/markup-compatibility/2006">
                 <mc:Choice xmlns:v="urn:schemas-microsoft-com:vml" Requires="v">
-                  <p:oleObj spid="_x0000_s187550" name="Equation" r:id="rId6" imgW="635000" imgH="444500" progId="Equation.DSMT4">
+                  <p:oleObj spid="_x0000_s187559" name="Equation" r:id="rId6" imgW="635000" imgH="444500" progId="Equation.DSMT4">
                     <p:embed/>
                   </p:oleObj>
                 </mc:Choice>
@@ -22018,7 +22306,7 @@
           <a:graphicData uri="http://schemas.openxmlformats.org/presentationml/2006/ole">
             <mc:AlternateContent xmlns:mc="http://schemas.openxmlformats.org/markup-compatibility/2006">
               <mc:Choice xmlns:v="urn:schemas-microsoft-com:vml" Requires="v">
-                <p:oleObj spid="_x0000_s219162" name="Equation" r:id="rId4" imgW="114120" imgH="177480" progId="Equation.DSMT4">
+                <p:oleObj spid="_x0000_s219171" name="Equation" r:id="rId4" imgW="114120" imgH="177480" progId="Equation.DSMT4">
                   <p:embed/>
                 </p:oleObj>
               </mc:Choice>
@@ -22697,7 +22985,7 @@
           <a:graphicData uri="http://schemas.openxmlformats.org/presentationml/2006/ole">
             <mc:AlternateContent xmlns:mc="http://schemas.openxmlformats.org/markup-compatibility/2006">
               <mc:Choice xmlns:v="urn:schemas-microsoft-com:vml" Requires="v">
-                <p:oleObj spid="_x0000_s219163" name="Equation" r:id="rId6" imgW="635000" imgH="444500" progId="Equation.DSMT4">
+                <p:oleObj spid="_x0000_s219172" name="Equation" r:id="rId6" imgW="635000" imgH="444500" progId="Equation.DSMT4">
                   <p:embed/>
                 </p:oleObj>
               </mc:Choice>

--- a/fall15/slidesF15/proofs1.pptx
+++ b/fall15/slidesF15/proofs1.pptx
@@ -5,10 +5,10 @@
     <p:sldMasterId id="2147483650" r:id="rId1"/>
   </p:sldMasterIdLst>
   <p:notesMasterIdLst>
-    <p:notesMasterId r:id="rId25"/>
+    <p:notesMasterId r:id="rId26"/>
   </p:notesMasterIdLst>
   <p:handoutMasterIdLst>
-    <p:handoutMasterId r:id="rId26"/>
+    <p:handoutMasterId r:id="rId27"/>
   </p:handoutMasterIdLst>
   <p:sldIdLst>
     <p:sldId id="306" r:id="rId2"/>
@@ -16,29 +16,30 @@
     <p:sldId id="259" r:id="rId4"/>
     <p:sldId id="260" r:id="rId5"/>
     <p:sldId id="309" r:id="rId6"/>
-    <p:sldId id="321" r:id="rId7"/>
-    <p:sldId id="353" r:id="rId8"/>
-    <p:sldId id="347" r:id="rId9"/>
+    <p:sldId id="359" r:id="rId7"/>
+    <p:sldId id="321" r:id="rId8"/>
+    <p:sldId id="353" r:id="rId9"/>
     <p:sldId id="355" r:id="rId10"/>
-    <p:sldId id="356" r:id="rId11"/>
-    <p:sldId id="264" r:id="rId12"/>
-    <p:sldId id="357" r:id="rId13"/>
-    <p:sldId id="354" r:id="rId14"/>
-    <p:sldId id="288" r:id="rId15"/>
-    <p:sldId id="358" r:id="rId16"/>
-    <p:sldId id="319" r:id="rId17"/>
-    <p:sldId id="320" r:id="rId18"/>
-    <p:sldId id="308" r:id="rId19"/>
-    <p:sldId id="298" r:id="rId20"/>
-    <p:sldId id="342" r:id="rId21"/>
-    <p:sldId id="289" r:id="rId22"/>
-    <p:sldId id="302" r:id="rId23"/>
-    <p:sldId id="266" r:id="rId24"/>
+    <p:sldId id="347" r:id="rId11"/>
+    <p:sldId id="356" r:id="rId12"/>
+    <p:sldId id="264" r:id="rId13"/>
+    <p:sldId id="357" r:id="rId14"/>
+    <p:sldId id="354" r:id="rId15"/>
+    <p:sldId id="288" r:id="rId16"/>
+    <p:sldId id="358" r:id="rId17"/>
+    <p:sldId id="319" r:id="rId18"/>
+    <p:sldId id="320" r:id="rId19"/>
+    <p:sldId id="308" r:id="rId20"/>
+    <p:sldId id="298" r:id="rId21"/>
+    <p:sldId id="342" r:id="rId22"/>
+    <p:sldId id="289" r:id="rId23"/>
+    <p:sldId id="302" r:id="rId24"/>
+    <p:sldId id="266" r:id="rId25"/>
   </p:sldIdLst>
   <p:sldSz cx="9144000" cy="6858000" type="screen4x3"/>
   <p:notesSz cx="9601200" cy="7315200"/>
   <p:custDataLst>
-    <p:tags r:id="rId28"/>
+    <p:tags r:id="rId29"/>
   </p:custDataLst>
   <p:defaultTextStyle>
     <a:defPPr>
@@ -951,7 +952,7 @@
       </p:grpSpPr>
       <p:sp>
         <p:nvSpPr>
-          <p:cNvPr id="62466" name="Rectangle 7"/>
+          <p:cNvPr id="61442" name="Rectangle 7"/>
           <p:cNvSpPr>
             <a:spLocks noGrp="1" noChangeArrowheads="1"/>
           </p:cNvSpPr>
@@ -966,10 +967,10 @@
           <a:bodyPr/>
           <a:lstStyle/>
           <a:p>
-            <a:fld id="{015363C2-3A80-4355-B6A5-052F8B41EBE2}" type="slidenum">
+            <a:fld id="{06FD86CA-7308-4060-BA80-6687A7ACAB22}" type="slidenum">
               <a:rPr lang="en-US" smtClean="0"/>
               <a:pPr/>
-              <a:t>11</a:t>
+              <a:t>10</a:t>
             </a:fld>
             <a:endParaRPr lang="en-US" smtClean="0"/>
           </a:p>
@@ -977,7 +978,7 @@
       </p:sp>
       <p:sp>
         <p:nvSpPr>
-          <p:cNvPr id="62467" name="Rectangle 2"/>
+          <p:cNvPr id="61443" name="Rectangle 2"/>
           <p:cNvSpPr>
             <a:spLocks noGrp="1" noRot="1" noChangeAspect="1" noChangeArrowheads="1" noTextEdit="1"/>
           </p:cNvSpPr>
@@ -991,7 +992,7 @@
       </p:sp>
       <p:sp>
         <p:nvSpPr>
-          <p:cNvPr id="62468" name="Rectangle 3"/>
+          <p:cNvPr id="61444" name="Rectangle 3"/>
           <p:cNvSpPr>
             <a:spLocks noGrp="1" noChangeArrowheads="1"/>
           </p:cNvSpPr>
@@ -1215,7 +1216,7 @@
       </p:grpSpPr>
       <p:sp>
         <p:nvSpPr>
-          <p:cNvPr id="64514" name="Rectangle 7"/>
+          <p:cNvPr id="62466" name="Rectangle 7"/>
           <p:cNvSpPr>
             <a:spLocks noGrp="1" noChangeArrowheads="1"/>
           </p:cNvSpPr>
@@ -1230,7 +1231,7 @@
           <a:bodyPr/>
           <a:lstStyle/>
           <a:p>
-            <a:fld id="{1EF09EF7-8FD4-487F-B1F0-2E54B2078867}" type="slidenum">
+            <a:fld id="{015363C2-3A80-4355-B6A5-052F8B41EBE2}" type="slidenum">
               <a:rPr lang="en-US" smtClean="0"/>
               <a:pPr/>
               <a:t>14</a:t>
@@ -1241,7 +1242,7 @@
       </p:sp>
       <p:sp>
         <p:nvSpPr>
-          <p:cNvPr id="64515" name="Rectangle 2"/>
+          <p:cNvPr id="62467" name="Rectangle 2"/>
           <p:cNvSpPr>
             <a:spLocks noGrp="1" noRot="1" noChangeAspect="1" noChangeArrowheads="1" noTextEdit="1"/>
           </p:cNvSpPr>
@@ -1255,7 +1256,7 @@
       </p:sp>
       <p:sp>
         <p:nvSpPr>
-          <p:cNvPr id="64516" name="Rectangle 3"/>
+          <p:cNvPr id="62468" name="Rectangle 3"/>
           <p:cNvSpPr>
             <a:spLocks noGrp="1" noChangeArrowheads="1"/>
           </p:cNvSpPr>
@@ -1303,7 +1304,7 @@
       </p:grpSpPr>
       <p:sp>
         <p:nvSpPr>
-          <p:cNvPr id="65538" name="Rectangle 7"/>
+          <p:cNvPr id="64514" name="Rectangle 7"/>
           <p:cNvSpPr>
             <a:spLocks noGrp="1" noChangeArrowheads="1"/>
           </p:cNvSpPr>
@@ -1318,10 +1319,10 @@
           <a:bodyPr/>
           <a:lstStyle/>
           <a:p>
-            <a:fld id="{61C0D827-3B30-41B3-844D-02406EF0DDDE}" type="slidenum">
+            <a:fld id="{1EF09EF7-8FD4-487F-B1F0-2E54B2078867}" type="slidenum">
               <a:rPr lang="en-US" smtClean="0"/>
               <a:pPr/>
-              <a:t>16</a:t>
+              <a:t>15</a:t>
             </a:fld>
             <a:endParaRPr lang="en-US" smtClean="0"/>
           </a:p>
@@ -1329,7 +1330,7 @@
       </p:sp>
       <p:sp>
         <p:nvSpPr>
-          <p:cNvPr id="65539" name="Rectangle 2"/>
+          <p:cNvPr id="64515" name="Rectangle 2"/>
           <p:cNvSpPr>
             <a:spLocks noGrp="1" noRot="1" noChangeAspect="1" noChangeArrowheads="1" noTextEdit="1"/>
           </p:cNvSpPr>
@@ -1343,7 +1344,7 @@
       </p:sp>
       <p:sp>
         <p:nvSpPr>
-          <p:cNvPr id="65540" name="Rectangle 3"/>
+          <p:cNvPr id="64516" name="Rectangle 3"/>
           <p:cNvSpPr>
             <a:spLocks noGrp="1" noChangeArrowheads="1"/>
           </p:cNvSpPr>
@@ -1391,7 +1392,7 @@
       </p:grpSpPr>
       <p:sp>
         <p:nvSpPr>
-          <p:cNvPr id="66562" name="Rectangle 7"/>
+          <p:cNvPr id="65538" name="Rectangle 7"/>
           <p:cNvSpPr>
             <a:spLocks noGrp="1" noChangeArrowheads="1"/>
           </p:cNvSpPr>
@@ -1406,7 +1407,7 @@
           <a:bodyPr/>
           <a:lstStyle/>
           <a:p>
-            <a:fld id="{7ADFF96C-1126-4FE2-8812-2235E28F31C8}" type="slidenum">
+            <a:fld id="{61C0D827-3B30-41B3-844D-02406EF0DDDE}" type="slidenum">
               <a:rPr lang="en-US" smtClean="0"/>
               <a:pPr/>
               <a:t>17</a:t>
@@ -1417,7 +1418,7 @@
       </p:sp>
       <p:sp>
         <p:nvSpPr>
-          <p:cNvPr id="66563" name="Rectangle 2"/>
+          <p:cNvPr id="65539" name="Rectangle 2"/>
           <p:cNvSpPr>
             <a:spLocks noGrp="1" noRot="1" noChangeAspect="1" noChangeArrowheads="1" noTextEdit="1"/>
           </p:cNvSpPr>
@@ -1431,7 +1432,7 @@
       </p:sp>
       <p:sp>
         <p:nvSpPr>
-          <p:cNvPr id="66564" name="Rectangle 3"/>
+          <p:cNvPr id="65540" name="Rectangle 3"/>
           <p:cNvSpPr>
             <a:spLocks noGrp="1" noChangeArrowheads="1"/>
           </p:cNvSpPr>
@@ -1479,7 +1480,7 @@
       </p:grpSpPr>
       <p:sp>
         <p:nvSpPr>
-          <p:cNvPr id="67586" name="Rectangle 7"/>
+          <p:cNvPr id="66562" name="Rectangle 7"/>
           <p:cNvSpPr>
             <a:spLocks noGrp="1" noChangeArrowheads="1"/>
           </p:cNvSpPr>
@@ -1494,7 +1495,7 @@
           <a:bodyPr/>
           <a:lstStyle/>
           <a:p>
-            <a:fld id="{E1AB1F72-E3CC-4931-BF03-3C0BE4D7A4E3}" type="slidenum">
+            <a:fld id="{7ADFF96C-1126-4FE2-8812-2235E28F31C8}" type="slidenum">
               <a:rPr lang="en-US" smtClean="0"/>
               <a:pPr/>
               <a:t>18</a:t>
@@ -1505,7 +1506,7 @@
       </p:sp>
       <p:sp>
         <p:nvSpPr>
-          <p:cNvPr id="67587" name="Rectangle 2"/>
+          <p:cNvPr id="66563" name="Rectangle 2"/>
           <p:cNvSpPr>
             <a:spLocks noGrp="1" noRot="1" noChangeAspect="1" noChangeArrowheads="1" noTextEdit="1"/>
           </p:cNvSpPr>
@@ -1519,7 +1520,7 @@
       </p:sp>
       <p:sp>
         <p:nvSpPr>
-          <p:cNvPr id="67588" name="Rectangle 3"/>
+          <p:cNvPr id="66564" name="Rectangle 3"/>
           <p:cNvSpPr>
             <a:spLocks noGrp="1" noChangeArrowheads="1"/>
           </p:cNvSpPr>
@@ -1567,7 +1568,7 @@
       </p:grpSpPr>
       <p:sp>
         <p:nvSpPr>
-          <p:cNvPr id="68610" name="Rectangle 7"/>
+          <p:cNvPr id="67586" name="Rectangle 7"/>
           <p:cNvSpPr>
             <a:spLocks noGrp="1" noChangeArrowheads="1"/>
           </p:cNvSpPr>
@@ -1582,7 +1583,7 @@
           <a:bodyPr/>
           <a:lstStyle/>
           <a:p>
-            <a:fld id="{AB383728-4ACD-45AA-AE8F-C481528D9881}" type="slidenum">
+            <a:fld id="{E1AB1F72-E3CC-4931-BF03-3C0BE4D7A4E3}" type="slidenum">
               <a:rPr lang="en-US" smtClean="0"/>
               <a:pPr/>
               <a:t>19</a:t>
@@ -1593,7 +1594,7 @@
       </p:sp>
       <p:sp>
         <p:nvSpPr>
-          <p:cNvPr id="68611" name="Rectangle 2"/>
+          <p:cNvPr id="67587" name="Rectangle 2"/>
           <p:cNvSpPr>
             <a:spLocks noGrp="1" noRot="1" noChangeAspect="1" noChangeArrowheads="1" noTextEdit="1"/>
           </p:cNvSpPr>
@@ -1607,7 +1608,7 @@
       </p:sp>
       <p:sp>
         <p:nvSpPr>
-          <p:cNvPr id="68612" name="Rectangle 3"/>
+          <p:cNvPr id="67588" name="Rectangle 3"/>
           <p:cNvSpPr>
             <a:spLocks noGrp="1" noChangeArrowheads="1"/>
           </p:cNvSpPr>
@@ -1655,7 +1656,7 @@
       </p:grpSpPr>
       <p:sp>
         <p:nvSpPr>
-          <p:cNvPr id="69634" name="Rectangle 7"/>
+          <p:cNvPr id="68610" name="Rectangle 7"/>
           <p:cNvSpPr>
             <a:spLocks noGrp="1" noChangeArrowheads="1"/>
           </p:cNvSpPr>
@@ -1670,7 +1671,7 @@
           <a:bodyPr/>
           <a:lstStyle/>
           <a:p>
-            <a:fld id="{37E283DA-5899-48F3-84C6-6483C00AB4A7}" type="slidenum">
+            <a:fld id="{AB383728-4ACD-45AA-AE8F-C481528D9881}" type="slidenum">
               <a:rPr lang="en-US" smtClean="0"/>
               <a:pPr/>
               <a:t>20</a:t>
@@ -1681,7 +1682,7 @@
       </p:sp>
       <p:sp>
         <p:nvSpPr>
-          <p:cNvPr id="69635" name="Rectangle 2"/>
+          <p:cNvPr id="68611" name="Rectangle 2"/>
           <p:cNvSpPr>
             <a:spLocks noGrp="1" noRot="1" noChangeAspect="1" noChangeArrowheads="1" noTextEdit="1"/>
           </p:cNvSpPr>
@@ -1695,7 +1696,7 @@
       </p:sp>
       <p:sp>
         <p:nvSpPr>
-          <p:cNvPr id="69636" name="Rectangle 3"/>
+          <p:cNvPr id="68612" name="Rectangle 3"/>
           <p:cNvSpPr>
             <a:spLocks noGrp="1" noChangeArrowheads="1"/>
           </p:cNvSpPr>
@@ -1919,7 +1920,7 @@
       </p:grpSpPr>
       <p:sp>
         <p:nvSpPr>
-          <p:cNvPr id="70658" name="Rectangle 7"/>
+          <p:cNvPr id="69634" name="Rectangle 7"/>
           <p:cNvSpPr>
             <a:spLocks noGrp="1" noChangeArrowheads="1"/>
           </p:cNvSpPr>
@@ -1934,7 +1935,7 @@
           <a:bodyPr/>
           <a:lstStyle/>
           <a:p>
-            <a:fld id="{8E7D3159-B9DE-441B-A62B-B74582C5B49E}" type="slidenum">
+            <a:fld id="{37E283DA-5899-48F3-84C6-6483C00AB4A7}" type="slidenum">
               <a:rPr lang="en-US" smtClean="0"/>
               <a:pPr/>
               <a:t>22</a:t>
@@ -1945,7 +1946,7 @@
       </p:sp>
       <p:sp>
         <p:nvSpPr>
-          <p:cNvPr id="70659" name="Rectangle 2"/>
+          <p:cNvPr id="69635" name="Rectangle 2"/>
           <p:cNvSpPr>
             <a:spLocks noGrp="1" noRot="1" noChangeAspect="1" noChangeArrowheads="1" noTextEdit="1"/>
           </p:cNvSpPr>
@@ -1959,7 +1960,7 @@
       </p:sp>
       <p:sp>
         <p:nvSpPr>
-          <p:cNvPr id="70660" name="Rectangle 3"/>
+          <p:cNvPr id="69636" name="Rectangle 3"/>
           <p:cNvSpPr>
             <a:spLocks noGrp="1" noChangeArrowheads="1"/>
           </p:cNvSpPr>
@@ -2007,6 +2008,94 @@
       </p:grpSpPr>
       <p:sp>
         <p:nvSpPr>
+          <p:cNvPr id="70658" name="Rectangle 7"/>
+          <p:cNvSpPr>
+            <a:spLocks noGrp="1" noChangeArrowheads="1"/>
+          </p:cNvSpPr>
+          <p:nvPr>
+            <p:ph type="sldNum" sz="quarter" idx="5"/>
+          </p:nvPr>
+        </p:nvSpPr>
+        <p:spPr>
+          <a:noFill/>
+        </p:spPr>
+        <p:txBody>
+          <a:bodyPr/>
+          <a:lstStyle/>
+          <a:p>
+            <a:fld id="{8E7D3159-B9DE-441B-A62B-B74582C5B49E}" type="slidenum">
+              <a:rPr lang="en-US" smtClean="0"/>
+              <a:pPr/>
+              <a:t>23</a:t>
+            </a:fld>
+            <a:endParaRPr lang="en-US" smtClean="0"/>
+          </a:p>
+        </p:txBody>
+      </p:sp>
+      <p:sp>
+        <p:nvSpPr>
+          <p:cNvPr id="70659" name="Rectangle 2"/>
+          <p:cNvSpPr>
+            <a:spLocks noGrp="1" noRot="1" noChangeAspect="1" noChangeArrowheads="1" noTextEdit="1"/>
+          </p:cNvSpPr>
+          <p:nvPr>
+            <p:ph type="sldImg"/>
+          </p:nvPr>
+        </p:nvSpPr>
+        <p:spPr>
+          <a:ln/>
+        </p:spPr>
+      </p:sp>
+      <p:sp>
+        <p:nvSpPr>
+          <p:cNvPr id="70660" name="Rectangle 3"/>
+          <p:cNvSpPr>
+            <a:spLocks noGrp="1" noChangeArrowheads="1"/>
+          </p:cNvSpPr>
+          <p:nvPr>
+            <p:ph type="body" idx="1"/>
+          </p:nvPr>
+        </p:nvSpPr>
+        <p:spPr>
+          <a:noFill/>
+          <a:ln/>
+        </p:spPr>
+        <p:txBody>
+          <a:bodyPr/>
+          <a:lstStyle/>
+          <a:p>
+            <a:pPr eaLnBrk="1" hangingPunct="1"/>
+            <a:endParaRPr lang="en-US" smtClean="0"/>
+          </a:p>
+        </p:txBody>
+      </p:sp>
+    </p:spTree>
+  </p:cSld>
+  <p:clrMapOvr>
+    <a:masterClrMapping/>
+  </p:clrMapOvr>
+</p:notes>
+</file>
+
+<file path=ppt/notesSlides/notesSlide22.xml><?xml version="1.0" encoding="utf-8"?>
+<p:notes xmlns:a="http://schemas.openxmlformats.org/drawingml/2006/main" xmlns:r="http://schemas.openxmlformats.org/officeDocument/2006/relationships" xmlns:p="http://schemas.openxmlformats.org/presentationml/2006/main">
+  <p:cSld>
+    <p:spTree>
+      <p:nvGrpSpPr>
+        <p:cNvPr id="1" name=""/>
+        <p:cNvGrpSpPr/>
+        <p:nvPr/>
+      </p:nvGrpSpPr>
+      <p:grpSpPr>
+        <a:xfrm>
+          <a:off x="0" y="0"/>
+          <a:ext cx="0" cy="0"/>
+          <a:chOff x="0" y="0"/>
+          <a:chExt cx="0" cy="0"/>
+        </a:xfrm>
+      </p:grpSpPr>
+      <p:sp>
+        <p:nvSpPr>
           <p:cNvPr id="71682" name="Rectangle 7"/>
           <p:cNvSpPr>
             <a:spLocks noGrp="1" noChangeArrowheads="1"/>
@@ -2025,7 +2114,7 @@
             <a:fld id="{20F44D78-E584-4667-AD79-A0C4664A329D}" type="slidenum">
               <a:rPr lang="en-US" smtClean="0"/>
               <a:pPr/>
-              <a:t>23</a:t>
+              <a:t>24</a:t>
             </a:fld>
             <a:endParaRPr lang="en-US" smtClean="0"/>
           </a:p>
@@ -2359,7 +2448,7 @@
       </p:grpSpPr>
       <p:sp>
         <p:nvSpPr>
-          <p:cNvPr id="60418" name="Rectangle 7"/>
+          <p:cNvPr id="59394" name="Rectangle 7"/>
           <p:cNvSpPr>
             <a:spLocks noGrp="1" noChangeArrowheads="1"/>
           </p:cNvSpPr>
@@ -2374,7 +2463,7 @@
           <a:bodyPr/>
           <a:lstStyle/>
           <a:p>
-            <a:fld id="{51FFE3F3-AF62-46B7-9D2A-50E11FFE1D71}" type="slidenum">
+            <a:fld id="{6DD68F84-63DF-41A5-B164-68108F49AA4E}" type="slidenum">
               <a:rPr lang="en-US" smtClean="0"/>
               <a:pPr/>
               <a:t>6</a:t>
@@ -2385,7 +2474,7 @@
       </p:sp>
       <p:sp>
         <p:nvSpPr>
-          <p:cNvPr id="60419" name="Rectangle 2"/>
+          <p:cNvPr id="59395" name="Rectangle 2"/>
           <p:cNvSpPr>
             <a:spLocks noGrp="1" noRot="1" noChangeAspect="1" noChangeArrowheads="1" noTextEdit="1"/>
           </p:cNvSpPr>
@@ -2399,7 +2488,7 @@
       </p:sp>
       <p:sp>
         <p:nvSpPr>
-          <p:cNvPr id="60420" name="Rectangle 3"/>
+          <p:cNvPr id="59396" name="Rectangle 3"/>
           <p:cNvSpPr>
             <a:spLocks noGrp="1" noChangeArrowheads="1"/>
           </p:cNvSpPr>
@@ -2447,7 +2536,7 @@
       </p:grpSpPr>
       <p:sp>
         <p:nvSpPr>
-          <p:cNvPr id="61442" name="Rectangle 7"/>
+          <p:cNvPr id="60418" name="Rectangle 7"/>
           <p:cNvSpPr>
             <a:spLocks noGrp="1" noChangeArrowheads="1"/>
           </p:cNvSpPr>
@@ -2462,7 +2551,7 @@
           <a:bodyPr/>
           <a:lstStyle/>
           <a:p>
-            <a:fld id="{06FD86CA-7308-4060-BA80-6687A7ACAB22}" type="slidenum">
+            <a:fld id="{51FFE3F3-AF62-46B7-9D2A-50E11FFE1D71}" type="slidenum">
               <a:rPr lang="en-US" smtClean="0"/>
               <a:pPr/>
               <a:t>7</a:t>
@@ -2473,7 +2562,7 @@
       </p:sp>
       <p:sp>
         <p:nvSpPr>
-          <p:cNvPr id="61443" name="Rectangle 2"/>
+          <p:cNvPr id="60419" name="Rectangle 2"/>
           <p:cNvSpPr>
             <a:spLocks noGrp="1" noRot="1" noChangeAspect="1" noChangeArrowheads="1" noTextEdit="1"/>
           </p:cNvSpPr>
@@ -2487,7 +2576,7 @@
       </p:sp>
       <p:sp>
         <p:nvSpPr>
-          <p:cNvPr id="61444" name="Rectangle 3"/>
+          <p:cNvPr id="60420" name="Rectangle 3"/>
           <p:cNvSpPr>
             <a:spLocks noGrp="1" noChangeArrowheads="1"/>
           </p:cNvSpPr>
@@ -5641,7 +5730,7 @@
           <a:graphicData uri="http://schemas.openxmlformats.org/presentationml/2006/ole">
             <mc:AlternateContent xmlns:mc="http://schemas.openxmlformats.org/markup-compatibility/2006">
               <mc:Choice xmlns:v="urn:schemas-microsoft-com:vml" Requires="v">
-                <p:oleObj spid="_x0000_s1219" name="Equation" r:id="rId4" imgW="914400" imgH="215640" progId="Equation.3">
+                <p:oleObj spid="_x0000_s1233" name="Equation" r:id="rId4" imgW="914400" imgH="215640" progId="Equation.3">
                   <p:embed/>
                 </p:oleObj>
               </mc:Choice>
@@ -5711,7 +5800,7 @@
           <a:graphicData uri="http://schemas.openxmlformats.org/presentationml/2006/ole">
             <mc:AlternateContent xmlns:mc="http://schemas.openxmlformats.org/markup-compatibility/2006">
               <mc:Choice xmlns:v="urn:schemas-microsoft-com:vml" Requires="v">
-                <p:oleObj spid="_x0000_s1220" name="Equation" r:id="rId6" imgW="914400" imgH="215640" progId="Equation.3">
+                <p:oleObj spid="_x0000_s1234" name="Equation" r:id="rId6" imgW="914400" imgH="215640" progId="Equation.3">
                   <p:embed/>
                 </p:oleObj>
               </mc:Choice>
@@ -5805,6 +5894,1042 @@
           <a:chExt cx="0" cy="0"/>
         </a:xfrm>
       </p:grpSpPr>
+      <p:graphicFrame>
+        <p:nvGraphicFramePr>
+          <p:cNvPr id="23" name="Object 22"/>
+          <p:cNvGraphicFramePr>
+            <a:graphicFrameLocks noChangeAspect="1"/>
+          </p:cNvGraphicFramePr>
+          <p:nvPr>
+            <p:extLst>
+              <p:ext uri="{D42A27DB-BD31-4B8C-83A1-F6EECF244321}">
+                <p14:modId xmlns:p14="http://schemas.microsoft.com/office/powerpoint/2010/main" val="1365368143"/>
+              </p:ext>
+            </p:extLst>
+          </p:nvPr>
+        </p:nvGraphicFramePr>
+        <p:xfrm>
+          <a:off x="3869748" y="3500582"/>
+          <a:ext cx="2806700" cy="1962150"/>
+        </p:xfrm>
+        <a:graphic>
+          <a:graphicData uri="http://schemas.openxmlformats.org/presentationml/2006/ole">
+            <mc:AlternateContent xmlns:mc="http://schemas.openxmlformats.org/markup-compatibility/2006">
+              <mc:Choice xmlns:v="urn:schemas-microsoft-com:vml" Requires="v">
+                <p:oleObj spid="_x0000_s187578" name="Equation" r:id="rId4" imgW="635000" imgH="444500" progId="Equation.DSMT4">
+                  <p:embed/>
+                </p:oleObj>
+              </mc:Choice>
+              <mc:Fallback>
+                <p:oleObj name="Equation" r:id="rId4" imgW="635000" imgH="444500" progId="Equation.DSMT4">
+                  <p:embed/>
+                  <p:pic>
+                    <p:nvPicPr>
+                      <p:cNvPr id="0" name=""/>
+                      <p:cNvPicPr/>
+                      <p:nvPr/>
+                    </p:nvPicPr>
+                    <p:blipFill>
+                      <a:blip r:embed="rId5"/>
+                      <a:stretch>
+                        <a:fillRect/>
+                      </a:stretch>
+                    </p:blipFill>
+                    <p:spPr>
+                      <a:xfrm>
+                        <a:off x="3869748" y="3500582"/>
+                        <a:ext cx="2806700" cy="1962150"/>
+                      </a:xfrm>
+                      <a:prstGeom prst="rect">
+                        <a:avLst/>
+                      </a:prstGeom>
+                    </p:spPr>
+                  </p:pic>
+                </p:oleObj>
+              </mc:Fallback>
+            </mc:AlternateContent>
+          </a:graphicData>
+        </a:graphic>
+      </p:graphicFrame>
+      <p:sp>
+        <p:nvSpPr>
+          <p:cNvPr id="8196" name="Slide Number Placeholder 3"/>
+          <p:cNvSpPr>
+            <a:spLocks noGrp="1"/>
+          </p:cNvSpPr>
+          <p:nvPr>
+            <p:ph type="sldNum" sz="quarter" idx="10"/>
+          </p:nvPr>
+        </p:nvSpPr>
+        <p:spPr>
+          <a:xfrm>
+            <a:off x="7571334" y="6553200"/>
+            <a:ext cx="1572666" cy="307777"/>
+          </a:xfrm>
+          <a:noFill/>
+        </p:spPr>
+        <p:txBody>
+          <a:bodyPr/>
+          <a:lstStyle/>
+          <a:p>
+            <a:r>
+              <a:rPr lang="en-US" dirty="0" smtClean="0"/>
+              <a:t>      </a:t>
+            </a:r>
+            <a:r>
+              <a:rPr lang="en-US" sz="1200" dirty="0" smtClean="0"/>
+              <a:t>proof-</a:t>
+            </a:r>
+            <a:r>
+              <a:rPr lang="en-US" sz="1200" dirty="0" err="1" smtClean="0"/>
+              <a:t>intro.I</a:t>
+            </a:r>
+            <a:r>
+              <a:rPr lang="en-US" sz="1200" dirty="0" smtClean="0"/>
+              <a:t>.</a:t>
+            </a:r>
+            <a:fld id="{90D7F182-AFDA-4334-AFA0-35192557D391}" type="slidenum">
+              <a:rPr lang="en-US" sz="1200" smtClean="0"/>
+              <a:pPr/>
+              <a:t>10</a:t>
+            </a:fld>
+            <a:endParaRPr lang="en-US" sz="1200" dirty="0" smtClean="0"/>
+          </a:p>
+        </p:txBody>
+      </p:sp>
+      <p:sp>
+        <p:nvSpPr>
+          <p:cNvPr id="8197" name="Rectangle 2"/>
+          <p:cNvSpPr>
+            <a:spLocks noGrp="1" noChangeArrowheads="1"/>
+          </p:cNvSpPr>
+          <p:nvPr>
+            <p:ph type="title"/>
+          </p:nvPr>
+        </p:nvSpPr>
+        <p:spPr/>
+        <p:txBody>
+          <a:bodyPr/>
+          <a:lstStyle/>
+          <a:p>
+            <a:pPr eaLnBrk="1" hangingPunct="1"/>
+            <a:r>
+              <a:rPr lang="en-US" dirty="0" smtClean="0"/>
+              <a:t>A Cool </a:t>
+            </a:r>
+            <a:r>
+              <a:rPr lang="en-US" dirty="0" smtClean="0">
+                <a:solidFill>
+                  <a:schemeClr val="tx1"/>
+                </a:solidFill>
+              </a:rPr>
+              <a:t>Proof</a:t>
+            </a:r>
+          </a:p>
+        </p:txBody>
+      </p:sp>
+      <p:graphicFrame>
+        <p:nvGraphicFramePr>
+          <p:cNvPr id="8194" name="Object 134"/>
+          <p:cNvGraphicFramePr>
+            <a:graphicFrameLocks noChangeAspect="1"/>
+          </p:cNvGraphicFramePr>
+          <p:nvPr/>
+        </p:nvGraphicFramePr>
+        <p:xfrm>
+          <a:off x="400050" y="9525"/>
+          <a:ext cx="114300" cy="177800"/>
+        </p:xfrm>
+        <a:graphic>
+          <a:graphicData uri="http://schemas.openxmlformats.org/presentationml/2006/ole">
+            <mc:AlternateContent xmlns:mc="http://schemas.openxmlformats.org/markup-compatibility/2006">
+              <mc:Choice xmlns:v="urn:schemas-microsoft-com:vml" Requires="v">
+                <p:oleObj spid="_x0000_s187579" name="Equation" r:id="rId6" imgW="114120" imgH="177480" progId="Equation.DSMT4">
+                  <p:embed/>
+                </p:oleObj>
+              </mc:Choice>
+              <mc:Fallback>
+                <p:oleObj name="Equation" r:id="rId6" imgW="114120" imgH="177480" progId="Equation.DSMT4">
+                  <p:embed/>
+                  <p:pic>
+                    <p:nvPicPr>
+                      <p:cNvPr id="0" name=""/>
+                      <p:cNvPicPr>
+                        <a:picLocks noChangeAspect="1" noChangeArrowheads="1"/>
+                      </p:cNvPicPr>
+                      <p:nvPr/>
+                    </p:nvPicPr>
+                    <p:blipFill>
+                      <a:blip r:embed="rId7">
+                        <a:extLst>
+                          <a:ext uri="{28A0092B-C50C-407E-A947-70E740481C1C}">
+                            <a14:useLocalDpi xmlns:a14="http://schemas.microsoft.com/office/drawing/2010/main" val="0"/>
+                          </a:ext>
+                        </a:extLst>
+                      </a:blip>
+                      <a:srcRect/>
+                      <a:stretch>
+                        <a:fillRect/>
+                      </a:stretch>
+                    </p:blipFill>
+                    <p:spPr bwMode="auto">
+                      <a:xfrm>
+                        <a:off x="400050" y="9525"/>
+                        <a:ext cx="114300" cy="177800"/>
+                      </a:xfrm>
+                      <a:prstGeom prst="rect">
+                        <a:avLst/>
+                      </a:prstGeom>
+                      <a:noFill/>
+                      <a:extLst>
+                        <a:ext uri="{909E8E84-426E-40dd-AFC4-6F175D3DCCD1}">
+                          <a14:hiddenFill xmlns:a14="http://schemas.microsoft.com/office/drawing/2010/main">
+                            <a:solidFill>
+                              <a:srgbClr val="FFFFFF"/>
+                            </a:solidFill>
+                          </a14:hiddenFill>
+                        </a:ext>
+                      </a:extLst>
+                    </p:spPr>
+                  </p:pic>
+                </p:oleObj>
+              </mc:Fallback>
+            </mc:AlternateContent>
+          </a:graphicData>
+        </a:graphic>
+      </p:graphicFrame>
+      <p:sp>
+        <p:nvSpPr>
+          <p:cNvPr id="8198" name="AutoShape 76"/>
+          <p:cNvSpPr>
+            <a:spLocks noChangeArrowheads="1"/>
+          </p:cNvSpPr>
+          <p:nvPr/>
+        </p:nvSpPr>
+        <p:spPr bwMode="auto">
+          <a:xfrm>
+            <a:off x="5065713" y="1928813"/>
+            <a:ext cx="1519237" cy="2606675"/>
+          </a:xfrm>
+          <a:prstGeom prst="rtTriangle">
+            <a:avLst/>
+          </a:prstGeom>
+          <a:solidFill>
+            <a:srgbClr val="FF0000"/>
+          </a:solidFill>
+          <a:ln w="9525">
+            <a:solidFill>
+              <a:schemeClr val="tx1"/>
+            </a:solidFill>
+            <a:miter lim="800000"/>
+            <a:headEnd/>
+            <a:tailEnd/>
+          </a:ln>
+        </p:spPr>
+        <p:txBody>
+          <a:bodyPr wrap="none" anchor="ctr"/>
+          <a:lstStyle/>
+          <a:p>
+            <a:endParaRPr lang="en-US">
+              <a:latin typeface="Comic Sans MS" pitchFamily="66" charset="0"/>
+            </a:endParaRPr>
+          </a:p>
+        </p:txBody>
+      </p:sp>
+      <p:sp>
+        <p:nvSpPr>
+          <p:cNvPr id="8199" name="AutoShape 77"/>
+          <p:cNvSpPr>
+            <a:spLocks noChangeArrowheads="1"/>
+          </p:cNvSpPr>
+          <p:nvPr/>
+        </p:nvSpPr>
+        <p:spPr bwMode="auto">
+          <a:xfrm rot="10800000">
+            <a:off x="5065713" y="1928813"/>
+            <a:ext cx="1519237" cy="2606675"/>
+          </a:xfrm>
+          <a:prstGeom prst="rtTriangle">
+            <a:avLst/>
+          </a:prstGeom>
+          <a:solidFill>
+            <a:srgbClr val="FF0000"/>
+          </a:solidFill>
+          <a:ln w="9525">
+            <a:solidFill>
+              <a:schemeClr val="tx1"/>
+            </a:solidFill>
+            <a:miter lim="800000"/>
+            <a:headEnd/>
+            <a:tailEnd/>
+          </a:ln>
+        </p:spPr>
+        <p:txBody>
+          <a:bodyPr wrap="none" anchor="ctr"/>
+          <a:lstStyle/>
+          <a:p>
+            <a:endParaRPr lang="en-US">
+              <a:latin typeface="Comic Sans MS" pitchFamily="66" charset="0"/>
+            </a:endParaRPr>
+          </a:p>
+        </p:txBody>
+      </p:sp>
+      <p:grpSp>
+        <p:nvGrpSpPr>
+          <p:cNvPr id="3" name="Group 2"/>
+          <p:cNvGrpSpPr/>
+          <p:nvPr/>
+        </p:nvGrpSpPr>
+        <p:grpSpPr>
+          <a:xfrm>
+            <a:off x="2430463" y="1928813"/>
+            <a:ext cx="2635250" cy="1503362"/>
+            <a:chOff x="2430463" y="1928813"/>
+            <a:chExt cx="2635250" cy="1503362"/>
+          </a:xfrm>
+          <a:solidFill>
+            <a:srgbClr val="FF0000"/>
+          </a:solidFill>
+        </p:grpSpPr>
+        <p:sp>
+          <p:nvSpPr>
+            <p:cNvPr id="8200" name="AutoShape 78"/>
+            <p:cNvSpPr>
+              <a:spLocks noChangeArrowheads="1"/>
+            </p:cNvSpPr>
+            <p:nvPr/>
+          </p:nvSpPr>
+          <p:spPr bwMode="auto">
+            <a:xfrm rot="16200000">
+              <a:off x="2996407" y="1362869"/>
+              <a:ext cx="1503362" cy="2635250"/>
+            </a:xfrm>
+            <a:prstGeom prst="rtTriangle">
+              <a:avLst/>
+            </a:prstGeom>
+            <a:grpFill/>
+            <a:ln w="9525">
+              <a:solidFill>
+                <a:schemeClr val="tx1"/>
+              </a:solidFill>
+              <a:miter lim="800000"/>
+              <a:headEnd/>
+              <a:tailEnd/>
+            </a:ln>
+          </p:spPr>
+          <p:txBody>
+            <a:bodyPr wrap="none" anchor="ctr"/>
+            <a:lstStyle/>
+            <a:p>
+              <a:endParaRPr lang="en-US">
+                <a:latin typeface="Comic Sans MS" pitchFamily="66" charset="0"/>
+              </a:endParaRPr>
+            </a:p>
+          </p:txBody>
+        </p:sp>
+        <p:sp>
+          <p:nvSpPr>
+            <p:cNvPr id="8201" name="AutoShape 79"/>
+            <p:cNvSpPr>
+              <a:spLocks noChangeArrowheads="1"/>
+            </p:cNvSpPr>
+            <p:nvPr/>
+          </p:nvSpPr>
+          <p:spPr bwMode="auto">
+            <a:xfrm rot="5400000">
+              <a:off x="2996407" y="1362869"/>
+              <a:ext cx="1503362" cy="2635250"/>
+            </a:xfrm>
+            <a:prstGeom prst="rtTriangle">
+              <a:avLst/>
+            </a:prstGeom>
+            <a:grpFill/>
+            <a:ln w="9525">
+              <a:solidFill>
+                <a:schemeClr val="tx1"/>
+              </a:solidFill>
+              <a:miter lim="800000"/>
+              <a:headEnd/>
+              <a:tailEnd/>
+            </a:ln>
+          </p:spPr>
+          <p:txBody>
+            <a:bodyPr wrap="none" anchor="ctr"/>
+            <a:lstStyle/>
+            <a:p>
+              <a:endParaRPr lang="en-US">
+                <a:latin typeface="Comic Sans MS" pitchFamily="66" charset="0"/>
+              </a:endParaRPr>
+            </a:p>
+          </p:txBody>
+        </p:sp>
+      </p:grpSp>
+      <p:sp>
+        <p:nvSpPr>
+          <p:cNvPr id="8202" name="Line 89"/>
+          <p:cNvSpPr>
+            <a:spLocks noChangeShapeType="1"/>
+          </p:cNvSpPr>
+          <p:nvPr/>
+        </p:nvSpPr>
+        <p:spPr bwMode="auto">
+          <a:xfrm>
+            <a:off x="5470525" y="6338888"/>
+            <a:ext cx="0" cy="0"/>
+          </a:xfrm>
+          <a:prstGeom prst="line">
+            <a:avLst/>
+          </a:prstGeom>
+          <a:noFill/>
+          <a:ln w="9525">
+            <a:solidFill>
+              <a:schemeClr val="tx1"/>
+            </a:solidFill>
+            <a:round/>
+            <a:headEnd/>
+            <a:tailEnd/>
+          </a:ln>
+        </p:spPr>
+        <p:txBody>
+          <a:bodyPr/>
+          <a:lstStyle/>
+          <a:p>
+            <a:endParaRPr lang="en-US"/>
+          </a:p>
+        </p:txBody>
+      </p:sp>
+      <p:sp>
+        <p:nvSpPr>
+          <p:cNvPr id="8203" name="Line 90"/>
+          <p:cNvSpPr>
+            <a:spLocks noChangeShapeType="1"/>
+          </p:cNvSpPr>
+          <p:nvPr/>
+        </p:nvSpPr>
+        <p:spPr bwMode="auto">
+          <a:xfrm>
+            <a:off x="5470525" y="6338888"/>
+            <a:ext cx="0" cy="0"/>
+          </a:xfrm>
+          <a:prstGeom prst="line">
+            <a:avLst/>
+          </a:prstGeom>
+          <a:noFill/>
+          <a:ln w="9525">
+            <a:solidFill>
+              <a:schemeClr val="tx1"/>
+            </a:solidFill>
+            <a:round/>
+            <a:headEnd/>
+            <a:tailEnd/>
+          </a:ln>
+        </p:spPr>
+        <p:txBody>
+          <a:bodyPr/>
+          <a:lstStyle/>
+          <a:p>
+            <a:endParaRPr lang="en-US"/>
+          </a:p>
+        </p:txBody>
+      </p:sp>
+      <p:sp>
+        <p:nvSpPr>
+          <p:cNvPr id="8204" name="Line 103"/>
+          <p:cNvSpPr>
+            <a:spLocks noChangeShapeType="1"/>
+          </p:cNvSpPr>
+          <p:nvPr/>
+        </p:nvSpPr>
+        <p:spPr bwMode="auto">
+          <a:xfrm flipV="1">
+            <a:off x="4051300" y="4535488"/>
+            <a:ext cx="1014413" cy="0"/>
+          </a:xfrm>
+          <a:prstGeom prst="line">
+            <a:avLst/>
+          </a:prstGeom>
+          <a:noFill/>
+          <a:ln w="9525">
+            <a:solidFill>
+              <a:schemeClr val="tx1"/>
+            </a:solidFill>
+            <a:round/>
+            <a:headEnd/>
+            <a:tailEnd/>
+          </a:ln>
+        </p:spPr>
+        <p:txBody>
+          <a:bodyPr/>
+          <a:lstStyle/>
+          <a:p>
+            <a:endParaRPr lang="en-US"/>
+          </a:p>
+        </p:txBody>
+      </p:sp>
+      <p:sp>
+        <p:nvSpPr>
+          <p:cNvPr id="8205" name="Line 104"/>
+          <p:cNvSpPr>
+            <a:spLocks noChangeShapeType="1"/>
+          </p:cNvSpPr>
+          <p:nvPr/>
+        </p:nvSpPr>
+        <p:spPr bwMode="auto">
+          <a:xfrm flipV="1">
+            <a:off x="4051300" y="3432175"/>
+            <a:ext cx="0" cy="1103313"/>
+          </a:xfrm>
+          <a:prstGeom prst="line">
+            <a:avLst/>
+          </a:prstGeom>
+          <a:noFill/>
+          <a:ln w="9525">
+            <a:solidFill>
+              <a:schemeClr val="tx1"/>
+            </a:solidFill>
+            <a:round/>
+            <a:headEnd/>
+            <a:tailEnd/>
+          </a:ln>
+        </p:spPr>
+        <p:txBody>
+          <a:bodyPr/>
+          <a:lstStyle/>
+          <a:p>
+            <a:endParaRPr lang="en-US"/>
+          </a:p>
+        </p:txBody>
+      </p:sp>
+      <p:sp>
+        <p:nvSpPr>
+          <p:cNvPr id="8206" name="Text Box 109"/>
+          <p:cNvSpPr txBox="1">
+            <a:spLocks noChangeArrowheads="1"/>
+          </p:cNvSpPr>
+          <p:nvPr/>
+        </p:nvSpPr>
+        <p:spPr bwMode="auto">
+          <a:xfrm>
+            <a:off x="6584950" y="2930525"/>
+            <a:ext cx="515938" cy="523875"/>
+          </a:xfrm>
+          <a:prstGeom prst="rect">
+            <a:avLst/>
+          </a:prstGeom>
+          <a:noFill/>
+          <a:ln w="9525">
+            <a:noFill/>
+            <a:miter lim="800000"/>
+            <a:headEnd/>
+            <a:tailEnd/>
+          </a:ln>
+        </p:spPr>
+        <p:txBody>
+          <a:bodyPr>
+            <a:spAutoFit/>
+          </a:bodyPr>
+          <a:lstStyle/>
+          <a:p>
+            <a:r>
+              <a:rPr lang="en-US" sz="2800" b="1">
+                <a:latin typeface="Comic Sans MS" pitchFamily="66" charset="0"/>
+              </a:rPr>
+              <a:t>b</a:t>
+            </a:r>
+          </a:p>
+        </p:txBody>
+      </p:sp>
+      <p:sp>
+        <p:nvSpPr>
+          <p:cNvPr id="8207" name="Text Box 129"/>
+          <p:cNvSpPr txBox="1">
+            <a:spLocks noChangeArrowheads="1"/>
+          </p:cNvSpPr>
+          <p:nvPr/>
+        </p:nvSpPr>
+        <p:spPr bwMode="auto">
+          <a:xfrm>
+            <a:off x="1982788" y="2298700"/>
+            <a:ext cx="384175" cy="522288"/>
+          </a:xfrm>
+          <a:prstGeom prst="rect">
+            <a:avLst/>
+          </a:prstGeom>
+          <a:noFill/>
+          <a:ln w="9525">
+            <a:noFill/>
+            <a:miter lim="800000"/>
+            <a:headEnd/>
+            <a:tailEnd type="none" w="lg" len="lg"/>
+          </a:ln>
+        </p:spPr>
+        <p:txBody>
+          <a:bodyPr wrap="none">
+            <a:spAutoFit/>
+          </a:bodyPr>
+          <a:lstStyle/>
+          <a:p>
+            <a:r>
+              <a:rPr lang="en-US" sz="2800" b="1">
+                <a:latin typeface="Comic Sans MS" pitchFamily="66" charset="0"/>
+              </a:rPr>
+              <a:t>a</a:t>
+            </a:r>
+          </a:p>
+        </p:txBody>
+      </p:sp>
+      <p:sp>
+        <p:nvSpPr>
+          <p:cNvPr id="8208" name="Text Box 130"/>
+          <p:cNvSpPr txBox="1">
+            <a:spLocks noChangeArrowheads="1"/>
+          </p:cNvSpPr>
+          <p:nvPr/>
+        </p:nvSpPr>
+        <p:spPr bwMode="auto">
+          <a:xfrm>
+            <a:off x="2995613" y="3363913"/>
+            <a:ext cx="384175" cy="523875"/>
+          </a:xfrm>
+          <a:prstGeom prst="rect">
+            <a:avLst/>
+          </a:prstGeom>
+          <a:noFill/>
+          <a:ln w="9525">
+            <a:noFill/>
+            <a:miter lim="800000"/>
+            <a:headEnd/>
+            <a:tailEnd type="none" w="lg" len="lg"/>
+          </a:ln>
+        </p:spPr>
+        <p:txBody>
+          <a:bodyPr wrap="none">
+            <a:spAutoFit/>
+          </a:bodyPr>
+          <a:lstStyle/>
+          <a:p>
+            <a:r>
+              <a:rPr lang="en-US" sz="2800" b="1" dirty="0">
+                <a:latin typeface="Comic Sans MS" pitchFamily="66" charset="0"/>
+              </a:rPr>
+              <a:t>a</a:t>
+            </a:r>
+          </a:p>
+        </p:txBody>
+      </p:sp>
+      <p:sp>
+        <p:nvSpPr>
+          <p:cNvPr id="8210" name="Rectangle 133"/>
+          <p:cNvSpPr>
+            <a:spLocks noChangeArrowheads="1"/>
+          </p:cNvSpPr>
+          <p:nvPr/>
+        </p:nvSpPr>
+        <p:spPr bwMode="auto">
+          <a:xfrm>
+            <a:off x="3952875" y="3449638"/>
+            <a:ext cx="1093788" cy="1081087"/>
+          </a:xfrm>
+          <a:prstGeom prst="rect">
+            <a:avLst/>
+          </a:prstGeom>
+          <a:solidFill>
+            <a:srgbClr val="FF0000"/>
+          </a:solidFill>
+          <a:ln w="9525">
+            <a:solidFill>
+              <a:schemeClr val="tx1"/>
+            </a:solidFill>
+            <a:miter lim="800000"/>
+            <a:headEnd/>
+            <a:tailEnd type="none" w="lg" len="lg"/>
+          </a:ln>
+        </p:spPr>
+        <p:txBody>
+          <a:bodyPr wrap="none" anchor="ctr"/>
+          <a:lstStyle/>
+          <a:p>
+            <a:endParaRPr lang="en-US">
+              <a:latin typeface="Comic Sans MS" pitchFamily="66" charset="0"/>
+            </a:endParaRPr>
+          </a:p>
+        </p:txBody>
+      </p:sp>
+      <p:sp>
+        <p:nvSpPr>
+          <p:cNvPr id="8211" name="AutoShape 136"/>
+          <p:cNvSpPr>
+            <a:spLocks noChangeAspect="1" noChangeArrowheads="1" noTextEdit="1"/>
+          </p:cNvSpPr>
+          <p:nvPr/>
+        </p:nvSpPr>
+        <p:spPr bwMode="auto">
+          <a:xfrm>
+            <a:off x="3392488" y="4244975"/>
+            <a:ext cx="2620962" cy="1376363"/>
+          </a:xfrm>
+          <a:prstGeom prst="rect">
+            <a:avLst/>
+          </a:prstGeom>
+          <a:noFill/>
+          <a:ln w="9525">
+            <a:noFill/>
+            <a:miter lim="800000"/>
+            <a:headEnd/>
+            <a:tailEnd/>
+          </a:ln>
+        </p:spPr>
+        <p:txBody>
+          <a:bodyPr/>
+          <a:lstStyle/>
+          <a:p>
+            <a:endParaRPr lang="en-US"/>
+          </a:p>
+        </p:txBody>
+      </p:sp>
+      <p:sp>
+        <p:nvSpPr>
+          <p:cNvPr id="8212" name="Text Box 142"/>
+          <p:cNvSpPr txBox="1">
+            <a:spLocks noChangeArrowheads="1"/>
+          </p:cNvSpPr>
+          <p:nvPr/>
+        </p:nvSpPr>
+        <p:spPr bwMode="auto">
+          <a:xfrm>
+            <a:off x="5462588" y="3919538"/>
+            <a:ext cx="382587" cy="522287"/>
+          </a:xfrm>
+          <a:prstGeom prst="rect">
+            <a:avLst/>
+          </a:prstGeom>
+          <a:noFill/>
+          <a:ln w="9525">
+            <a:noFill/>
+            <a:miter lim="800000"/>
+            <a:headEnd/>
+            <a:tailEnd type="none" w="lg" len="lg"/>
+          </a:ln>
+        </p:spPr>
+        <p:txBody>
+          <a:bodyPr wrap="none">
+            <a:spAutoFit/>
+          </a:bodyPr>
+          <a:lstStyle/>
+          <a:p>
+            <a:r>
+              <a:rPr lang="en-US" sz="2800" b="1">
+                <a:latin typeface="Comic Sans MS" pitchFamily="66" charset="0"/>
+              </a:rPr>
+              <a:t>a</a:t>
+            </a:r>
+          </a:p>
+        </p:txBody>
+      </p:sp>
+      <p:sp>
+        <p:nvSpPr>
+          <p:cNvPr id="8213" name="Text Box 143"/>
+          <p:cNvSpPr txBox="1">
+            <a:spLocks noChangeArrowheads="1"/>
+          </p:cNvSpPr>
+          <p:nvPr/>
+        </p:nvSpPr>
+        <p:spPr bwMode="auto">
+          <a:xfrm>
+            <a:off x="4083050" y="3935413"/>
+            <a:ext cx="817563" cy="523875"/>
+          </a:xfrm>
+          <a:prstGeom prst="rect">
+            <a:avLst/>
+          </a:prstGeom>
+          <a:noFill/>
+          <a:ln w="9525">
+            <a:noFill/>
+            <a:miter lim="800000"/>
+            <a:headEnd/>
+            <a:tailEnd type="none" w="lg" len="lg"/>
+          </a:ln>
+        </p:spPr>
+        <p:txBody>
+          <a:bodyPr wrap="none">
+            <a:spAutoFit/>
+          </a:bodyPr>
+          <a:lstStyle/>
+          <a:p>
+            <a:r>
+              <a:rPr lang="en-US" sz="2800" b="1">
+                <a:latin typeface="Comic Sans MS" pitchFamily="66" charset="0"/>
+              </a:rPr>
+              <a:t>b</a:t>
+            </a:r>
+            <a:r>
+              <a:rPr lang="en-US" sz="2800" b="1">
+                <a:latin typeface="Comic Sans MS" pitchFamily="66" charset="0"/>
+                <a:cs typeface="Times New Roman" pitchFamily="18" charset="0"/>
+              </a:rPr>
+              <a:t>-</a:t>
+            </a:r>
+            <a:r>
+              <a:rPr lang="en-US" sz="2800" b="1">
+                <a:latin typeface="Comic Sans MS" pitchFamily="66" charset="0"/>
+              </a:rPr>
+              <a:t>a</a:t>
+            </a:r>
+          </a:p>
+        </p:txBody>
+      </p:sp>
+      <p:grpSp>
+        <p:nvGrpSpPr>
+          <p:cNvPr id="24" name="Group 23"/>
+          <p:cNvGrpSpPr/>
+          <p:nvPr/>
+        </p:nvGrpSpPr>
+        <p:grpSpPr>
+          <a:xfrm>
+            <a:off x="2374904" y="1892300"/>
+            <a:ext cx="1605553" cy="1564648"/>
+            <a:chOff x="2798444" y="1900210"/>
+            <a:chExt cx="2656037" cy="1529469"/>
+          </a:xfrm>
+          <a:solidFill>
+            <a:schemeClr val="accent1">
+              <a:lumMod val="50000"/>
+            </a:schemeClr>
+          </a:solidFill>
+        </p:grpSpPr>
+        <p:sp>
+          <p:nvSpPr>
+            <p:cNvPr id="25" name="AutoShape 78"/>
+            <p:cNvSpPr>
+              <a:spLocks noChangeArrowheads="1"/>
+            </p:cNvSpPr>
+            <p:nvPr/>
+          </p:nvSpPr>
+          <p:spPr bwMode="auto">
+            <a:xfrm rot="16200000">
+              <a:off x="3364392" y="1334262"/>
+              <a:ext cx="1503362" cy="2635257"/>
+            </a:xfrm>
+            <a:prstGeom prst="rtTriangle">
+              <a:avLst/>
+            </a:prstGeom>
+            <a:grpFill/>
+            <a:ln w="9525">
+              <a:solidFill>
+                <a:schemeClr val="tx1"/>
+              </a:solidFill>
+              <a:miter lim="800000"/>
+              <a:headEnd/>
+              <a:tailEnd/>
+            </a:ln>
+          </p:spPr>
+          <p:txBody>
+            <a:bodyPr wrap="none" anchor="ctr"/>
+            <a:lstStyle/>
+            <a:p>
+              <a:endParaRPr lang="en-US">
+                <a:latin typeface="Comic Sans MS" pitchFamily="66" charset="0"/>
+              </a:endParaRPr>
+            </a:p>
+          </p:txBody>
+        </p:sp>
+        <p:sp>
+          <p:nvSpPr>
+            <p:cNvPr id="26" name="AutoShape 79"/>
+            <p:cNvSpPr>
+              <a:spLocks noChangeArrowheads="1"/>
+            </p:cNvSpPr>
+            <p:nvPr/>
+          </p:nvSpPr>
+          <p:spPr bwMode="auto">
+            <a:xfrm rot="5400000">
+              <a:off x="3385173" y="1360370"/>
+              <a:ext cx="1503362" cy="2635255"/>
+            </a:xfrm>
+            <a:prstGeom prst="rtTriangle">
+              <a:avLst/>
+            </a:prstGeom>
+            <a:grpFill/>
+            <a:ln w="9525">
+              <a:solidFill>
+                <a:schemeClr val="tx1"/>
+              </a:solidFill>
+              <a:miter lim="800000"/>
+              <a:headEnd/>
+              <a:tailEnd/>
+            </a:ln>
+          </p:spPr>
+          <p:txBody>
+            <a:bodyPr wrap="none" anchor="ctr"/>
+            <a:lstStyle/>
+            <a:p>
+              <a:endParaRPr lang="en-US">
+                <a:latin typeface="Comic Sans MS" pitchFamily="66" charset="0"/>
+              </a:endParaRPr>
+            </a:p>
+          </p:txBody>
+        </p:sp>
+      </p:grpSp>
+      <p:sp>
+        <p:nvSpPr>
+          <p:cNvPr id="4" name="TextBox 3"/>
+          <p:cNvSpPr txBox="1"/>
+          <p:nvPr/>
+        </p:nvSpPr>
+        <p:spPr>
+          <a:xfrm>
+            <a:off x="2659926" y="5384800"/>
+            <a:ext cx="3145212" cy="830997"/>
+          </a:xfrm>
+          <a:prstGeom prst="rect">
+            <a:avLst/>
+          </a:prstGeom>
+          <a:noFill/>
+        </p:spPr>
+        <p:txBody>
+          <a:bodyPr wrap="none" rtlCol="0">
+            <a:spAutoFit/>
+          </a:bodyPr>
+          <a:lstStyle/>
+          <a:p>
+            <a:r>
+              <a:rPr lang="en-US" sz="4800" b="1" dirty="0" err="1">
+                <a:solidFill>
+                  <a:srgbClr val="0000F1"/>
+                </a:solidFill>
+                <a:latin typeface="Comic Sans MS" pitchFamily="66" charset="0"/>
+              </a:rPr>
+              <a:t>a</a:t>
+            </a:r>
+            <a:r>
+              <a:rPr lang="en-US" sz="4800" dirty="0" err="1">
+                <a:solidFill>
+                  <a:srgbClr val="0000F1"/>
+                </a:solidFill>
+                <a:latin typeface="Comic Sans MS" pitchFamily="66" charset="0"/>
+                <a:sym typeface="Symbol" pitchFamily="18" charset="2"/>
+              </a:rPr>
+              <a:t>×</a:t>
+            </a:r>
+            <a:r>
+              <a:rPr lang="en-US" sz="4800" b="1" dirty="0" err="1">
+                <a:solidFill>
+                  <a:srgbClr val="0000F1"/>
+                </a:solidFill>
+                <a:latin typeface="Comic Sans MS" pitchFamily="66" charset="0"/>
+                <a:sym typeface="Symbol" pitchFamily="18" charset="2"/>
+              </a:rPr>
+              <a:t>a</a:t>
+            </a:r>
+            <a:r>
+              <a:rPr lang="en-US" sz="4800" dirty="0">
+                <a:solidFill>
+                  <a:srgbClr val="000000"/>
+                </a:solidFill>
+                <a:latin typeface="Comic Sans MS" pitchFamily="66" charset="0"/>
+              </a:rPr>
+              <a:t> &amp; </a:t>
+            </a:r>
+            <a:r>
+              <a:rPr lang="en-US" sz="4800" dirty="0" smtClean="0">
+                <a:solidFill>
+                  <a:srgbClr val="000000"/>
+                </a:solidFill>
+                <a:latin typeface="Comic Sans MS" pitchFamily="66" charset="0"/>
+              </a:rPr>
+              <a:t> </a:t>
+            </a:r>
+            <a:r>
+              <a:rPr lang="en-US" sz="4800" b="1" dirty="0" err="1">
+                <a:solidFill>
+                  <a:srgbClr val="FF0000"/>
+                </a:solidFill>
+                <a:latin typeface="Comic Sans MS" pitchFamily="66" charset="0"/>
+              </a:rPr>
+              <a:t>b</a:t>
+            </a:r>
+            <a:r>
+              <a:rPr lang="en-US" sz="4800" dirty="0" err="1">
+                <a:solidFill>
+                  <a:srgbClr val="FF0000"/>
+                </a:solidFill>
+                <a:latin typeface="Comic Sans MS" pitchFamily="66" charset="0"/>
+                <a:sym typeface="Symbol" pitchFamily="18" charset="2"/>
+              </a:rPr>
+              <a:t>×</a:t>
+            </a:r>
+            <a:r>
+              <a:rPr lang="en-US" sz="4800" b="1" dirty="0" err="1">
+                <a:solidFill>
+                  <a:srgbClr val="FF0000"/>
+                </a:solidFill>
+                <a:latin typeface="Comic Sans MS" pitchFamily="66" charset="0"/>
+                <a:sym typeface="Symbol" pitchFamily="18" charset="2"/>
+              </a:rPr>
+              <a:t>b</a:t>
+            </a:r>
+            <a:r>
+              <a:rPr lang="en-US" sz="4800" dirty="0">
+                <a:solidFill>
+                  <a:srgbClr val="000000"/>
+                </a:solidFill>
+                <a:latin typeface="Comic Sans MS" pitchFamily="66" charset="0"/>
+              </a:rPr>
+              <a:t> </a:t>
+            </a:r>
+            <a:endParaRPr lang="en-US" dirty="0"/>
+          </a:p>
+        </p:txBody>
+      </p:sp>
+    </p:spTree>
+    <p:extLst>
+      <p:ext uri="{BB962C8B-B14F-4D97-AF65-F5344CB8AC3E}">
+        <p14:creationId xmlns:p14="http://schemas.microsoft.com/office/powerpoint/2010/main" val="3421818370"/>
+      </p:ext>
+    </p:extLst>
+  </p:cSld>
+  <p:clrMapOvr>
+    <a:masterClrMapping/>
+  </p:clrMapOvr>
+  <mc:AlternateContent xmlns:mc="http://schemas.openxmlformats.org/markup-compatibility/2006" xmlns:p14="http://schemas.microsoft.com/office/powerpoint/2010/main">
+    <mc:Choice Requires="p14">
+      <p:transition spd="slow" p14:dur="1200" advClick="0">
+        <p:dissolve/>
+      </p:transition>
+    </mc:Choice>
+    <mc:Fallback xmlns="">
+      <p:transition xmlns:p14="http://schemas.microsoft.com/office/powerpoint/2010/main" spd="slow" advClick="0">
+        <p:dissolve/>
+      </p:transition>
+    </mc:Fallback>
+  </mc:AlternateContent>
+  <p:timing>
+    <p:tnLst>
+      <p:par>
+        <p:cTn xmlns:p14="http://schemas.microsoft.com/office/powerpoint/2010/main" id="1" dur="indefinite" restart="never" nodeType="tmRoot"/>
+      </p:par>
+    </p:tnLst>
+  </p:timing>
+</p:sld>
+</file>
+
+<file path=ppt/slides/slide11.xml><?xml version="1.0" encoding="utf-8"?>
+<p:sld xmlns:a="http://schemas.openxmlformats.org/drawingml/2006/main" xmlns:r="http://schemas.openxmlformats.org/officeDocument/2006/relationships" xmlns:p="http://schemas.openxmlformats.org/presentationml/2006/main">
+  <p:cSld>
+    <p:spTree>
+      <p:nvGrpSpPr>
+        <p:cNvPr id="1" name=""/>
+        <p:cNvGrpSpPr/>
+        <p:nvPr/>
+      </p:nvGrpSpPr>
+      <p:grpSpPr>
+        <a:xfrm>
+          <a:off x="0" y="0"/>
+          <a:ext cx="0" cy="0"/>
+          <a:chOff x="0" y="0"/>
+          <a:chExt cx="0" cy="0"/>
+        </a:xfrm>
+      </p:grpSpPr>
       <p:sp>
         <p:nvSpPr>
           <p:cNvPr id="2" name="Title 1"/>
@@ -5919,7 +7044,7 @@
               <a:pPr>
                 <a:defRPr/>
               </a:pPr>
-              <a:t>10</a:t>
+              <a:t>11</a:t>
             </a:fld>
             <a:endParaRPr lang="en-US" sz="1200" dirty="0"/>
           </a:p>
@@ -6154,7 +7279,7 @@
 </p:sld>
 </file>
 
-<file path=ppt/slides/slide11.xml><?xml version="1.0" encoding="utf-8"?>
+<file path=ppt/slides/slide12.xml><?xml version="1.0" encoding="utf-8"?>
 <p:sld xmlns:a="http://schemas.openxmlformats.org/drawingml/2006/main" xmlns:r="http://schemas.openxmlformats.org/officeDocument/2006/relationships" xmlns:p="http://schemas.openxmlformats.org/presentationml/2006/main">
   <p:cSld>
     <p:spTree>
@@ -6211,7 +7336,7 @@
             <a:fld id="{50ABE7CE-A50A-4B65-8A8D-397E169FFA68}" type="slidenum">
               <a:rPr lang="en-US" sz="1200" smtClean="0"/>
               <a:pPr/>
-              <a:t>11</a:t>
+              <a:t>12</a:t>
             </a:fld>
             <a:endParaRPr lang="en-US" sz="1200" dirty="0" smtClean="0"/>
           </a:p>
@@ -6278,7 +7403,7 @@
 </p:sld>
 </file>
 
-<file path=ppt/slides/slide12.xml><?xml version="1.0" encoding="utf-8"?>
+<file path=ppt/slides/slide13.xml><?xml version="1.0" encoding="utf-8"?>
 <p:sld xmlns:a="http://schemas.openxmlformats.org/drawingml/2006/main" xmlns:r="http://schemas.openxmlformats.org/officeDocument/2006/relationships" xmlns:p="http://schemas.openxmlformats.org/presentationml/2006/main">
   <p:cSld>
     <p:spTree>
@@ -6335,7 +7460,7 @@
             <a:fld id="{50ABE7CE-A50A-4B65-8A8D-397E169FFA68}" type="slidenum">
               <a:rPr lang="en-US" sz="1200" smtClean="0"/>
               <a:pPr/>
-              <a:t>12</a:t>
+              <a:t>13</a:t>
             </a:fld>
             <a:endParaRPr lang="en-US" sz="1200" dirty="0" smtClean="0"/>
           </a:p>
@@ -8468,7 +9593,7 @@
 </p:sld>
 </file>
 
-<file path=ppt/slides/slide13.xml><?xml version="1.0" encoding="utf-8"?>
+<file path=ppt/slides/slide14.xml><?xml version="1.0" encoding="utf-8"?>
 <p:sld xmlns:a="http://schemas.openxmlformats.org/drawingml/2006/main" xmlns:r="http://schemas.openxmlformats.org/officeDocument/2006/relationships" xmlns:p="http://schemas.openxmlformats.org/presentationml/2006/main">
   <p:cSld>
     <p:spTree>
@@ -8525,7 +9650,7 @@
             <a:fld id="{50ABE7CE-A50A-4B65-8A8D-397E169FFA68}" type="slidenum">
               <a:rPr lang="en-US" sz="1200" smtClean="0"/>
               <a:pPr/>
-              <a:t>13</a:t>
+              <a:t>14</a:t>
             </a:fld>
             <a:endParaRPr lang="en-US" sz="1200" dirty="0" smtClean="0"/>
           </a:p>
@@ -10151,7 +11276,7 @@
 </p:sld>
 </file>
 
-<file path=ppt/slides/slide14.xml><?xml version="1.0" encoding="utf-8"?>
+<file path=ppt/slides/slide15.xml><?xml version="1.0" encoding="utf-8"?>
 <p:sld xmlns:a="http://schemas.openxmlformats.org/drawingml/2006/main" xmlns:r="http://schemas.openxmlformats.org/officeDocument/2006/relationships" xmlns:p="http://schemas.openxmlformats.org/presentationml/2006/main">
   <p:cSld>
     <p:spTree>
@@ -10208,7 +11333,7 @@
             <a:fld id="{530F5DA7-E64F-4D07-8D9B-A445C7617EFD}" type="slidenum">
               <a:rPr lang="en-US" sz="1200" smtClean="0"/>
               <a:pPr/>
-              <a:t>14</a:t>
+              <a:t>15</a:t>
             </a:fld>
             <a:endParaRPr lang="en-US" sz="1200" dirty="0" smtClean="0"/>
           </a:p>
@@ -11139,7 +12264,7 @@
 </p:sld>
 </file>
 
-<file path=ppt/slides/slide15.xml><?xml version="1.0" encoding="utf-8"?>
+<file path=ppt/slides/slide16.xml><?xml version="1.0" encoding="utf-8"?>
 <p:sld xmlns:a="http://schemas.openxmlformats.org/drawingml/2006/main" xmlns:r="http://schemas.openxmlformats.org/officeDocument/2006/relationships" xmlns:p="http://schemas.openxmlformats.org/presentationml/2006/main">
   <p:cSld>
     <p:spTree>
@@ -11206,7 +12331,7 @@
               <a:pPr>
                 <a:defRPr/>
               </a:pPr>
-              <a:t>15</a:t>
+              <a:t>16</a:t>
             </a:fld>
             <a:endParaRPr lang="en-US" sz="1200" dirty="0"/>
           </a:p>
@@ -11221,7 +12346,7 @@
         <p:spPr>
           <a:xfrm>
             <a:off x="247484" y="1337370"/>
-            <a:ext cx="8652207" cy="6432530"/>
+            <a:ext cx="8652207" cy="5201424"/>
           </a:xfrm>
           <a:prstGeom prst="rect">
             <a:avLst/>
@@ -11325,7 +12450,7 @@
                 <a:latin typeface="Comic Sans MS"/>
                 <a:cs typeface="Comic Sans MS"/>
               </a:rPr>
-              <a:t>  </a:t>
+              <a:t>     </a:t>
             </a:r>
             <a:r>
               <a:rPr lang="en-US" sz="2400" dirty="0" smtClean="0">
@@ -11341,23 +12466,7 @@
                 <a:cs typeface="Comic Sans MS"/>
                 <a:hlinkClick r:id="rId2"/>
               </a:rPr>
-              <a:t>://</a:t>
-            </a:r>
-            <a:r>
-              <a:rPr lang="en-US" sz="2400" dirty="0" err="1">
-                <a:latin typeface="Comic Sans MS"/>
-                <a:cs typeface="Comic Sans MS"/>
-                <a:hlinkClick r:id="rId2"/>
-              </a:rPr>
-              <a:t>store.doverpublications.com</a:t>
-            </a:r>
-            <a:r>
-              <a:rPr lang="en-US" sz="2400" dirty="0">
-                <a:latin typeface="Comic Sans MS"/>
-                <a:cs typeface="Comic Sans MS"/>
-                <a:hlinkClick r:id="rId2"/>
-              </a:rPr>
-              <a:t>/0486203352.html</a:t>
+              <a:t>://store.doverpublications.com/0486203352.html</a:t>
             </a:r>
             <a:endParaRPr lang="en-US" sz="2400" dirty="0">
               <a:latin typeface="Comic Sans MS"/>
@@ -11367,25 +12476,32 @@
           <a:p>
             <a:pPr algn="l"/>
             <a:r>
-              <a:rPr lang="en-US" sz="4000" dirty="0" err="1" smtClean="0">
+              <a:rPr lang="en-US" sz="2800" dirty="0" smtClean="0">
                 <a:latin typeface="Comic Sans MS"/>
                 <a:cs typeface="Comic Sans MS"/>
               </a:rPr>
-              <a:t>or</a:t>
-            </a:r>
-            <a:r>
-              <a:rPr lang="en-US" sz="4000" dirty="0" err="1" smtClean="0">
+              <a:t>or </a:t>
+            </a:r>
+            <a:r>
+              <a:rPr lang="en-US" sz="2400" dirty="0" smtClean="0">
+                <a:latin typeface="Comic Sans MS"/>
+                <a:cs typeface="Comic Sans MS"/>
                 <a:hlinkClick r:id="rId3"/>
               </a:rPr>
               <a:t>https</a:t>
             </a:r>
             <a:r>
-              <a:rPr lang="en-US" sz="4000" dirty="0">
+              <a:rPr lang="en-US" sz="2400" dirty="0">
+                <a:latin typeface="Comic Sans MS"/>
+                <a:cs typeface="Comic Sans MS"/>
                 <a:hlinkClick r:id="rId3"/>
               </a:rPr>
               <a:t>://en.m.wikipedia.org/wiki/Missing_square_puzzle</a:t>
             </a:r>
-            <a:endParaRPr lang="en-US" sz="4000" dirty="0"/>
+            <a:endParaRPr lang="en-US" sz="4000" dirty="0">
+              <a:latin typeface="Comic Sans MS"/>
+              <a:cs typeface="Comic Sans MS"/>
+            </a:endParaRPr>
           </a:p>
           <a:p>
             <a:pPr algn="l"/>
@@ -11426,7 +12542,7 @@
 </p:sld>
 </file>
 
-<file path=ppt/slides/slide16.xml><?xml version="1.0" encoding="utf-8"?>
+<file path=ppt/slides/slide17.xml><?xml version="1.0" encoding="utf-8"?>
 <p:sld xmlns:a="http://schemas.openxmlformats.org/drawingml/2006/main" xmlns:r="http://schemas.openxmlformats.org/officeDocument/2006/relationships" xmlns:p="http://schemas.openxmlformats.org/presentationml/2006/main">
   <p:cSld>
     <p:spTree>
@@ -11483,7 +12599,7 @@
             <a:fld id="{12CF27A8-2E27-47D3-89F5-30D5C89B3807}" type="slidenum">
               <a:rPr lang="en-US" sz="1200" smtClean="0"/>
               <a:pPr/>
-              <a:t>16</a:t>
+              <a:t>17</a:t>
             </a:fld>
             <a:endParaRPr lang="en-US" sz="1200" dirty="0" smtClean="0"/>
           </a:p>
@@ -11671,7 +12787,7 @@
           <a:graphicData uri="http://schemas.openxmlformats.org/presentationml/2006/ole">
             <mc:AlternateContent xmlns:mc="http://schemas.openxmlformats.org/markup-compatibility/2006">
               <mc:Choice xmlns:v="urn:schemas-microsoft-com:vml" Requires="v">
-                <p:oleObj spid="_x0000_s9489" name="Equation" r:id="rId4" imgW="1270000" imgH="457200" progId="Equation.DSMT4">
+                <p:oleObj spid="_x0000_s9509" name="Equation" r:id="rId4" imgW="1270000" imgH="457200" progId="Equation.DSMT4">
                   <p:embed/>
                 </p:oleObj>
               </mc:Choice>
@@ -11766,7 +12882,7 @@
           <a:graphicData uri="http://schemas.openxmlformats.org/presentationml/2006/ole">
             <mc:AlternateContent xmlns:mc="http://schemas.openxmlformats.org/markup-compatibility/2006">
               <mc:Choice xmlns:v="urn:schemas-microsoft-com:vml" Requires="v">
-                <p:oleObj spid="_x0000_s9490" name="Equation" r:id="rId6" imgW="1270000" imgH="457200" progId="Equation.DSMT4">
+                <p:oleObj spid="_x0000_s9510" name="Equation" r:id="rId6" imgW="1270000" imgH="457200" progId="Equation.DSMT4">
                   <p:embed/>
                 </p:oleObj>
               </mc:Choice>
@@ -11933,7 +13049,7 @@
           <a:graphicData uri="http://schemas.openxmlformats.org/presentationml/2006/ole">
             <mc:AlternateContent xmlns:mc="http://schemas.openxmlformats.org/markup-compatibility/2006">
               <mc:Choice xmlns:v="urn:schemas-microsoft-com:vml" Requires="v">
-                <p:oleObj spid="_x0000_s9491" name="Equation" r:id="rId8" imgW="774360" imgH="203040" progId="Equation.DSMT4">
+                <p:oleObj spid="_x0000_s9511" name="Equation" r:id="rId8" imgW="774360" imgH="203040" progId="Equation.DSMT4">
                   <p:embed/>
                 </p:oleObj>
               </mc:Choice>
@@ -12251,7 +13367,7 @@
 </p:sld>
 </file>
 
-<file path=ppt/slides/slide17.xml><?xml version="1.0" encoding="utf-8"?>
+<file path=ppt/slides/slide18.xml><?xml version="1.0" encoding="utf-8"?>
 <p:sld xmlns:a="http://schemas.openxmlformats.org/drawingml/2006/main" xmlns:r="http://schemas.openxmlformats.org/officeDocument/2006/relationships" xmlns:p="http://schemas.openxmlformats.org/presentationml/2006/main">
   <p:cSld>
     <p:spTree>
@@ -12308,7 +13424,7 @@
             <a:fld id="{E92C81C8-F27D-4AE4-B619-67321854E34B}" type="slidenum">
               <a:rPr lang="en-US" sz="1200" smtClean="0"/>
               <a:pPr/>
-              <a:t>17</a:t>
+              <a:t>18</a:t>
             </a:fld>
             <a:endParaRPr lang="en-US" sz="1200" dirty="0" smtClean="0"/>
           </a:p>
@@ -12510,7 +13626,7 @@
             <a:graphicData uri="http://schemas.openxmlformats.org/presentationml/2006/ole">
               <mc:AlternateContent xmlns:mc="http://schemas.openxmlformats.org/markup-compatibility/2006">
                 <mc:Choice xmlns:v="urn:schemas-microsoft-com:vml" Requires="v">
-                  <p:oleObj spid="_x0000_s10430" name="Equation" r:id="rId4" imgW="774360" imgH="203040" progId="Equation.DSMT4">
+                  <p:oleObj spid="_x0000_s10444" name="Equation" r:id="rId4" imgW="774360" imgH="203040" progId="Equation.DSMT4">
                     <p:embed/>
                   </p:oleObj>
                 </mc:Choice>
@@ -12675,7 +13791,7 @@
             <a:graphicData uri="http://schemas.openxmlformats.org/presentationml/2006/ole">
               <mc:AlternateContent xmlns:mc="http://schemas.openxmlformats.org/markup-compatibility/2006">
                 <mc:Choice xmlns:v="urn:schemas-microsoft-com:vml" Requires="v">
-                  <p:oleObj spid="_x0000_s10431" name="Equation" r:id="rId6" imgW="736560" imgH="203040" progId="Equation.DSMT4">
+                  <p:oleObj spid="_x0000_s10445" name="Equation" r:id="rId6" imgW="736560" imgH="203040" progId="Equation.DSMT4">
                     <p:embed/>
                   </p:oleObj>
                 </mc:Choice>
@@ -13042,7 +14158,7 @@
 </p:sld>
 </file>
 
-<file path=ppt/slides/slide18.xml><?xml version="1.0" encoding="utf-8"?>
+<file path=ppt/slides/slide19.xml><?xml version="1.0" encoding="utf-8"?>
 <p:sld xmlns:a="http://schemas.openxmlformats.org/drawingml/2006/main" xmlns:r="http://schemas.openxmlformats.org/officeDocument/2006/relationships" xmlns:p="http://schemas.openxmlformats.org/presentationml/2006/main">
   <p:cSld>
     <p:spTree>
@@ -13099,7 +14215,7 @@
             <a:fld id="{6F847A86-0EF0-4A1A-87B4-C860551EA508}" type="slidenum">
               <a:rPr lang="en-US" sz="1200" smtClean="0"/>
               <a:pPr/>
-              <a:t>18</a:t>
+              <a:t>19</a:t>
             </a:fld>
             <a:endParaRPr lang="en-US" sz="1200" dirty="0" smtClean="0"/>
           </a:p>
@@ -13526,7 +14642,7 @@
           <a:graphicData uri="http://schemas.openxmlformats.org/presentationml/2006/ole">
             <mc:AlternateContent xmlns:mc="http://schemas.openxmlformats.org/markup-compatibility/2006">
               <mc:Choice xmlns:v="urn:schemas-microsoft-com:vml" Requires="v">
-                <p:oleObj spid="_x0000_s11456" name="Equation" r:id="rId4" imgW="114120" imgH="177480" progId="Equation.DSMT4">
+                <p:oleObj spid="_x0000_s11470" name="Equation" r:id="rId4" imgW="114120" imgH="177480" progId="Equation.DSMT4">
                   <p:embed/>
                 </p:oleObj>
               </mc:Choice>
@@ -13596,7 +14712,7 @@
           <a:graphicData uri="http://schemas.openxmlformats.org/presentationml/2006/ole">
             <mc:AlternateContent xmlns:mc="http://schemas.openxmlformats.org/markup-compatibility/2006">
               <mc:Choice xmlns:v="urn:schemas-microsoft-com:vml" Requires="v">
-                <p:oleObj spid="_x0000_s11457" name="Equation" r:id="rId6" imgW="114120" imgH="177480" progId="Equation.DSMT4">
+                <p:oleObj spid="_x0000_s11471" name="Equation" r:id="rId6" imgW="114120" imgH="177480" progId="Equation.DSMT4">
                   <p:embed/>
                 </p:oleObj>
               </mc:Choice>
@@ -13914,7 +15030,271 @@
 </p:sld>
 </file>
 
-<file path=ppt/slides/slide19.xml><?xml version="1.0" encoding="utf-8"?>
+<file path=ppt/slides/slide2.xml><?xml version="1.0" encoding="utf-8"?>
+<p:sld xmlns:a="http://schemas.openxmlformats.org/drawingml/2006/main" xmlns:r="http://schemas.openxmlformats.org/officeDocument/2006/relationships" xmlns:p="http://schemas.openxmlformats.org/presentationml/2006/main" show="0">
+  <p:cSld>
+    <p:spTree>
+      <p:nvGrpSpPr>
+        <p:cNvPr id="1" name=""/>
+        <p:cNvGrpSpPr/>
+        <p:nvPr/>
+      </p:nvGrpSpPr>
+      <p:grpSpPr>
+        <a:xfrm>
+          <a:off x="0" y="0"/>
+          <a:ext cx="0" cy="0"/>
+          <a:chOff x="0" y="0"/>
+          <a:chExt cx="0" cy="0"/>
+        </a:xfrm>
+      </p:grpSpPr>
+      <p:sp>
+        <p:nvSpPr>
+          <p:cNvPr id="23554" name="Slide Number Placeholder 3"/>
+          <p:cNvSpPr>
+            <a:spLocks noGrp="1"/>
+          </p:cNvSpPr>
+          <p:nvPr>
+            <p:ph type="sldNum" sz="quarter" idx="10"/>
+          </p:nvPr>
+        </p:nvSpPr>
+        <p:spPr>
+          <a:xfrm>
+            <a:off x="7571335" y="6553200"/>
+            <a:ext cx="1572666" cy="307777"/>
+          </a:xfrm>
+          <a:noFill/>
+        </p:spPr>
+        <p:txBody>
+          <a:bodyPr/>
+          <a:lstStyle/>
+          <a:p>
+            <a:r>
+              <a:rPr lang="en-US" dirty="0" smtClean="0"/>
+              <a:t>      </a:t>
+            </a:r>
+            <a:r>
+              <a:rPr lang="en-US" sz="1200" dirty="0" smtClean="0"/>
+              <a:t>proof-</a:t>
+            </a:r>
+            <a:r>
+              <a:rPr lang="en-US" sz="1200" dirty="0" err="1" smtClean="0"/>
+              <a:t>intro.I</a:t>
+            </a:r>
+            <a:r>
+              <a:rPr lang="en-US" sz="1200" dirty="0" smtClean="0"/>
+              <a:t>.</a:t>
+            </a:r>
+            <a:fld id="{CBD4ADD5-DF96-4ED8-A1CB-551C52AF6B69}" type="slidenum">
+              <a:rPr lang="en-US" sz="1200" smtClean="0"/>
+              <a:pPr/>
+              <a:t>2</a:t>
+            </a:fld>
+            <a:endParaRPr lang="en-US" sz="1200" dirty="0" smtClean="0"/>
+          </a:p>
+        </p:txBody>
+      </p:sp>
+      <p:sp>
+        <p:nvSpPr>
+          <p:cNvPr id="23555" name="Rectangle 2"/>
+          <p:cNvSpPr>
+            <a:spLocks noGrp="1" noChangeArrowheads="1"/>
+          </p:cNvSpPr>
+          <p:nvPr>
+            <p:ph type="title"/>
+          </p:nvPr>
+        </p:nvSpPr>
+        <p:spPr>
+          <a:xfrm>
+            <a:off x="2436813" y="304800"/>
+            <a:ext cx="4270375" cy="1128713"/>
+          </a:xfrm>
+        </p:spPr>
+        <p:txBody>
+          <a:bodyPr/>
+          <a:lstStyle/>
+          <a:p>
+            <a:pPr eaLnBrk="1" hangingPunct="1"/>
+            <a:r>
+              <a:rPr lang="en-US" smtClean="0"/>
+              <a:t>Vocabulary</a:t>
+            </a:r>
+          </a:p>
+        </p:txBody>
+      </p:sp>
+      <p:sp>
+        <p:nvSpPr>
+          <p:cNvPr id="122883" name="Rectangle 3"/>
+          <p:cNvSpPr>
+            <a:spLocks noGrp="1" noChangeArrowheads="1"/>
+          </p:cNvSpPr>
+          <p:nvPr>
+            <p:ph type="body" idx="1"/>
+          </p:nvPr>
+        </p:nvSpPr>
+        <p:spPr>
+          <a:xfrm>
+            <a:off x="293688" y="1906588"/>
+            <a:ext cx="8591550" cy="2801937"/>
+          </a:xfrm>
+        </p:spPr>
+        <p:txBody>
+          <a:bodyPr/>
+          <a:lstStyle/>
+          <a:p>
+            <a:pPr eaLnBrk="1" hangingPunct="1">
+              <a:buFontTx/>
+              <a:buNone/>
+            </a:pPr>
+            <a:r>
+              <a:rPr lang="en-US" sz="4400" dirty="0" smtClean="0">
+                <a:solidFill>
+                  <a:srgbClr val="0D05A7"/>
+                </a:solidFill>
+              </a:rPr>
+              <a:t>Quickie:</a:t>
+            </a:r>
+          </a:p>
+          <a:p>
+            <a:pPr eaLnBrk="1" hangingPunct="1">
+              <a:buFontTx/>
+              <a:buNone/>
+            </a:pPr>
+            <a:r>
+              <a:rPr lang="en-US" sz="4800" dirty="0" smtClean="0"/>
+              <a:t>What does “discrete” mean?</a:t>
+            </a:r>
+          </a:p>
+          <a:p>
+            <a:pPr eaLnBrk="1" hangingPunct="1">
+              <a:buFontTx/>
+              <a:buNone/>
+            </a:pPr>
+            <a:r>
+              <a:rPr lang="en-US" sz="4800" dirty="0" smtClean="0">
+                <a:sym typeface="Symbol" pitchFamily="18" charset="2"/>
+              </a:rPr>
+              <a:t>                   ( </a:t>
+            </a:r>
+            <a:r>
+              <a:rPr lang="en-US" sz="4800" b="1" dirty="0" smtClean="0">
+                <a:solidFill>
+                  <a:srgbClr val="FF0000"/>
+                </a:solidFill>
+                <a:latin typeface="Euclid Symbol"/>
+                <a:sym typeface="Symbol" pitchFamily="18" charset="2"/>
+              </a:rPr>
+              <a:t>≠</a:t>
+            </a:r>
+            <a:r>
+              <a:rPr lang="en-US" sz="4800" dirty="0" smtClean="0">
+                <a:solidFill>
+                  <a:srgbClr val="FF0000"/>
+                </a:solidFill>
+                <a:latin typeface="Euclid Symbol"/>
+                <a:sym typeface="Symbol" pitchFamily="18" charset="2"/>
+              </a:rPr>
+              <a:t> </a:t>
+            </a:r>
+            <a:r>
+              <a:rPr lang="en-US" sz="4800" dirty="0" smtClean="0">
+                <a:sym typeface="Symbol" pitchFamily="18" charset="2"/>
+              </a:rPr>
+              <a:t>“discreet”)</a:t>
+            </a:r>
+          </a:p>
+        </p:txBody>
+      </p:sp>
+    </p:spTree>
+  </p:cSld>
+  <p:clrMapOvr>
+    <a:masterClrMapping/>
+  </p:clrMapOvr>
+  <p:transition xmlns:p14="http://schemas.microsoft.com/office/powerpoint/2010/main" spd="slow">
+    <p:fade/>
+  </p:transition>
+  <p:timing>
+    <p:tnLst>
+      <p:par>
+        <p:cTn xmlns:p14="http://schemas.microsoft.com/office/powerpoint/2010/main" id="1" dur="indefinite" restart="never" nodeType="tmRoot">
+          <p:childTnLst>
+            <p:seq concurrent="1" nextAc="seek">
+              <p:cTn id="2" dur="indefinite" nodeType="mainSeq">
+                <p:childTnLst>
+                  <p:par>
+                    <p:cTn id="3" fill="hold">
+                      <p:stCondLst>
+                        <p:cond delay="indefinite"/>
+                      </p:stCondLst>
+                      <p:childTnLst>
+                        <p:par>
+                          <p:cTn id="4" fill="hold">
+                            <p:stCondLst>
+                              <p:cond delay="0"/>
+                            </p:stCondLst>
+                            <p:childTnLst>
+                              <p:par>
+                                <p:cTn id="5" presetID="1" presetClass="entr" presetSubtype="0" fill="hold" nodeType="clickEffect">
+                                  <p:stCondLst>
+                                    <p:cond delay="0"/>
+                                  </p:stCondLst>
+                                  <p:childTnLst>
+                                    <p:set>
+                                      <p:cBhvr>
+                                        <p:cTn id="6" dur="1" fill="hold">
+                                          <p:stCondLst>
+                                            <p:cond delay="0"/>
+                                          </p:stCondLst>
+                                        </p:cTn>
+                                        <p:tgtEl>
+                                          <p:spTgt spid="122883">
+                                            <p:txEl>
+                                              <p:pRg st="2" end="2"/>
+                                            </p:txEl>
+                                          </p:spTgt>
+                                        </p:tgtEl>
+                                        <p:attrNameLst>
+                                          <p:attrName>style.visibility</p:attrName>
+                                        </p:attrNameLst>
+                                      </p:cBhvr>
+                                      <p:to>
+                                        <p:strVal val="visible"/>
+                                      </p:to>
+                                    </p:set>
+                                  </p:childTnLst>
+                                </p:cTn>
+                              </p:par>
+                            </p:childTnLst>
+                          </p:cTn>
+                        </p:par>
+                      </p:childTnLst>
+                    </p:cTn>
+                  </p:par>
+                </p:childTnLst>
+              </p:cTn>
+              <p:prevCondLst>
+                <p:cond evt="onPrev" delay="0">
+                  <p:tgtEl>
+                    <p:sldTgt/>
+                  </p:tgtEl>
+                </p:cond>
+              </p:prevCondLst>
+              <p:nextCondLst>
+                <p:cond evt="onNext" delay="0">
+                  <p:tgtEl>
+                    <p:sldTgt/>
+                  </p:tgtEl>
+                </p:cond>
+              </p:nextCondLst>
+            </p:seq>
+          </p:childTnLst>
+        </p:cTn>
+      </p:par>
+    </p:tnLst>
+  </p:timing>
+</p:sld>
+</file>
+
+<file path=ppt/slides/slide20.xml><?xml version="1.0" encoding="utf-8"?>
 <p:sld xmlns:a="http://schemas.openxmlformats.org/drawingml/2006/main" xmlns:r="http://schemas.openxmlformats.org/officeDocument/2006/relationships" xmlns:p="http://schemas.openxmlformats.org/presentationml/2006/main">
   <p:cSld>
     <p:spTree>
@@ -13971,7 +15351,7 @@
             <a:fld id="{D06E24C3-47EC-4B6B-B7C6-E5F18597FBA4}" type="slidenum">
               <a:rPr lang="en-US" sz="1200" smtClean="0"/>
               <a:pPr/>
-              <a:t>19</a:t>
+              <a:t>20</a:t>
             </a:fld>
             <a:endParaRPr lang="en-US" sz="1200" dirty="0" smtClean="0"/>
           </a:p>
@@ -14421,271 +15801,7 @@
 </p:sld>
 </file>
 
-<file path=ppt/slides/slide2.xml><?xml version="1.0" encoding="utf-8"?>
-<p:sld xmlns:a="http://schemas.openxmlformats.org/drawingml/2006/main" xmlns:r="http://schemas.openxmlformats.org/officeDocument/2006/relationships" xmlns:p="http://schemas.openxmlformats.org/presentationml/2006/main" show="0">
-  <p:cSld>
-    <p:spTree>
-      <p:nvGrpSpPr>
-        <p:cNvPr id="1" name=""/>
-        <p:cNvGrpSpPr/>
-        <p:nvPr/>
-      </p:nvGrpSpPr>
-      <p:grpSpPr>
-        <a:xfrm>
-          <a:off x="0" y="0"/>
-          <a:ext cx="0" cy="0"/>
-          <a:chOff x="0" y="0"/>
-          <a:chExt cx="0" cy="0"/>
-        </a:xfrm>
-      </p:grpSpPr>
-      <p:sp>
-        <p:nvSpPr>
-          <p:cNvPr id="23554" name="Slide Number Placeholder 3"/>
-          <p:cNvSpPr>
-            <a:spLocks noGrp="1"/>
-          </p:cNvSpPr>
-          <p:nvPr>
-            <p:ph type="sldNum" sz="quarter" idx="10"/>
-          </p:nvPr>
-        </p:nvSpPr>
-        <p:spPr>
-          <a:xfrm>
-            <a:off x="7571335" y="6553200"/>
-            <a:ext cx="1572666" cy="307777"/>
-          </a:xfrm>
-          <a:noFill/>
-        </p:spPr>
-        <p:txBody>
-          <a:bodyPr/>
-          <a:lstStyle/>
-          <a:p>
-            <a:r>
-              <a:rPr lang="en-US" dirty="0" smtClean="0"/>
-              <a:t>      </a:t>
-            </a:r>
-            <a:r>
-              <a:rPr lang="en-US" sz="1200" dirty="0" smtClean="0"/>
-              <a:t>proof-</a:t>
-            </a:r>
-            <a:r>
-              <a:rPr lang="en-US" sz="1200" dirty="0" err="1" smtClean="0"/>
-              <a:t>intro.I</a:t>
-            </a:r>
-            <a:r>
-              <a:rPr lang="en-US" sz="1200" dirty="0" smtClean="0"/>
-              <a:t>.</a:t>
-            </a:r>
-            <a:fld id="{CBD4ADD5-DF96-4ED8-A1CB-551C52AF6B69}" type="slidenum">
-              <a:rPr lang="en-US" sz="1200" smtClean="0"/>
-              <a:pPr/>
-              <a:t>2</a:t>
-            </a:fld>
-            <a:endParaRPr lang="en-US" sz="1200" dirty="0" smtClean="0"/>
-          </a:p>
-        </p:txBody>
-      </p:sp>
-      <p:sp>
-        <p:nvSpPr>
-          <p:cNvPr id="23555" name="Rectangle 2"/>
-          <p:cNvSpPr>
-            <a:spLocks noGrp="1" noChangeArrowheads="1"/>
-          </p:cNvSpPr>
-          <p:nvPr>
-            <p:ph type="title"/>
-          </p:nvPr>
-        </p:nvSpPr>
-        <p:spPr>
-          <a:xfrm>
-            <a:off x="2436813" y="304800"/>
-            <a:ext cx="4270375" cy="1128713"/>
-          </a:xfrm>
-        </p:spPr>
-        <p:txBody>
-          <a:bodyPr/>
-          <a:lstStyle/>
-          <a:p>
-            <a:pPr eaLnBrk="1" hangingPunct="1"/>
-            <a:r>
-              <a:rPr lang="en-US" smtClean="0"/>
-              <a:t>Vocabulary</a:t>
-            </a:r>
-          </a:p>
-        </p:txBody>
-      </p:sp>
-      <p:sp>
-        <p:nvSpPr>
-          <p:cNvPr id="122883" name="Rectangle 3"/>
-          <p:cNvSpPr>
-            <a:spLocks noGrp="1" noChangeArrowheads="1"/>
-          </p:cNvSpPr>
-          <p:nvPr>
-            <p:ph type="body" idx="1"/>
-          </p:nvPr>
-        </p:nvSpPr>
-        <p:spPr>
-          <a:xfrm>
-            <a:off x="293688" y="1906588"/>
-            <a:ext cx="8591550" cy="2801937"/>
-          </a:xfrm>
-        </p:spPr>
-        <p:txBody>
-          <a:bodyPr/>
-          <a:lstStyle/>
-          <a:p>
-            <a:pPr eaLnBrk="1" hangingPunct="1">
-              <a:buFontTx/>
-              <a:buNone/>
-            </a:pPr>
-            <a:r>
-              <a:rPr lang="en-US" sz="4400" dirty="0" smtClean="0">
-                <a:solidFill>
-                  <a:srgbClr val="0D05A7"/>
-                </a:solidFill>
-              </a:rPr>
-              <a:t>Quickie:</a:t>
-            </a:r>
-          </a:p>
-          <a:p>
-            <a:pPr eaLnBrk="1" hangingPunct="1">
-              <a:buFontTx/>
-              <a:buNone/>
-            </a:pPr>
-            <a:r>
-              <a:rPr lang="en-US" sz="4800" dirty="0" smtClean="0"/>
-              <a:t>What does “discrete” mean?</a:t>
-            </a:r>
-          </a:p>
-          <a:p>
-            <a:pPr eaLnBrk="1" hangingPunct="1">
-              <a:buFontTx/>
-              <a:buNone/>
-            </a:pPr>
-            <a:r>
-              <a:rPr lang="en-US" sz="4800" dirty="0" smtClean="0">
-                <a:sym typeface="Symbol" pitchFamily="18" charset="2"/>
-              </a:rPr>
-              <a:t>                   ( </a:t>
-            </a:r>
-            <a:r>
-              <a:rPr lang="en-US" sz="4800" b="1" dirty="0" smtClean="0">
-                <a:solidFill>
-                  <a:srgbClr val="FF0000"/>
-                </a:solidFill>
-                <a:latin typeface="Euclid Symbol"/>
-                <a:sym typeface="Symbol" pitchFamily="18" charset="2"/>
-              </a:rPr>
-              <a:t>≠</a:t>
-            </a:r>
-            <a:r>
-              <a:rPr lang="en-US" sz="4800" dirty="0" smtClean="0">
-                <a:solidFill>
-                  <a:srgbClr val="FF0000"/>
-                </a:solidFill>
-                <a:latin typeface="Euclid Symbol"/>
-                <a:sym typeface="Symbol" pitchFamily="18" charset="2"/>
-              </a:rPr>
-              <a:t> </a:t>
-            </a:r>
-            <a:r>
-              <a:rPr lang="en-US" sz="4800" dirty="0" smtClean="0">
-                <a:sym typeface="Symbol" pitchFamily="18" charset="2"/>
-              </a:rPr>
-              <a:t>“discreet”)</a:t>
-            </a:r>
-          </a:p>
-        </p:txBody>
-      </p:sp>
-    </p:spTree>
-  </p:cSld>
-  <p:clrMapOvr>
-    <a:masterClrMapping/>
-  </p:clrMapOvr>
-  <p:transition xmlns:p14="http://schemas.microsoft.com/office/powerpoint/2010/main" spd="slow">
-    <p:fade/>
-  </p:transition>
-  <p:timing>
-    <p:tnLst>
-      <p:par>
-        <p:cTn xmlns:p14="http://schemas.microsoft.com/office/powerpoint/2010/main" id="1" dur="indefinite" restart="never" nodeType="tmRoot">
-          <p:childTnLst>
-            <p:seq concurrent="1" nextAc="seek">
-              <p:cTn id="2" dur="indefinite" nodeType="mainSeq">
-                <p:childTnLst>
-                  <p:par>
-                    <p:cTn id="3" fill="hold">
-                      <p:stCondLst>
-                        <p:cond delay="indefinite"/>
-                      </p:stCondLst>
-                      <p:childTnLst>
-                        <p:par>
-                          <p:cTn id="4" fill="hold">
-                            <p:stCondLst>
-                              <p:cond delay="0"/>
-                            </p:stCondLst>
-                            <p:childTnLst>
-                              <p:par>
-                                <p:cTn id="5" presetID="1" presetClass="entr" presetSubtype="0" fill="hold" nodeType="clickEffect">
-                                  <p:stCondLst>
-                                    <p:cond delay="0"/>
-                                  </p:stCondLst>
-                                  <p:childTnLst>
-                                    <p:set>
-                                      <p:cBhvr>
-                                        <p:cTn id="6" dur="1" fill="hold">
-                                          <p:stCondLst>
-                                            <p:cond delay="0"/>
-                                          </p:stCondLst>
-                                        </p:cTn>
-                                        <p:tgtEl>
-                                          <p:spTgt spid="122883">
-                                            <p:txEl>
-                                              <p:pRg st="2" end="2"/>
-                                            </p:txEl>
-                                          </p:spTgt>
-                                        </p:tgtEl>
-                                        <p:attrNameLst>
-                                          <p:attrName>style.visibility</p:attrName>
-                                        </p:attrNameLst>
-                                      </p:cBhvr>
-                                      <p:to>
-                                        <p:strVal val="visible"/>
-                                      </p:to>
-                                    </p:set>
-                                  </p:childTnLst>
-                                </p:cTn>
-                              </p:par>
-                            </p:childTnLst>
-                          </p:cTn>
-                        </p:par>
-                      </p:childTnLst>
-                    </p:cTn>
-                  </p:par>
-                </p:childTnLst>
-              </p:cTn>
-              <p:prevCondLst>
-                <p:cond evt="onPrev" delay="0">
-                  <p:tgtEl>
-                    <p:sldTgt/>
-                  </p:tgtEl>
-                </p:cond>
-              </p:prevCondLst>
-              <p:nextCondLst>
-                <p:cond evt="onNext" delay="0">
-                  <p:tgtEl>
-                    <p:sldTgt/>
-                  </p:tgtEl>
-                </p:cond>
-              </p:nextCondLst>
-            </p:seq>
-          </p:childTnLst>
-        </p:cTn>
-      </p:par>
-    </p:tnLst>
-  </p:timing>
-</p:sld>
-</file>
-
-<file path=ppt/slides/slide20.xml><?xml version="1.0" encoding="utf-8"?>
+<file path=ppt/slides/slide21.xml><?xml version="1.0" encoding="utf-8"?>
 <p:sld xmlns:a="http://schemas.openxmlformats.org/drawingml/2006/main" xmlns:r="http://schemas.openxmlformats.org/officeDocument/2006/relationships" xmlns:p="http://schemas.openxmlformats.org/presentationml/2006/main">
   <p:cSld>
     <p:spTree>
@@ -14742,7 +15858,7 @@
             <a:fld id="{38814692-9BDD-4F2D-A9DA-07816390A204}" type="slidenum">
               <a:rPr lang="en-US" sz="1200" smtClean="0"/>
               <a:pPr/>
-              <a:t>20</a:t>
+              <a:t>21</a:t>
             </a:fld>
             <a:endParaRPr lang="en-US" sz="1200" dirty="0" smtClean="0"/>
           </a:p>
@@ -14812,7 +15928,7 @@
           <a:graphicData uri="http://schemas.openxmlformats.org/presentationml/2006/ole">
             <mc:AlternateContent xmlns:mc="http://schemas.openxmlformats.org/markup-compatibility/2006">
               <mc:Choice xmlns:v="urn:schemas-microsoft-com:vml" Requires="v">
-                <p:oleObj spid="_x0000_s184431" name="Equation" r:id="rId4" imgW="2552700" imgH="419100" progId="Equation.DSMT4">
+                <p:oleObj spid="_x0000_s184439" name="Equation" r:id="rId4" imgW="2552700" imgH="419100" progId="Equation.DSMT4">
                   <p:embed/>
                 </p:oleObj>
               </mc:Choice>
@@ -15340,7 +16456,7 @@
 </p:sld>
 </file>
 
-<file path=ppt/slides/slide21.xml><?xml version="1.0" encoding="utf-8"?>
+<file path=ppt/slides/slide22.xml><?xml version="1.0" encoding="utf-8"?>
 <p:sld xmlns:a="http://schemas.openxmlformats.org/drawingml/2006/main" xmlns:r="http://schemas.openxmlformats.org/officeDocument/2006/relationships" xmlns:p="http://schemas.openxmlformats.org/presentationml/2006/main" show="0">
   <p:cSld>
     <p:spTree>
@@ -15397,7 +16513,7 @@
             <a:fld id="{38814692-9BDD-4F2D-A9DA-07816390A204}" type="slidenum">
               <a:rPr lang="en-US" sz="1200" smtClean="0"/>
               <a:pPr/>
-              <a:t>21</a:t>
+              <a:t>22</a:t>
             </a:fld>
             <a:endParaRPr lang="en-US" sz="1200" dirty="0" smtClean="0"/>
           </a:p>
@@ -15486,7 +16602,7 @@
           <a:graphicData uri="http://schemas.openxmlformats.org/presentationml/2006/ole">
             <mc:AlternateContent xmlns:mc="http://schemas.openxmlformats.org/markup-compatibility/2006">
               <mc:Choice xmlns:v="urn:schemas-microsoft-com:vml" Requires="v">
-                <p:oleObj spid="_x0000_s12399" name="Equation" r:id="rId4" imgW="2590560" imgH="368280" progId="Equation.DSMT4">
+                <p:oleObj spid="_x0000_s12407" name="Equation" r:id="rId4" imgW="2590560" imgH="368280" progId="Equation.DSMT4">
                   <p:embed/>
                 </p:oleObj>
               </mc:Choice>
@@ -15956,7 +17072,7 @@
 </p:sld>
 </file>
 
-<file path=ppt/slides/slide22.xml><?xml version="1.0" encoding="utf-8"?>
+<file path=ppt/slides/slide23.xml><?xml version="1.0" encoding="utf-8"?>
 <p:sld xmlns:a="http://schemas.openxmlformats.org/drawingml/2006/main" xmlns:r="http://schemas.openxmlformats.org/officeDocument/2006/relationships" xmlns:p="http://schemas.openxmlformats.org/presentationml/2006/main">
   <p:cSld>
     <p:spTree>
@@ -16009,7 +17125,7 @@
             <a:fld id="{149CEC67-A6D5-4032-8245-198398361EE0}" type="slidenum">
               <a:rPr lang="en-US" sz="1200" smtClean="0"/>
               <a:pPr/>
-              <a:t>22</a:t>
+              <a:t>23</a:t>
             </a:fld>
             <a:endParaRPr lang="en-US" sz="1200" dirty="0" smtClean="0"/>
           </a:p>
@@ -16385,7 +17501,7 @@
           <a:graphicData uri="http://schemas.openxmlformats.org/presentationml/2006/ole">
             <mc:AlternateContent xmlns:mc="http://schemas.openxmlformats.org/markup-compatibility/2006">
               <mc:Choice xmlns:v="urn:schemas-microsoft-com:vml" Requires="v">
-                <p:oleObj spid="_x0000_s13423" name="Equation" r:id="rId4" imgW="152280" imgH="393480" progId="Equation.DSMT4">
+                <p:oleObj spid="_x0000_s13431" name="Equation" r:id="rId4" imgW="152280" imgH="393480" progId="Equation.DSMT4">
                   <p:embed/>
                 </p:oleObj>
               </mc:Choice>
@@ -16703,7 +17819,7 @@
 </p:sld>
 </file>
 
-<file path=ppt/slides/slide23.xml><?xml version="1.0" encoding="utf-8"?>
+<file path=ppt/slides/slide24.xml><?xml version="1.0" encoding="utf-8"?>
 <p:sld xmlns:a="http://schemas.openxmlformats.org/drawingml/2006/main" xmlns:r="http://schemas.openxmlformats.org/officeDocument/2006/relationships" xmlns:p="http://schemas.openxmlformats.org/presentationml/2006/main">
   <p:cSld>
     <p:spTree>
@@ -16756,7 +17872,7 @@
             <a:fld id="{17F4D99F-8DB9-47AB-B21C-80A9F5EE51B9}" type="slidenum">
               <a:rPr lang="en-US" sz="1200" smtClean="0"/>
               <a:pPr/>
-              <a:t>23</a:t>
+              <a:t>24</a:t>
             </a:fld>
             <a:endParaRPr lang="en-US" sz="1200" dirty="0" smtClean="0"/>
           </a:p>
@@ -17520,7 +18636,7 @@
           <a:graphicData uri="http://schemas.openxmlformats.org/presentationml/2006/ole">
             <mc:AlternateContent xmlns:mc="http://schemas.openxmlformats.org/markup-compatibility/2006">
               <mc:Choice xmlns:v="urn:schemas-microsoft-com:vml" Requires="v">
-                <p:oleObj spid="_x0000_s150639" name="Equation" r:id="rId4" imgW="838200" imgH="241300" progId="Equation.DSMT4">
+                <p:oleObj spid="_x0000_s150647" name="Equation" r:id="rId4" imgW="838200" imgH="241300" progId="Equation.DSMT4">
                   <p:embed/>
                 </p:oleObj>
               </mc:Choice>
@@ -18189,7 +19305,7 @@
           <a:graphicData uri="http://schemas.openxmlformats.org/presentationml/2006/ole">
             <mc:AlternateContent xmlns:mc="http://schemas.openxmlformats.org/markup-compatibility/2006">
               <mc:Choice xmlns:v="urn:schemas-microsoft-com:vml" Requires="v">
-                <p:oleObj spid="_x0000_s6338" name="Equation" r:id="rId4" imgW="304560" imgH="139680" progId="Equation.DSMT4">
+                <p:oleObj spid="_x0000_s6352" name="Equation" r:id="rId4" imgW="304560" imgH="139680" progId="Equation.DSMT4">
                   <p:embed/>
                 </p:oleObj>
               </mc:Choice>
@@ -18259,7 +19375,7 @@
           <a:graphicData uri="http://schemas.openxmlformats.org/presentationml/2006/ole">
             <mc:AlternateContent xmlns:mc="http://schemas.openxmlformats.org/markup-compatibility/2006">
               <mc:Choice xmlns:v="urn:schemas-microsoft-com:vml" Requires="v">
-                <p:oleObj spid="_x0000_s6339" name="Equation" r:id="rId6" imgW="304560" imgH="139680" progId="Equation.DSMT4">
+                <p:oleObj spid="_x0000_s6353" name="Equation" r:id="rId6" imgW="304560" imgH="139680" progId="Equation.DSMT4">
                   <p:embed/>
                 </p:oleObj>
               </mc:Choice>
@@ -19529,58 +20645,6 @@
       </p:sp>
       <p:sp>
         <p:nvSpPr>
-          <p:cNvPr id="28687" name="Text Box 21"/>
-          <p:cNvSpPr txBox="1">
-            <a:spLocks noChangeArrowheads="1"/>
-          </p:cNvSpPr>
-          <p:nvPr/>
-        </p:nvSpPr>
-        <p:spPr bwMode="auto">
-          <a:xfrm rot="18037745">
-            <a:off x="3458369" y="2753519"/>
-            <a:ext cx="727075" cy="461963"/>
-          </a:xfrm>
-          <a:prstGeom prst="rect">
-            <a:avLst/>
-          </a:prstGeom>
-          <a:noFill/>
-          <a:ln w="9525" algn="ctr">
-            <a:noFill/>
-            <a:miter lim="800000"/>
-            <a:headEnd/>
-            <a:tailEnd/>
-          </a:ln>
-        </p:spPr>
-        <p:txBody>
-          <a:bodyPr wrap="none">
-            <a:spAutoFit/>
-          </a:bodyPr>
-          <a:lstStyle/>
-          <a:p>
-            <a:r>
-              <a:rPr lang="en-US" sz="2400" b="1" dirty="0">
-                <a:latin typeface="Comic Sans MS" pitchFamily="66" charset="0"/>
-              </a:rPr>
-              <a:t>b</a:t>
-            </a:r>
-            <a:r>
-              <a:rPr lang="en-US" sz="2400" b="1" dirty="0">
-                <a:latin typeface="Comic Sans MS" pitchFamily="66" charset="0"/>
-                <a:cs typeface="Times New Roman" pitchFamily="18" charset="0"/>
-              </a:rPr>
-              <a:t>-</a:t>
-            </a:r>
-            <a:r>
-              <a:rPr lang="en-US" sz="2400" b="1" dirty="0">
-                <a:latin typeface="Comic Sans MS" pitchFamily="66" charset="0"/>
-              </a:rPr>
-              <a:t>a</a:t>
-            </a:r>
-          </a:p>
-        </p:txBody>
-      </p:sp>
-      <p:sp>
-        <p:nvSpPr>
           <p:cNvPr id="28679" name="AutoShape 8"/>
           <p:cNvSpPr>
             <a:spLocks noChangeArrowheads="1"/>
@@ -19612,6 +20676,182 @@
           <a:lstStyle/>
           <a:p>
             <a:endParaRPr lang="en-US" sz="2400">
+              <a:latin typeface="Comic Sans MS" pitchFamily="66" charset="0"/>
+            </a:endParaRPr>
+          </a:p>
+        </p:txBody>
+      </p:sp>
+      <p:sp>
+        <p:nvSpPr>
+          <p:cNvPr id="2" name="TextBox 1"/>
+          <p:cNvSpPr txBox="1"/>
+          <p:nvPr/>
+        </p:nvSpPr>
+        <p:spPr>
+          <a:xfrm>
+            <a:off x="2900796" y="5448300"/>
+            <a:ext cx="3552475" cy="830997"/>
+          </a:xfrm>
+          <a:prstGeom prst="rect">
+            <a:avLst/>
+          </a:prstGeom>
+          <a:noFill/>
+        </p:spPr>
+        <p:txBody>
+          <a:bodyPr wrap="none" rtlCol="0">
+            <a:spAutoFit/>
+          </a:bodyPr>
+          <a:lstStyle/>
+          <a:p>
+            <a:r>
+              <a:rPr lang="en-US" sz="4800" b="1" dirty="0">
+                <a:solidFill>
+                  <a:srgbClr val="E2E2FF">
+                    <a:lumMod val="50000"/>
+                  </a:srgbClr>
+                </a:solidFill>
+                <a:latin typeface="Comic Sans MS" pitchFamily="66" charset="0"/>
+              </a:rPr>
+              <a:t>c</a:t>
+            </a:r>
+            <a:r>
+              <a:rPr lang="en-US" sz="4800" dirty="0">
+                <a:solidFill>
+                  <a:srgbClr val="E2E2FF">
+                    <a:lumMod val="50000"/>
+                  </a:srgbClr>
+                </a:solidFill>
+                <a:latin typeface="Comic Sans MS" pitchFamily="66" charset="0"/>
+                <a:sym typeface="Symbol" pitchFamily="18" charset="2"/>
+              </a:rPr>
+              <a:t> × </a:t>
+            </a:r>
+            <a:r>
+              <a:rPr lang="en-US" sz="4800" b="1" dirty="0">
+                <a:solidFill>
+                  <a:srgbClr val="E2E2FF">
+                    <a:lumMod val="50000"/>
+                  </a:srgbClr>
+                </a:solidFill>
+                <a:latin typeface="Comic Sans MS" pitchFamily="66" charset="0"/>
+                <a:sym typeface="Symbol" pitchFamily="18" charset="2"/>
+              </a:rPr>
+              <a:t>c</a:t>
+            </a:r>
+            <a:r>
+              <a:rPr lang="en-US" sz="4800" dirty="0">
+                <a:solidFill>
+                  <a:srgbClr val="000000"/>
+                </a:solidFill>
+                <a:latin typeface="Comic Sans MS" pitchFamily="66" charset="0"/>
+                <a:sym typeface="Symbol" pitchFamily="18" charset="2"/>
+              </a:rPr>
+              <a:t> </a:t>
+            </a:r>
+            <a:r>
+              <a:rPr lang="en-US" sz="4800" dirty="0">
+                <a:solidFill>
+                  <a:srgbClr val="000000"/>
+                </a:solidFill>
+                <a:latin typeface="Comic Sans MS" pitchFamily="66" charset="0"/>
+              </a:rPr>
+              <a:t>square</a:t>
+            </a:r>
+            <a:endParaRPr lang="en-US" dirty="0"/>
+          </a:p>
+        </p:txBody>
+      </p:sp>
+      <p:sp>
+        <p:nvSpPr>
+          <p:cNvPr id="17" name="Text Box 16"/>
+          <p:cNvSpPr txBox="1">
+            <a:spLocks noChangeArrowheads="1"/>
+          </p:cNvSpPr>
+          <p:nvPr/>
+        </p:nvSpPr>
+        <p:spPr bwMode="auto">
+          <a:xfrm rot="18862003">
+            <a:off x="3366815" y="3352155"/>
+            <a:ext cx="367258" cy="461665"/>
+          </a:xfrm>
+          <a:prstGeom prst="rect">
+            <a:avLst/>
+          </a:prstGeom>
+          <a:noFill/>
+          <a:ln w="9525">
+            <a:noFill/>
+            <a:miter lim="800000"/>
+            <a:headEnd/>
+            <a:tailEnd/>
+          </a:ln>
+        </p:spPr>
+        <p:txBody>
+          <a:bodyPr wrap="none">
+            <a:spAutoFit/>
+          </a:bodyPr>
+          <a:lstStyle/>
+          <a:p>
+            <a:r>
+              <a:rPr lang="en-US" sz="2400" b="1" dirty="0" smtClean="0">
+                <a:latin typeface="Comic Sans MS" pitchFamily="66" charset="0"/>
+              </a:rPr>
+              <a:t>b</a:t>
+            </a:r>
+            <a:endParaRPr lang="en-US" sz="2400" b="1" dirty="0">
+              <a:latin typeface="Comic Sans MS" pitchFamily="66" charset="0"/>
+            </a:endParaRPr>
+          </a:p>
+        </p:txBody>
+      </p:sp>
+      <p:sp>
+        <p:nvSpPr>
+          <p:cNvPr id="18" name="Text Box 16"/>
+          <p:cNvSpPr txBox="1">
+            <a:spLocks noChangeArrowheads="1"/>
+          </p:cNvSpPr>
+          <p:nvPr/>
+        </p:nvSpPr>
+        <p:spPr bwMode="auto">
+          <a:xfrm rot="18177255">
+            <a:off x="3320249" y="4088786"/>
+            <a:ext cx="384190" cy="523220"/>
+          </a:xfrm>
+          <a:prstGeom prst="rect">
+            <a:avLst/>
+          </a:prstGeom>
+          <a:noFill/>
+          <a:ln w="9525">
+            <a:noFill/>
+            <a:miter lim="800000"/>
+            <a:headEnd/>
+            <a:tailEnd/>
+          </a:ln>
+        </p:spPr>
+        <p:txBody>
+          <a:bodyPr wrap="none">
+            <a:spAutoFit/>
+          </a:bodyPr>
+          <a:lstStyle/>
+          <a:p>
+            <a:r>
+              <a:rPr lang="en-US" sz="2800" b="1" dirty="0" smtClean="0">
+                <a:solidFill>
+                  <a:schemeClr val="accent2">
+                    <a:lumMod val="20000"/>
+                    <a:lumOff val="80000"/>
+                  </a:schemeClr>
+                </a:solidFill>
+                <a:latin typeface="Comic Sans MS" pitchFamily="66" charset="0"/>
+              </a:rPr>
+              <a:t>a</a:t>
+            </a:r>
+            <a:endParaRPr lang="en-US" sz="2800" b="1" dirty="0">
+              <a:solidFill>
+                <a:schemeClr val="accent2">
+                  <a:lumMod val="20000"/>
+                  <a:lumOff val="80000"/>
+                </a:schemeClr>
+              </a:solidFill>
               <a:latin typeface="Comic Sans MS" pitchFamily="66" charset="0"/>
             </a:endParaRPr>
           </a:p>
@@ -19646,7 +20886,996 @@
                             </p:stCondLst>
                             <p:childTnLst>
                               <p:par>
-                                <p:cTn id="5" presetID="1" presetClass="entr" presetSubtype="0" fill="hold" grpId="0" nodeType="clickEffect">
+                                <p:cTn id="5" presetID="10" presetClass="entr" presetSubtype="0" fill="hold" grpId="0" nodeType="clickEffect">
+                                  <p:stCondLst>
+                                    <p:cond delay="0"/>
+                                  </p:stCondLst>
+                                  <p:childTnLst>
+                                    <p:set>
+                                      <p:cBhvr>
+                                        <p:cTn id="6" dur="1" fill="hold">
+                                          <p:stCondLst>
+                                            <p:cond delay="0"/>
+                                          </p:stCondLst>
+                                        </p:cTn>
+                                        <p:tgtEl>
+                                          <p:spTgt spid="2"/>
+                                        </p:tgtEl>
+                                        <p:attrNameLst>
+                                          <p:attrName>style.visibility</p:attrName>
+                                        </p:attrNameLst>
+                                      </p:cBhvr>
+                                      <p:to>
+                                        <p:strVal val="visible"/>
+                                      </p:to>
+                                    </p:set>
+                                    <p:animEffect transition="in" filter="fade">
+                                      <p:cBhvr>
+                                        <p:cTn id="7" dur="500"/>
+                                        <p:tgtEl>
+                                          <p:spTgt spid="2"/>
+                                        </p:tgtEl>
+                                      </p:cBhvr>
+                                    </p:animEffect>
+                                  </p:childTnLst>
+                                </p:cTn>
+                              </p:par>
+                            </p:childTnLst>
+                          </p:cTn>
+                        </p:par>
+                      </p:childTnLst>
+                    </p:cTn>
+                  </p:par>
+                  <p:par>
+                    <p:cTn id="8" fill="hold">
+                      <p:stCondLst>
+                        <p:cond delay="indefinite"/>
+                      </p:stCondLst>
+                      <p:childTnLst>
+                        <p:par>
+                          <p:cTn id="9" fill="hold">
+                            <p:stCondLst>
+                              <p:cond delay="0"/>
+                            </p:stCondLst>
+                            <p:childTnLst>
+                              <p:par>
+                                <p:cTn id="10" presetID="10" presetClass="entr" presetSubtype="0" fill="hold" grpId="0" nodeType="clickEffect">
+                                  <p:stCondLst>
+                                    <p:cond delay="0"/>
+                                  </p:stCondLst>
+                                  <p:childTnLst>
+                                    <p:set>
+                                      <p:cBhvr>
+                                        <p:cTn id="11" dur="1" fill="hold">
+                                          <p:stCondLst>
+                                            <p:cond delay="0"/>
+                                          </p:stCondLst>
+                                        </p:cTn>
+                                        <p:tgtEl>
+                                          <p:spTgt spid="17"/>
+                                        </p:tgtEl>
+                                        <p:attrNameLst>
+                                          <p:attrName>style.visibility</p:attrName>
+                                        </p:attrNameLst>
+                                      </p:cBhvr>
+                                      <p:to>
+                                        <p:strVal val="visible"/>
+                                      </p:to>
+                                    </p:set>
+                                    <p:animEffect transition="in" filter="fade">
+                                      <p:cBhvr>
+                                        <p:cTn id="12" dur="500"/>
+                                        <p:tgtEl>
+                                          <p:spTgt spid="17"/>
+                                        </p:tgtEl>
+                                      </p:cBhvr>
+                                    </p:animEffect>
+                                  </p:childTnLst>
+                                </p:cTn>
+                              </p:par>
+                            </p:childTnLst>
+                          </p:cTn>
+                        </p:par>
+                      </p:childTnLst>
+                    </p:cTn>
+                  </p:par>
+                  <p:par>
+                    <p:cTn id="13" fill="hold">
+                      <p:stCondLst>
+                        <p:cond delay="indefinite"/>
+                      </p:stCondLst>
+                      <p:childTnLst>
+                        <p:par>
+                          <p:cTn id="14" fill="hold">
+                            <p:stCondLst>
+                              <p:cond delay="0"/>
+                            </p:stCondLst>
+                            <p:childTnLst>
+                              <p:par>
+                                <p:cTn id="15" presetID="10" presetClass="entr" presetSubtype="0" fill="hold" grpId="0" nodeType="clickEffect">
+                                  <p:stCondLst>
+                                    <p:cond delay="0"/>
+                                  </p:stCondLst>
+                                  <p:childTnLst>
+                                    <p:set>
+                                      <p:cBhvr>
+                                        <p:cTn id="16" dur="1" fill="hold">
+                                          <p:stCondLst>
+                                            <p:cond delay="0"/>
+                                          </p:stCondLst>
+                                        </p:cTn>
+                                        <p:tgtEl>
+                                          <p:spTgt spid="18"/>
+                                        </p:tgtEl>
+                                        <p:attrNameLst>
+                                          <p:attrName>style.visibility</p:attrName>
+                                        </p:attrNameLst>
+                                      </p:cBhvr>
+                                      <p:to>
+                                        <p:strVal val="visible"/>
+                                      </p:to>
+                                    </p:set>
+                                    <p:animEffect transition="in" filter="fade">
+                                      <p:cBhvr>
+                                        <p:cTn id="17" dur="500"/>
+                                        <p:tgtEl>
+                                          <p:spTgt spid="18"/>
+                                        </p:tgtEl>
+                                      </p:cBhvr>
+                                    </p:animEffect>
+                                  </p:childTnLst>
+                                </p:cTn>
+                              </p:par>
+                            </p:childTnLst>
+                          </p:cTn>
+                        </p:par>
+                      </p:childTnLst>
+                    </p:cTn>
+                  </p:par>
+                </p:childTnLst>
+              </p:cTn>
+              <p:prevCondLst>
+                <p:cond evt="onPrev" delay="0">
+                  <p:tgtEl>
+                    <p:sldTgt/>
+                  </p:tgtEl>
+                </p:cond>
+              </p:prevCondLst>
+              <p:nextCondLst>
+                <p:cond evt="onNext" delay="0">
+                  <p:tgtEl>
+                    <p:sldTgt/>
+                  </p:tgtEl>
+                </p:cond>
+              </p:nextCondLst>
+            </p:seq>
+          </p:childTnLst>
+        </p:cTn>
+      </p:par>
+    </p:tnLst>
+    <p:bldLst>
+      <p:bldP spid="2" grpId="0"/>
+      <p:bldP spid="17" grpId="0"/>
+      <p:bldP spid="18" grpId="0"/>
+    </p:bldLst>
+  </p:timing>
+</p:sld>
+</file>
+
+<file path=ppt/slides/slide6.xml><?xml version="1.0" encoding="utf-8"?>
+<p:sld xmlns:a="http://schemas.openxmlformats.org/drawingml/2006/main" xmlns:r="http://schemas.openxmlformats.org/officeDocument/2006/relationships" xmlns:p="http://schemas.openxmlformats.org/presentationml/2006/main">
+  <p:cSld>
+    <p:spTree>
+      <p:nvGrpSpPr>
+        <p:cNvPr id="1" name=""/>
+        <p:cNvGrpSpPr/>
+        <p:nvPr/>
+      </p:nvGrpSpPr>
+      <p:grpSpPr>
+        <a:xfrm>
+          <a:off x="0" y="0"/>
+          <a:ext cx="0" cy="0"/>
+          <a:chOff x="0" y="0"/>
+          <a:chExt cx="0" cy="0"/>
+        </a:xfrm>
+      </p:grpSpPr>
+      <p:sp>
+        <p:nvSpPr>
+          <p:cNvPr id="28674" name="Slide Number Placeholder 2"/>
+          <p:cNvSpPr>
+            <a:spLocks noGrp="1"/>
+          </p:cNvSpPr>
+          <p:nvPr>
+            <p:ph type="sldNum" sz="quarter" idx="10"/>
+          </p:nvPr>
+        </p:nvSpPr>
+        <p:spPr>
+          <a:xfrm>
+            <a:off x="7571335" y="6553200"/>
+            <a:ext cx="1572666" cy="307777"/>
+          </a:xfrm>
+          <a:noFill/>
+        </p:spPr>
+        <p:txBody>
+          <a:bodyPr/>
+          <a:lstStyle/>
+          <a:p>
+            <a:r>
+              <a:rPr lang="en-US" dirty="0" smtClean="0"/>
+              <a:t>      </a:t>
+            </a:r>
+            <a:r>
+              <a:rPr lang="en-US" sz="1200" dirty="0" smtClean="0"/>
+              <a:t>proof-</a:t>
+            </a:r>
+            <a:r>
+              <a:rPr lang="en-US" sz="1200" dirty="0" err="1" smtClean="0"/>
+              <a:t>intro.I</a:t>
+            </a:r>
+            <a:r>
+              <a:rPr lang="en-US" sz="1200" dirty="0" smtClean="0"/>
+              <a:t>.</a:t>
+            </a:r>
+            <a:fld id="{2397B697-5C1D-45EC-849F-1E2C7D9F00A5}" type="slidenum">
+              <a:rPr lang="en-US" sz="1200" smtClean="0"/>
+              <a:pPr/>
+              <a:t>6</a:t>
+            </a:fld>
+            <a:endParaRPr lang="en-US" sz="1200" dirty="0" smtClean="0"/>
+          </a:p>
+        </p:txBody>
+      </p:sp>
+      <p:sp>
+        <p:nvSpPr>
+          <p:cNvPr id="28675" name="Rectangle 2"/>
+          <p:cNvSpPr>
+            <a:spLocks noGrp="1" noChangeArrowheads="1"/>
+          </p:cNvSpPr>
+          <p:nvPr>
+            <p:ph type="title"/>
+          </p:nvPr>
+        </p:nvSpPr>
+        <p:spPr/>
+        <p:txBody>
+          <a:bodyPr/>
+          <a:lstStyle/>
+          <a:p>
+            <a:pPr eaLnBrk="1" hangingPunct="1"/>
+            <a:r>
+              <a:rPr lang="en-US" smtClean="0"/>
+              <a:t>A Cool Proof</a:t>
+            </a:r>
+          </a:p>
+        </p:txBody>
+      </p:sp>
+      <p:sp>
+        <p:nvSpPr>
+          <p:cNvPr id="28677" name="AutoShape 9"/>
+          <p:cNvSpPr>
+            <a:spLocks noChangeArrowheads="1"/>
+          </p:cNvSpPr>
+          <p:nvPr/>
+        </p:nvSpPr>
+        <p:spPr bwMode="auto">
+          <a:xfrm rot="18003113">
+            <a:off x="3671888" y="212725"/>
+            <a:ext cx="1733550" cy="2984500"/>
+          </a:xfrm>
+          <a:prstGeom prst="rtTriangle">
+            <a:avLst/>
+          </a:prstGeom>
+          <a:solidFill>
+            <a:schemeClr val="folHlink"/>
+          </a:solidFill>
+          <a:ln w="9525">
+            <a:solidFill>
+              <a:schemeClr val="tx1"/>
+            </a:solidFill>
+            <a:miter lim="800000"/>
+            <a:headEnd/>
+            <a:tailEnd/>
+          </a:ln>
+        </p:spPr>
+        <p:txBody>
+          <a:bodyPr vert="eaVert" wrap="none" anchor="ctr"/>
+          <a:lstStyle/>
+          <a:p>
+            <a:endParaRPr lang="en-US" sz="2400">
+              <a:latin typeface="Comic Sans MS" pitchFamily="66" charset="0"/>
+            </a:endParaRPr>
+          </a:p>
+        </p:txBody>
+      </p:sp>
+      <p:sp>
+        <p:nvSpPr>
+          <p:cNvPr id="28678" name="AutoShape 10"/>
+          <p:cNvSpPr>
+            <a:spLocks noChangeArrowheads="1"/>
+          </p:cNvSpPr>
+          <p:nvPr/>
+        </p:nvSpPr>
+        <p:spPr bwMode="auto">
+          <a:xfrm rot="12577164">
+            <a:off x="1993900" y="1987550"/>
+            <a:ext cx="1720850" cy="3005138"/>
+          </a:xfrm>
+          <a:prstGeom prst="rtTriangle">
+            <a:avLst/>
+          </a:prstGeom>
+          <a:solidFill>
+            <a:srgbClr val="DDDDDD"/>
+          </a:solidFill>
+          <a:ln w="9525">
+            <a:solidFill>
+              <a:schemeClr val="tx1"/>
+            </a:solidFill>
+            <a:miter lim="800000"/>
+            <a:headEnd/>
+            <a:tailEnd/>
+          </a:ln>
+        </p:spPr>
+        <p:txBody>
+          <a:bodyPr wrap="none" anchor="ctr"/>
+          <a:lstStyle/>
+          <a:p>
+            <a:endParaRPr lang="en-US" sz="2400">
+              <a:latin typeface="Comic Sans MS" pitchFamily="66" charset="0"/>
+            </a:endParaRPr>
+          </a:p>
+        </p:txBody>
+      </p:sp>
+      <p:sp>
+        <p:nvSpPr>
+          <p:cNvPr id="28676" name="AutoShape 7"/>
+          <p:cNvSpPr>
+            <a:spLocks noChangeArrowheads="1"/>
+          </p:cNvSpPr>
+          <p:nvPr/>
+        </p:nvSpPr>
+        <p:spPr bwMode="auto">
+          <a:xfrm rot="1768937">
+            <a:off x="5430838" y="1909763"/>
+            <a:ext cx="1720850" cy="3005137"/>
+          </a:xfrm>
+          <a:prstGeom prst="rtTriangle">
+            <a:avLst/>
+          </a:prstGeom>
+          <a:solidFill>
+            <a:schemeClr val="bg2"/>
+          </a:solidFill>
+          <a:ln w="9525">
+            <a:solidFill>
+              <a:schemeClr val="tx1"/>
+            </a:solidFill>
+            <a:miter lim="800000"/>
+            <a:headEnd/>
+            <a:tailEnd/>
+          </a:ln>
+        </p:spPr>
+        <p:txBody>
+          <a:bodyPr wrap="none" anchor="ctr"/>
+          <a:lstStyle/>
+          <a:p>
+            <a:endParaRPr lang="en-US" sz="2400">
+              <a:latin typeface="Comic Sans MS" pitchFamily="66" charset="0"/>
+            </a:endParaRPr>
+          </a:p>
+        </p:txBody>
+      </p:sp>
+      <p:sp>
+        <p:nvSpPr>
+          <p:cNvPr id="28680" name="Text Box 11"/>
+          <p:cNvSpPr txBox="1">
+            <a:spLocks noChangeArrowheads="1"/>
+          </p:cNvSpPr>
+          <p:nvPr/>
+        </p:nvSpPr>
+        <p:spPr bwMode="auto">
+          <a:xfrm>
+            <a:off x="4137025" y="4721225"/>
+            <a:ext cx="342900" cy="461963"/>
+          </a:xfrm>
+          <a:prstGeom prst="rect">
+            <a:avLst/>
+          </a:prstGeom>
+          <a:noFill/>
+          <a:ln w="9525">
+            <a:noFill/>
+            <a:miter lim="800000"/>
+            <a:headEnd/>
+            <a:tailEnd/>
+          </a:ln>
+        </p:spPr>
+        <p:txBody>
+          <a:bodyPr wrap="none">
+            <a:spAutoFit/>
+          </a:bodyPr>
+          <a:lstStyle/>
+          <a:p>
+            <a:r>
+              <a:rPr lang="en-US" sz="2400" b="1">
+                <a:latin typeface="Comic Sans MS" pitchFamily="66" charset="0"/>
+              </a:rPr>
+              <a:t>c</a:t>
+            </a:r>
+          </a:p>
+        </p:txBody>
+      </p:sp>
+      <p:sp>
+        <p:nvSpPr>
+          <p:cNvPr id="28681" name="Text Box 12"/>
+          <p:cNvSpPr txBox="1">
+            <a:spLocks noChangeArrowheads="1"/>
+          </p:cNvSpPr>
+          <p:nvPr/>
+        </p:nvSpPr>
+        <p:spPr bwMode="auto">
+          <a:xfrm>
+            <a:off x="5889625" y="3162300"/>
+            <a:ext cx="342900" cy="461963"/>
+          </a:xfrm>
+          <a:prstGeom prst="rect">
+            <a:avLst/>
+          </a:prstGeom>
+          <a:noFill/>
+          <a:ln w="9525">
+            <a:noFill/>
+            <a:miter lim="800000"/>
+            <a:headEnd/>
+            <a:tailEnd/>
+          </a:ln>
+        </p:spPr>
+        <p:txBody>
+          <a:bodyPr wrap="none">
+            <a:spAutoFit/>
+          </a:bodyPr>
+          <a:lstStyle/>
+          <a:p>
+            <a:r>
+              <a:rPr lang="en-US" sz="2400" b="1">
+                <a:latin typeface="Comic Sans MS" pitchFamily="66" charset="0"/>
+              </a:rPr>
+              <a:t>c</a:t>
+            </a:r>
+          </a:p>
+        </p:txBody>
+      </p:sp>
+      <p:sp>
+        <p:nvSpPr>
+          <p:cNvPr id="28682" name="Text Box 13"/>
+          <p:cNvSpPr txBox="1">
+            <a:spLocks noChangeArrowheads="1"/>
+          </p:cNvSpPr>
+          <p:nvPr/>
+        </p:nvSpPr>
+        <p:spPr bwMode="auto">
+          <a:xfrm>
+            <a:off x="2789238" y="3046413"/>
+            <a:ext cx="342900" cy="461962"/>
+          </a:xfrm>
+          <a:prstGeom prst="rect">
+            <a:avLst/>
+          </a:prstGeom>
+          <a:noFill/>
+          <a:ln w="9525">
+            <a:noFill/>
+            <a:miter lim="800000"/>
+            <a:headEnd/>
+            <a:tailEnd/>
+          </a:ln>
+        </p:spPr>
+        <p:txBody>
+          <a:bodyPr wrap="none">
+            <a:spAutoFit/>
+          </a:bodyPr>
+          <a:lstStyle/>
+          <a:p>
+            <a:r>
+              <a:rPr lang="en-US" sz="2400" b="1">
+                <a:latin typeface="Comic Sans MS" pitchFamily="66" charset="0"/>
+              </a:rPr>
+              <a:t>c</a:t>
+            </a:r>
+          </a:p>
+        </p:txBody>
+      </p:sp>
+      <p:sp>
+        <p:nvSpPr>
+          <p:cNvPr id="28683" name="Text Box 14"/>
+          <p:cNvSpPr txBox="1">
+            <a:spLocks noChangeArrowheads="1"/>
+          </p:cNvSpPr>
+          <p:nvPr/>
+        </p:nvSpPr>
+        <p:spPr bwMode="auto">
+          <a:xfrm>
+            <a:off x="3325813" y="4200525"/>
+            <a:ext cx="355600" cy="461963"/>
+          </a:xfrm>
+          <a:prstGeom prst="rect">
+            <a:avLst/>
+          </a:prstGeom>
+          <a:noFill/>
+          <a:ln w="9525">
+            <a:noFill/>
+            <a:miter lim="800000"/>
+            <a:headEnd/>
+            <a:tailEnd/>
+          </a:ln>
+        </p:spPr>
+        <p:txBody>
+          <a:bodyPr wrap="none">
+            <a:spAutoFit/>
+          </a:bodyPr>
+          <a:lstStyle/>
+          <a:p>
+            <a:r>
+              <a:rPr lang="en-US" sz="2400" b="1">
+                <a:latin typeface="Comic Sans MS" pitchFamily="66" charset="0"/>
+              </a:rPr>
+              <a:t>a</a:t>
+            </a:r>
+          </a:p>
+        </p:txBody>
+      </p:sp>
+      <p:sp>
+        <p:nvSpPr>
+          <p:cNvPr id="28684" name="Text Box 15"/>
+          <p:cNvSpPr txBox="1">
+            <a:spLocks noChangeArrowheads="1"/>
+          </p:cNvSpPr>
+          <p:nvPr/>
+        </p:nvSpPr>
+        <p:spPr bwMode="auto">
+          <a:xfrm>
+            <a:off x="4483100" y="4287838"/>
+            <a:ext cx="584200" cy="461962"/>
+          </a:xfrm>
+          <a:prstGeom prst="rect">
+            <a:avLst/>
+          </a:prstGeom>
+          <a:noFill/>
+          <a:ln w="9525">
+            <a:noFill/>
+            <a:miter lim="800000"/>
+            <a:headEnd/>
+            <a:tailEnd/>
+          </a:ln>
+        </p:spPr>
+        <p:txBody>
+          <a:bodyPr>
+            <a:spAutoFit/>
+          </a:bodyPr>
+          <a:lstStyle/>
+          <a:p>
+            <a:r>
+              <a:rPr lang="en-US" sz="2400" b="1">
+                <a:latin typeface="Comic Sans MS" pitchFamily="66" charset="0"/>
+              </a:rPr>
+              <a:t>b</a:t>
+            </a:r>
+          </a:p>
+        </p:txBody>
+      </p:sp>
+      <p:sp>
+        <p:nvSpPr>
+          <p:cNvPr id="28685" name="Text Box 16"/>
+          <p:cNvSpPr txBox="1">
+            <a:spLocks noChangeArrowheads="1"/>
+          </p:cNvSpPr>
+          <p:nvPr/>
+        </p:nvSpPr>
+        <p:spPr bwMode="auto">
+          <a:xfrm>
+            <a:off x="4343400" y="1630363"/>
+            <a:ext cx="344488" cy="461962"/>
+          </a:xfrm>
+          <a:prstGeom prst="rect">
+            <a:avLst/>
+          </a:prstGeom>
+          <a:noFill/>
+          <a:ln w="9525">
+            <a:noFill/>
+            <a:miter lim="800000"/>
+            <a:headEnd/>
+            <a:tailEnd/>
+          </a:ln>
+        </p:spPr>
+        <p:txBody>
+          <a:bodyPr wrap="none">
+            <a:spAutoFit/>
+          </a:bodyPr>
+          <a:lstStyle/>
+          <a:p>
+            <a:r>
+              <a:rPr lang="en-US" sz="2400" b="1">
+                <a:latin typeface="Comic Sans MS" pitchFamily="66" charset="0"/>
+              </a:rPr>
+              <a:t>c</a:t>
+            </a:r>
+          </a:p>
+        </p:txBody>
+      </p:sp>
+      <p:sp>
+        <p:nvSpPr>
+          <p:cNvPr id="28686" name="Rectangle 17"/>
+          <p:cNvSpPr>
+            <a:spLocks noChangeArrowheads="1"/>
+          </p:cNvSpPr>
+          <p:nvPr/>
+        </p:nvSpPr>
+        <p:spPr bwMode="auto">
+          <a:xfrm rot="1800000">
+            <a:off x="3968750" y="2835275"/>
+            <a:ext cx="1198563" cy="1206500"/>
+          </a:xfrm>
+          <a:prstGeom prst="rect">
+            <a:avLst/>
+          </a:prstGeom>
+          <a:solidFill>
+            <a:srgbClr val="FFFF00"/>
+          </a:solidFill>
+          <a:ln w="9525">
+            <a:solidFill>
+              <a:schemeClr val="tx1"/>
+            </a:solidFill>
+            <a:miter lim="800000"/>
+            <a:headEnd/>
+            <a:tailEnd type="none" w="lg" len="lg"/>
+          </a:ln>
+        </p:spPr>
+        <p:txBody>
+          <a:bodyPr wrap="none" anchor="ctr"/>
+          <a:lstStyle/>
+          <a:p>
+            <a:endParaRPr lang="en-US" sz="2400">
+              <a:latin typeface="Comic Sans MS" pitchFamily="66" charset="0"/>
+            </a:endParaRPr>
+          </a:p>
+        </p:txBody>
+      </p:sp>
+      <p:sp>
+        <p:nvSpPr>
+          <p:cNvPr id="28687" name="Text Box 21"/>
+          <p:cNvSpPr txBox="1">
+            <a:spLocks noChangeArrowheads="1"/>
+          </p:cNvSpPr>
+          <p:nvPr/>
+        </p:nvSpPr>
+        <p:spPr bwMode="auto">
+          <a:xfrm rot="18037745">
+            <a:off x="3458369" y="2753519"/>
+            <a:ext cx="727075" cy="461963"/>
+          </a:xfrm>
+          <a:prstGeom prst="rect">
+            <a:avLst/>
+          </a:prstGeom>
+          <a:noFill/>
+          <a:ln w="9525" algn="ctr">
+            <a:noFill/>
+            <a:miter lim="800000"/>
+            <a:headEnd/>
+            <a:tailEnd/>
+          </a:ln>
+        </p:spPr>
+        <p:txBody>
+          <a:bodyPr wrap="none">
+            <a:spAutoFit/>
+          </a:bodyPr>
+          <a:lstStyle/>
+          <a:p>
+            <a:r>
+              <a:rPr lang="en-US" sz="2400" b="1" dirty="0">
+                <a:latin typeface="Comic Sans MS" pitchFamily="66" charset="0"/>
+              </a:rPr>
+              <a:t>b</a:t>
+            </a:r>
+            <a:r>
+              <a:rPr lang="en-US" sz="2400" b="1" dirty="0">
+                <a:latin typeface="Comic Sans MS" pitchFamily="66" charset="0"/>
+                <a:cs typeface="Times New Roman" pitchFamily="18" charset="0"/>
+              </a:rPr>
+              <a:t>-</a:t>
+            </a:r>
+            <a:r>
+              <a:rPr lang="en-US" sz="2400" b="1" dirty="0">
+                <a:latin typeface="Comic Sans MS" pitchFamily="66" charset="0"/>
+              </a:rPr>
+              <a:t>a</a:t>
+            </a:r>
+          </a:p>
+        </p:txBody>
+      </p:sp>
+      <p:sp>
+        <p:nvSpPr>
+          <p:cNvPr id="28679" name="AutoShape 8"/>
+          <p:cNvSpPr>
+            <a:spLocks noChangeArrowheads="1"/>
+          </p:cNvSpPr>
+          <p:nvPr/>
+        </p:nvSpPr>
+        <p:spPr bwMode="auto">
+          <a:xfrm rot="7183246">
+            <a:off x="3740150" y="3679825"/>
+            <a:ext cx="1733550" cy="2984500"/>
+          </a:xfrm>
+          <a:prstGeom prst="rtTriangle">
+            <a:avLst/>
+          </a:prstGeom>
+          <a:solidFill>
+            <a:schemeClr val="accent2"/>
+          </a:solidFill>
+          <a:ln w="9525">
+            <a:solidFill>
+              <a:schemeClr val="tx1"/>
+            </a:solidFill>
+            <a:miter lim="800000"/>
+            <a:headEnd/>
+            <a:tailEnd/>
+          </a:ln>
+        </p:spPr>
+        <p:txBody>
+          <a:bodyPr rot="10800000" vert="eaVert" wrap="none" anchor="ctr"/>
+          <a:lstStyle/>
+          <a:p>
+            <a:endParaRPr lang="en-US" sz="2400">
+              <a:latin typeface="Comic Sans MS" pitchFamily="66" charset="0"/>
+            </a:endParaRPr>
+          </a:p>
+        </p:txBody>
+      </p:sp>
+      <p:sp>
+        <p:nvSpPr>
+          <p:cNvPr id="2" name="TextBox 1"/>
+          <p:cNvSpPr txBox="1"/>
+          <p:nvPr/>
+        </p:nvSpPr>
+        <p:spPr>
+          <a:xfrm>
+            <a:off x="2900796" y="5448300"/>
+            <a:ext cx="3552475" cy="830997"/>
+          </a:xfrm>
+          <a:prstGeom prst="rect">
+            <a:avLst/>
+          </a:prstGeom>
+          <a:noFill/>
+        </p:spPr>
+        <p:txBody>
+          <a:bodyPr wrap="none" rtlCol="0">
+            <a:spAutoFit/>
+          </a:bodyPr>
+          <a:lstStyle/>
+          <a:p>
+            <a:r>
+              <a:rPr lang="en-US" sz="4800" b="1" dirty="0">
+                <a:solidFill>
+                  <a:srgbClr val="E2E2FF">
+                    <a:lumMod val="50000"/>
+                  </a:srgbClr>
+                </a:solidFill>
+                <a:latin typeface="Comic Sans MS" pitchFamily="66" charset="0"/>
+              </a:rPr>
+              <a:t>c</a:t>
+            </a:r>
+            <a:r>
+              <a:rPr lang="en-US" sz="4800" dirty="0">
+                <a:solidFill>
+                  <a:srgbClr val="E2E2FF">
+                    <a:lumMod val="50000"/>
+                  </a:srgbClr>
+                </a:solidFill>
+                <a:latin typeface="Comic Sans MS" pitchFamily="66" charset="0"/>
+                <a:sym typeface="Symbol" pitchFamily="18" charset="2"/>
+              </a:rPr>
+              <a:t> × </a:t>
+            </a:r>
+            <a:r>
+              <a:rPr lang="en-US" sz="4800" b="1" dirty="0">
+                <a:solidFill>
+                  <a:srgbClr val="E2E2FF">
+                    <a:lumMod val="50000"/>
+                  </a:srgbClr>
+                </a:solidFill>
+                <a:latin typeface="Comic Sans MS" pitchFamily="66" charset="0"/>
+                <a:sym typeface="Symbol" pitchFamily="18" charset="2"/>
+              </a:rPr>
+              <a:t>c</a:t>
+            </a:r>
+            <a:r>
+              <a:rPr lang="en-US" sz="4800" dirty="0">
+                <a:solidFill>
+                  <a:srgbClr val="000000"/>
+                </a:solidFill>
+                <a:latin typeface="Comic Sans MS" pitchFamily="66" charset="0"/>
+                <a:sym typeface="Symbol" pitchFamily="18" charset="2"/>
+              </a:rPr>
+              <a:t> </a:t>
+            </a:r>
+            <a:r>
+              <a:rPr lang="en-US" sz="4800" dirty="0">
+                <a:solidFill>
+                  <a:srgbClr val="000000"/>
+                </a:solidFill>
+                <a:latin typeface="Comic Sans MS" pitchFamily="66" charset="0"/>
+              </a:rPr>
+              <a:t>square</a:t>
+            </a:r>
+            <a:endParaRPr lang="en-US" dirty="0"/>
+          </a:p>
+        </p:txBody>
+      </p:sp>
+      <p:sp>
+        <p:nvSpPr>
+          <p:cNvPr id="17" name="Text Box 16"/>
+          <p:cNvSpPr txBox="1">
+            <a:spLocks noChangeArrowheads="1"/>
+          </p:cNvSpPr>
+          <p:nvPr/>
+        </p:nvSpPr>
+        <p:spPr bwMode="auto">
+          <a:xfrm rot="18862003">
+            <a:off x="3366815" y="3352155"/>
+            <a:ext cx="367258" cy="461665"/>
+          </a:xfrm>
+          <a:prstGeom prst="rect">
+            <a:avLst/>
+          </a:prstGeom>
+          <a:noFill/>
+          <a:ln w="9525">
+            <a:noFill/>
+            <a:miter lim="800000"/>
+            <a:headEnd/>
+            <a:tailEnd/>
+          </a:ln>
+        </p:spPr>
+        <p:txBody>
+          <a:bodyPr wrap="none">
+            <a:spAutoFit/>
+          </a:bodyPr>
+          <a:lstStyle/>
+          <a:p>
+            <a:r>
+              <a:rPr lang="en-US" sz="2400" b="1" dirty="0" smtClean="0">
+                <a:latin typeface="Comic Sans MS" pitchFamily="66" charset="0"/>
+              </a:rPr>
+              <a:t>b</a:t>
+            </a:r>
+            <a:endParaRPr lang="en-US" sz="2400" b="1" dirty="0">
+              <a:latin typeface="Comic Sans MS" pitchFamily="66" charset="0"/>
+            </a:endParaRPr>
+          </a:p>
+        </p:txBody>
+      </p:sp>
+      <p:sp>
+        <p:nvSpPr>
+          <p:cNvPr id="18" name="Text Box 16"/>
+          <p:cNvSpPr txBox="1">
+            <a:spLocks noChangeArrowheads="1"/>
+          </p:cNvSpPr>
+          <p:nvPr/>
+        </p:nvSpPr>
+        <p:spPr bwMode="auto">
+          <a:xfrm rot="18177255">
+            <a:off x="3320249" y="4088786"/>
+            <a:ext cx="384190" cy="523220"/>
+          </a:xfrm>
+          <a:prstGeom prst="rect">
+            <a:avLst/>
+          </a:prstGeom>
+          <a:noFill/>
+          <a:ln w="9525">
+            <a:noFill/>
+            <a:miter lim="800000"/>
+            <a:headEnd/>
+            <a:tailEnd/>
+          </a:ln>
+        </p:spPr>
+        <p:txBody>
+          <a:bodyPr wrap="none">
+            <a:spAutoFit/>
+          </a:bodyPr>
+          <a:lstStyle/>
+          <a:p>
+            <a:r>
+              <a:rPr lang="en-US" sz="2800" b="1" dirty="0" smtClean="0">
+                <a:solidFill>
+                  <a:schemeClr val="accent2">
+                    <a:lumMod val="20000"/>
+                    <a:lumOff val="80000"/>
+                  </a:schemeClr>
+                </a:solidFill>
+                <a:latin typeface="Comic Sans MS" pitchFamily="66" charset="0"/>
+              </a:rPr>
+              <a:t>a</a:t>
+            </a:r>
+            <a:endParaRPr lang="en-US" sz="2800" b="1" dirty="0">
+              <a:solidFill>
+                <a:schemeClr val="accent2">
+                  <a:lumMod val="20000"/>
+                  <a:lumOff val="80000"/>
+                </a:schemeClr>
+              </a:solidFill>
+              <a:latin typeface="Comic Sans MS" pitchFamily="66" charset="0"/>
+            </a:endParaRPr>
+          </a:p>
+        </p:txBody>
+      </p:sp>
+      <p:cxnSp>
+        <p:nvCxnSpPr>
+          <p:cNvPr id="4" name="Straight Connector 3"/>
+          <p:cNvCxnSpPr/>
+          <p:nvPr/>
+        </p:nvCxnSpPr>
+        <p:spPr bwMode="auto">
+          <a:xfrm flipV="1">
+            <a:off x="3759200" y="2616200"/>
+            <a:ext cx="571500" cy="1054100"/>
+          </a:xfrm>
+          <a:prstGeom prst="line">
+            <a:avLst/>
+          </a:prstGeom>
+          <a:solidFill>
+            <a:schemeClr val="accent1"/>
+          </a:solidFill>
+          <a:ln w="63500" cap="flat" cmpd="sng" algn="ctr">
+            <a:solidFill>
+              <a:schemeClr val="tx1"/>
+            </a:solidFill>
+            <a:prstDash val="solid"/>
+            <a:round/>
+            <a:headEnd type="none" w="med" len="med"/>
+            <a:tailEnd type="none" w="med" len="med"/>
+          </a:ln>
+          <a:effectLst/>
+        </p:spPr>
+      </p:cxnSp>
+    </p:spTree>
+    <p:extLst>
+      <p:ext uri="{BB962C8B-B14F-4D97-AF65-F5344CB8AC3E}">
+        <p14:creationId xmlns:p14="http://schemas.microsoft.com/office/powerpoint/2010/main" val="302055789"/>
+      </p:ext>
+    </p:extLst>
+  </p:cSld>
+  <p:clrMapOvr>
+    <a:masterClrMapping/>
+  </p:clrMapOvr>
+  <mc:AlternateContent xmlns:mc="http://schemas.openxmlformats.org/markup-compatibility/2006" xmlns:p14="http://schemas.microsoft.com/office/powerpoint/2010/main">
+    <mc:Choice Requires="p14">
+      <p:transition spd="med" p14:dur="600" advClick="0">
+        <p:fade/>
+      </p:transition>
+    </mc:Choice>
+    <mc:Fallback xmlns="">
+      <p:transition xmlns:p14="http://schemas.microsoft.com/office/powerpoint/2010/main" spd="med" advClick="0">
+        <p:fade/>
+      </p:transition>
+    </mc:Fallback>
+  </mc:AlternateContent>
+  <p:timing>
+    <p:tnLst>
+      <p:par>
+        <p:cTn xmlns:p14="http://schemas.microsoft.com/office/powerpoint/2010/main" id="1" dur="indefinite" restart="never" nodeType="tmRoot">
+          <p:childTnLst>
+            <p:seq concurrent="1" nextAc="seek">
+              <p:cTn id="2" dur="indefinite" nodeType="mainSeq">
+                <p:childTnLst>
+                  <p:par>
+                    <p:cTn id="3" fill="hold">
+                      <p:stCondLst>
+                        <p:cond delay="indefinite"/>
+                        <p:cond evt="onBegin" delay="0">
+                          <p:tn val="2"/>
+                        </p:cond>
+                      </p:stCondLst>
+                      <p:childTnLst>
+                        <p:par>
+                          <p:cTn id="4" fill="hold">
+                            <p:stCondLst>
+                              <p:cond delay="0"/>
+                            </p:stCondLst>
+                            <p:childTnLst>
+                              <p:par>
+                                <p:cTn id="5" presetID="22" presetClass="entr" presetSubtype="4" fill="hold" grpId="0" nodeType="afterEffect">
                                   <p:stCondLst>
                                     <p:cond delay="0"/>
                                   </p:stCondLst>
@@ -19667,6 +21896,45 @@
                                       </p:cBhvr>
                                       <p:to>
                                         <p:strVal val="visible"/>
+                                      </p:to>
+                                    </p:set>
+                                    <p:animEffect transition="in" filter="wipe(down)">
+                                      <p:cBhvr>
+                                        <p:cTn id="7" dur="1000"/>
+                                        <p:tgtEl>
+                                          <p:spTgt spid="28687"/>
+                                        </p:tgtEl>
+                                      </p:cBhvr>
+                                    </p:animEffect>
+                                  </p:childTnLst>
+                                </p:cTn>
+                              </p:par>
+                              <p:par>
+                                <p:cTn id="8" presetID="1" presetClass="exit" presetSubtype="0" fill="hold" nodeType="withEffect">
+                                  <p:stCondLst>
+                                    <p:cond delay="0"/>
+                                  </p:stCondLst>
+                                  <p:childTnLst>
+                                    <p:set>
+                                      <p:cBhvr>
+                                        <p:cTn id="9" dur="1" fill="hold">
+                                          <p:stCondLst>
+                                            <p:cond delay="0"/>
+                                          </p:stCondLst>
+                                        </p:cTn>
+                                        <p:tgtEl>
+                                          <p:spTgt spid="17">
+                                            <p:txEl>
+                                              <p:pRg st="0" end="0"/>
+                                            </p:txEl>
+                                          </p:spTgt>
+                                        </p:tgtEl>
+                                        <p:attrNameLst>
+                                          <p:attrName>style.visibility</p:attrName>
+                                        </p:attrNameLst>
+                                      </p:cBhvr>
+                                      <p:to>
+                                        <p:strVal val="hidden"/>
                                       </p:to>
                                     </p:set>
                                   </p:childTnLst>
@@ -19706,7 +21974,7 @@
 </p:sld>
 </file>
 
-<file path=ppt/slides/slide6.xml><?xml version="1.0" encoding="utf-8"?>
+<file path=ppt/slides/slide7.xml><?xml version="1.0" encoding="utf-8"?>
 <p:sld xmlns:a="http://schemas.openxmlformats.org/drawingml/2006/main" xmlns:r="http://schemas.openxmlformats.org/officeDocument/2006/relationships" xmlns:p="http://schemas.openxmlformats.org/presentationml/2006/main">
   <p:cSld>
     <p:spTree>
@@ -19763,7 +22031,7 @@
             <a:fld id="{65CB97D2-D080-404C-B886-E9A46F89541B}" type="slidenum">
               <a:rPr lang="en-US" sz="1200" smtClean="0"/>
               <a:pPr/>
-              <a:t>6</a:t>
+              <a:t>7</a:t>
             </a:fld>
             <a:endParaRPr lang="en-US" sz="1200" dirty="0" smtClean="0"/>
           </a:p>
@@ -20167,7 +22435,7 @@
           <a:graphicData uri="http://schemas.openxmlformats.org/presentationml/2006/ole">
             <mc:AlternateContent xmlns:mc="http://schemas.openxmlformats.org/markup-compatibility/2006">
               <mc:Choice xmlns:v="urn:schemas-microsoft-com:vml" Requires="v">
-                <p:oleObj spid="_x0000_s7356" name="Equation" r:id="rId4" imgW="304560" imgH="139680" progId="Equation.DSMT4">
+                <p:oleObj spid="_x0000_s7370" name="Equation" r:id="rId4" imgW="304560" imgH="139680" progId="Equation.DSMT4">
                   <p:embed/>
                 </p:oleObj>
               </mc:Choice>
@@ -20237,7 +22505,7 @@
           <a:graphicData uri="http://schemas.openxmlformats.org/presentationml/2006/ole">
             <mc:AlternateContent xmlns:mc="http://schemas.openxmlformats.org/markup-compatibility/2006">
               <mc:Choice xmlns:v="urn:schemas-microsoft-com:vml" Requires="v">
-                <p:oleObj spid="_x0000_s7357" name="Equation" r:id="rId6" imgW="304560" imgH="139680" progId="Equation.DSMT4">
+                <p:oleObj spid="_x0000_s7371" name="Equation" r:id="rId6" imgW="304560" imgH="139680" progId="Equation.DSMT4">
                   <p:embed/>
                 </p:oleObj>
               </mc:Choice>
@@ -20544,7 +22812,7 @@
 </p:sld>
 </file>
 
-<file path=ppt/slides/slide7.xml><?xml version="1.0" encoding="utf-8"?>
+<file path=ppt/slides/slide8.xml><?xml version="1.0" encoding="utf-8"?>
 <p:sld xmlns:a="http://schemas.openxmlformats.org/drawingml/2006/main" xmlns:r="http://schemas.openxmlformats.org/officeDocument/2006/relationships" xmlns:p="http://schemas.openxmlformats.org/presentationml/2006/main">
   <p:cSld>
     <p:spTree>
@@ -20601,7 +22869,7 @@
             <a:fld id="{90D7F182-AFDA-4334-AFA0-35192557D391}" type="slidenum">
               <a:rPr lang="en-US" sz="1200" smtClean="0"/>
               <a:pPr/>
-              <a:t>7</a:t>
+              <a:t>8</a:t>
             </a:fld>
             <a:endParaRPr lang="en-US" sz="1200" dirty="0" smtClean="0"/>
           </a:p>
@@ -20646,7 +22914,7 @@
           <a:graphicData uri="http://schemas.openxmlformats.org/presentationml/2006/ole">
             <mc:AlternateContent xmlns:mc="http://schemas.openxmlformats.org/markup-compatibility/2006">
               <mc:Choice xmlns:v="urn:schemas-microsoft-com:vml" Requires="v">
-                <p:oleObj spid="_x0000_s210053" name="Equation" r:id="rId4" imgW="114120" imgH="177480" progId="Equation.DSMT4">
+                <p:oleObj spid="_x0000_s210067" name="Equation" r:id="rId4" imgW="114120" imgH="177480" progId="Equation.DSMT4">
                   <p:embed/>
                 </p:oleObj>
               </mc:Choice>
@@ -21251,7 +23519,7 @@
           <a:graphicData uri="http://schemas.openxmlformats.org/presentationml/2006/ole">
             <mc:AlternateContent xmlns:mc="http://schemas.openxmlformats.org/markup-compatibility/2006">
               <mc:Choice xmlns:v="urn:schemas-microsoft-com:vml" Requires="v">
-                <p:oleObj spid="_x0000_s210054" name="Equation" r:id="rId6" imgW="635000" imgH="469900" progId="Equation.DSMT4">
+                <p:oleObj spid="_x0000_s210068" name="Equation" r:id="rId6" imgW="635000" imgH="469900" progId="Equation.DSMT4">
                   <p:embed/>
                 </p:oleObj>
               </mc:Choice>
@@ -21385,8 +23653,8 @@
 </p:sld>
 </file>
 
-<file path=ppt/slides/slide8.xml><?xml version="1.0" encoding="utf-8"?>
-<p:sld xmlns:a="http://schemas.openxmlformats.org/drawingml/2006/main" xmlns:r="http://schemas.openxmlformats.org/officeDocument/2006/relationships" xmlns:p="http://schemas.openxmlformats.org/presentationml/2006/main" show="0">
+<file path=ppt/slides/slide9.xml><?xml version="1.0" encoding="utf-8"?>
+<p:sld xmlns:a="http://schemas.openxmlformats.org/drawingml/2006/main" xmlns:r="http://schemas.openxmlformats.org/officeDocument/2006/relationships" xmlns:p="http://schemas.openxmlformats.org/presentationml/2006/main">
   <p:cSld>
     <p:spTree>
       <p:nvGrpSpPr>
@@ -21442,7 +23710,7 @@
             <a:fld id="{90D7F182-AFDA-4334-AFA0-35192557D391}" type="slidenum">
               <a:rPr lang="en-US" sz="1200" smtClean="0"/>
               <a:pPr/>
-              <a:t>8</a:t>
+              <a:t>9</a:t>
             </a:fld>
             <a:endParaRPr lang="en-US" sz="1200" dirty="0" smtClean="0"/>
           </a:p>
@@ -21487,7 +23755,7 @@
           <a:graphicData uri="http://schemas.openxmlformats.org/presentationml/2006/ole">
             <mc:AlternateContent xmlns:mc="http://schemas.openxmlformats.org/markup-compatibility/2006">
               <mc:Choice xmlns:v="urn:schemas-microsoft-com:vml" Requires="v">
-                <p:oleObj spid="_x0000_s187558" name="Equation" r:id="rId4" imgW="114120" imgH="177480" progId="Equation.DSMT4">
+                <p:oleObj spid="_x0000_s219185" name="Equation" r:id="rId4" imgW="114120" imgH="177480" progId="Equation.DSMT4">
                   <p:embed/>
                 </p:oleObj>
               </mc:Choice>
@@ -21541,825 +23809,6 @@
           </a:graphicData>
         </a:graphic>
       </p:graphicFrame>
-      <p:grpSp>
-        <p:nvGrpSpPr>
-          <p:cNvPr id="2" name="Group 1"/>
-          <p:cNvGrpSpPr/>
-          <p:nvPr/>
-        </p:nvGrpSpPr>
-        <p:grpSpPr>
-          <a:xfrm>
-            <a:off x="1982788" y="1928813"/>
-            <a:ext cx="5118100" cy="4410075"/>
-            <a:chOff x="1982788" y="1928813"/>
-            <a:chExt cx="5118100" cy="4410075"/>
-          </a:xfrm>
-        </p:grpSpPr>
-        <p:sp>
-          <p:nvSpPr>
-            <p:cNvPr id="8198" name="AutoShape 76"/>
-            <p:cNvSpPr>
-              <a:spLocks noChangeArrowheads="1"/>
-            </p:cNvSpPr>
-            <p:nvPr/>
-          </p:nvSpPr>
-          <p:spPr bwMode="auto">
-            <a:xfrm>
-              <a:off x="5065713" y="1928813"/>
-              <a:ext cx="1519237" cy="2606675"/>
-            </a:xfrm>
-            <a:prstGeom prst="rtTriangle">
-              <a:avLst/>
-            </a:prstGeom>
-            <a:solidFill>
-              <a:schemeClr val="bg2"/>
-            </a:solidFill>
-            <a:ln w="9525">
-              <a:solidFill>
-                <a:schemeClr val="tx1"/>
-              </a:solidFill>
-              <a:miter lim="800000"/>
-              <a:headEnd/>
-              <a:tailEnd/>
-            </a:ln>
-          </p:spPr>
-          <p:txBody>
-            <a:bodyPr wrap="none" anchor="ctr"/>
-            <a:lstStyle/>
-            <a:p>
-              <a:endParaRPr lang="en-US">
-                <a:latin typeface="Comic Sans MS" pitchFamily="66" charset="0"/>
-              </a:endParaRPr>
-            </a:p>
-          </p:txBody>
-        </p:sp>
-        <p:sp>
-          <p:nvSpPr>
-            <p:cNvPr id="8199" name="AutoShape 77"/>
-            <p:cNvSpPr>
-              <a:spLocks noChangeArrowheads="1"/>
-            </p:cNvSpPr>
-            <p:nvPr/>
-          </p:nvSpPr>
-          <p:spPr bwMode="auto">
-            <a:xfrm rot="10800000">
-              <a:off x="5065713" y="1928813"/>
-              <a:ext cx="1519237" cy="2606675"/>
-            </a:xfrm>
-            <a:prstGeom prst="rtTriangle">
-              <a:avLst/>
-            </a:prstGeom>
-            <a:solidFill>
-              <a:schemeClr val="accent2"/>
-            </a:solidFill>
-            <a:ln w="9525">
-              <a:solidFill>
-                <a:schemeClr val="tx1"/>
-              </a:solidFill>
-              <a:miter lim="800000"/>
-              <a:headEnd/>
-              <a:tailEnd/>
-            </a:ln>
-          </p:spPr>
-          <p:txBody>
-            <a:bodyPr wrap="none" anchor="ctr"/>
-            <a:lstStyle/>
-            <a:p>
-              <a:endParaRPr lang="en-US">
-                <a:latin typeface="Comic Sans MS" pitchFamily="66" charset="0"/>
-              </a:endParaRPr>
-            </a:p>
-          </p:txBody>
-        </p:sp>
-        <p:sp>
-          <p:nvSpPr>
-            <p:cNvPr id="8200" name="AutoShape 78"/>
-            <p:cNvSpPr>
-              <a:spLocks noChangeArrowheads="1"/>
-            </p:cNvSpPr>
-            <p:nvPr/>
-          </p:nvSpPr>
-          <p:spPr bwMode="auto">
-            <a:xfrm rot="16200000">
-              <a:off x="2996407" y="1362869"/>
-              <a:ext cx="1503362" cy="2635250"/>
-            </a:xfrm>
-            <a:prstGeom prst="rtTriangle">
-              <a:avLst/>
-            </a:prstGeom>
-            <a:solidFill>
-              <a:schemeClr val="folHlink"/>
-            </a:solidFill>
-            <a:ln w="9525">
-              <a:solidFill>
-                <a:schemeClr val="tx1"/>
-              </a:solidFill>
-              <a:miter lim="800000"/>
-              <a:headEnd/>
-              <a:tailEnd/>
-            </a:ln>
-          </p:spPr>
-          <p:txBody>
-            <a:bodyPr wrap="none" anchor="ctr"/>
-            <a:lstStyle/>
-            <a:p>
-              <a:endParaRPr lang="en-US">
-                <a:latin typeface="Comic Sans MS" pitchFamily="66" charset="0"/>
-              </a:endParaRPr>
-            </a:p>
-          </p:txBody>
-        </p:sp>
-        <p:sp>
-          <p:nvSpPr>
-            <p:cNvPr id="8201" name="AutoShape 79"/>
-            <p:cNvSpPr>
-              <a:spLocks noChangeArrowheads="1"/>
-            </p:cNvSpPr>
-            <p:nvPr/>
-          </p:nvSpPr>
-          <p:spPr bwMode="auto">
-            <a:xfrm rot="5400000">
-              <a:off x="2996407" y="1362869"/>
-              <a:ext cx="1503362" cy="2635250"/>
-            </a:xfrm>
-            <a:prstGeom prst="rtTriangle">
-              <a:avLst/>
-            </a:prstGeom>
-            <a:solidFill>
-              <a:srgbClr val="DDDDDD">
-                <a:alpha val="89803"/>
-              </a:srgbClr>
-            </a:solidFill>
-            <a:ln w="9525">
-              <a:solidFill>
-                <a:schemeClr val="tx1"/>
-              </a:solidFill>
-              <a:miter lim="800000"/>
-              <a:headEnd/>
-              <a:tailEnd/>
-            </a:ln>
-          </p:spPr>
-          <p:txBody>
-            <a:bodyPr wrap="none" anchor="ctr"/>
-            <a:lstStyle/>
-            <a:p>
-              <a:endParaRPr lang="en-US">
-                <a:latin typeface="Comic Sans MS" pitchFamily="66" charset="0"/>
-              </a:endParaRPr>
-            </a:p>
-          </p:txBody>
-        </p:sp>
-        <p:sp>
-          <p:nvSpPr>
-            <p:cNvPr id="8202" name="Line 89"/>
-            <p:cNvSpPr>
-              <a:spLocks noChangeShapeType="1"/>
-            </p:cNvSpPr>
-            <p:nvPr/>
-          </p:nvSpPr>
-          <p:spPr bwMode="auto">
-            <a:xfrm>
-              <a:off x="5470525" y="6338888"/>
-              <a:ext cx="0" cy="0"/>
-            </a:xfrm>
-            <a:prstGeom prst="line">
-              <a:avLst/>
-            </a:prstGeom>
-            <a:noFill/>
-            <a:ln w="9525">
-              <a:solidFill>
-                <a:schemeClr val="tx1"/>
-              </a:solidFill>
-              <a:round/>
-              <a:headEnd/>
-              <a:tailEnd/>
-            </a:ln>
-          </p:spPr>
-          <p:txBody>
-            <a:bodyPr/>
-            <a:lstStyle/>
-            <a:p>
-              <a:endParaRPr lang="en-US"/>
-            </a:p>
-          </p:txBody>
-        </p:sp>
-        <p:sp>
-          <p:nvSpPr>
-            <p:cNvPr id="8203" name="Line 90"/>
-            <p:cNvSpPr>
-              <a:spLocks noChangeShapeType="1"/>
-            </p:cNvSpPr>
-            <p:nvPr/>
-          </p:nvSpPr>
-          <p:spPr bwMode="auto">
-            <a:xfrm>
-              <a:off x="5470525" y="6338888"/>
-              <a:ext cx="0" cy="0"/>
-            </a:xfrm>
-            <a:prstGeom prst="line">
-              <a:avLst/>
-            </a:prstGeom>
-            <a:noFill/>
-            <a:ln w="9525">
-              <a:solidFill>
-                <a:schemeClr val="tx1"/>
-              </a:solidFill>
-              <a:round/>
-              <a:headEnd/>
-              <a:tailEnd/>
-            </a:ln>
-          </p:spPr>
-          <p:txBody>
-            <a:bodyPr/>
-            <a:lstStyle/>
-            <a:p>
-              <a:endParaRPr lang="en-US"/>
-            </a:p>
-          </p:txBody>
-        </p:sp>
-        <p:sp>
-          <p:nvSpPr>
-            <p:cNvPr id="8204" name="Line 103"/>
-            <p:cNvSpPr>
-              <a:spLocks noChangeShapeType="1"/>
-            </p:cNvSpPr>
-            <p:nvPr/>
-          </p:nvSpPr>
-          <p:spPr bwMode="auto">
-            <a:xfrm flipV="1">
-              <a:off x="4051300" y="4535488"/>
-              <a:ext cx="1014413" cy="0"/>
-            </a:xfrm>
-            <a:prstGeom prst="line">
-              <a:avLst/>
-            </a:prstGeom>
-            <a:noFill/>
-            <a:ln w="9525">
-              <a:solidFill>
-                <a:schemeClr val="tx1"/>
-              </a:solidFill>
-              <a:round/>
-              <a:headEnd/>
-              <a:tailEnd/>
-            </a:ln>
-          </p:spPr>
-          <p:txBody>
-            <a:bodyPr/>
-            <a:lstStyle/>
-            <a:p>
-              <a:endParaRPr lang="en-US"/>
-            </a:p>
-          </p:txBody>
-        </p:sp>
-        <p:sp>
-          <p:nvSpPr>
-            <p:cNvPr id="8205" name="Line 104"/>
-            <p:cNvSpPr>
-              <a:spLocks noChangeShapeType="1"/>
-            </p:cNvSpPr>
-            <p:nvPr/>
-          </p:nvSpPr>
-          <p:spPr bwMode="auto">
-            <a:xfrm flipV="1">
-              <a:off x="4051300" y="3432175"/>
-              <a:ext cx="0" cy="1103313"/>
-            </a:xfrm>
-            <a:prstGeom prst="line">
-              <a:avLst/>
-            </a:prstGeom>
-            <a:noFill/>
-            <a:ln w="9525">
-              <a:solidFill>
-                <a:schemeClr val="tx1"/>
-              </a:solidFill>
-              <a:round/>
-              <a:headEnd/>
-              <a:tailEnd/>
-            </a:ln>
-          </p:spPr>
-          <p:txBody>
-            <a:bodyPr/>
-            <a:lstStyle/>
-            <a:p>
-              <a:endParaRPr lang="en-US"/>
-            </a:p>
-          </p:txBody>
-        </p:sp>
-        <p:sp>
-          <p:nvSpPr>
-            <p:cNvPr id="8206" name="Text Box 109"/>
-            <p:cNvSpPr txBox="1">
-              <a:spLocks noChangeArrowheads="1"/>
-            </p:cNvSpPr>
-            <p:nvPr/>
-          </p:nvSpPr>
-          <p:spPr bwMode="auto">
-            <a:xfrm>
-              <a:off x="6584950" y="2930525"/>
-              <a:ext cx="515938" cy="523875"/>
-            </a:xfrm>
-            <a:prstGeom prst="rect">
-              <a:avLst/>
-            </a:prstGeom>
-            <a:noFill/>
-            <a:ln w="9525">
-              <a:noFill/>
-              <a:miter lim="800000"/>
-              <a:headEnd/>
-              <a:tailEnd/>
-            </a:ln>
-          </p:spPr>
-          <p:txBody>
-            <a:bodyPr>
-              <a:spAutoFit/>
-            </a:bodyPr>
-            <a:lstStyle/>
-            <a:p>
-              <a:r>
-                <a:rPr lang="en-US" sz="2800" b="1">
-                  <a:latin typeface="Comic Sans MS" pitchFamily="66" charset="0"/>
-                </a:rPr>
-                <a:t>b</a:t>
-              </a:r>
-            </a:p>
-          </p:txBody>
-        </p:sp>
-        <p:sp>
-          <p:nvSpPr>
-            <p:cNvPr id="8207" name="Text Box 129"/>
-            <p:cNvSpPr txBox="1">
-              <a:spLocks noChangeArrowheads="1"/>
-            </p:cNvSpPr>
-            <p:nvPr/>
-          </p:nvSpPr>
-          <p:spPr bwMode="auto">
-            <a:xfrm>
-              <a:off x="1982788" y="2298700"/>
-              <a:ext cx="384175" cy="522288"/>
-            </a:xfrm>
-            <a:prstGeom prst="rect">
-              <a:avLst/>
-            </a:prstGeom>
-            <a:noFill/>
-            <a:ln w="9525">
-              <a:noFill/>
-              <a:miter lim="800000"/>
-              <a:headEnd/>
-              <a:tailEnd type="none" w="lg" len="lg"/>
-            </a:ln>
-          </p:spPr>
-          <p:txBody>
-            <a:bodyPr wrap="none">
-              <a:spAutoFit/>
-            </a:bodyPr>
-            <a:lstStyle/>
-            <a:p>
-              <a:r>
-                <a:rPr lang="en-US" sz="2800" b="1">
-                  <a:latin typeface="Comic Sans MS" pitchFamily="66" charset="0"/>
-                </a:rPr>
-                <a:t>a</a:t>
-              </a:r>
-            </a:p>
-          </p:txBody>
-        </p:sp>
-        <p:sp>
-          <p:nvSpPr>
-            <p:cNvPr id="8208" name="Text Box 130"/>
-            <p:cNvSpPr txBox="1">
-              <a:spLocks noChangeArrowheads="1"/>
-            </p:cNvSpPr>
-            <p:nvPr/>
-          </p:nvSpPr>
-          <p:spPr bwMode="auto">
-            <a:xfrm>
-              <a:off x="2995613" y="3363913"/>
-              <a:ext cx="384175" cy="523875"/>
-            </a:xfrm>
-            <a:prstGeom prst="rect">
-              <a:avLst/>
-            </a:prstGeom>
-            <a:noFill/>
-            <a:ln w="9525">
-              <a:noFill/>
-              <a:miter lim="800000"/>
-              <a:headEnd/>
-              <a:tailEnd type="none" w="lg" len="lg"/>
-            </a:ln>
-          </p:spPr>
-          <p:txBody>
-            <a:bodyPr wrap="none">
-              <a:spAutoFit/>
-            </a:bodyPr>
-            <a:lstStyle/>
-            <a:p>
-              <a:r>
-                <a:rPr lang="en-US" sz="2800" b="1" dirty="0">
-                  <a:latin typeface="Comic Sans MS" pitchFamily="66" charset="0"/>
-                </a:rPr>
-                <a:t>a</a:t>
-              </a:r>
-            </a:p>
-          </p:txBody>
-        </p:sp>
-        <p:sp>
-          <p:nvSpPr>
-            <p:cNvPr id="8210" name="Rectangle 133"/>
-            <p:cNvSpPr>
-              <a:spLocks noChangeArrowheads="1"/>
-            </p:cNvSpPr>
-            <p:nvPr/>
-          </p:nvSpPr>
-          <p:spPr bwMode="auto">
-            <a:xfrm>
-              <a:off x="3952875" y="3449638"/>
-              <a:ext cx="1093788" cy="1081087"/>
-            </a:xfrm>
-            <a:prstGeom prst="rect">
-              <a:avLst/>
-            </a:prstGeom>
-            <a:solidFill>
-              <a:srgbClr val="FFFF00"/>
-            </a:solidFill>
-            <a:ln w="9525">
-              <a:solidFill>
-                <a:schemeClr val="tx1"/>
-              </a:solidFill>
-              <a:miter lim="800000"/>
-              <a:headEnd/>
-              <a:tailEnd type="none" w="lg" len="lg"/>
-            </a:ln>
-          </p:spPr>
-          <p:txBody>
-            <a:bodyPr wrap="none" anchor="ctr"/>
-            <a:lstStyle/>
-            <a:p>
-              <a:endParaRPr lang="en-US">
-                <a:latin typeface="Comic Sans MS" pitchFamily="66" charset="0"/>
-              </a:endParaRPr>
-            </a:p>
-          </p:txBody>
-        </p:sp>
-        <p:sp>
-          <p:nvSpPr>
-            <p:cNvPr id="8211" name="AutoShape 136"/>
-            <p:cNvSpPr>
-              <a:spLocks noChangeAspect="1" noChangeArrowheads="1" noTextEdit="1"/>
-            </p:cNvSpPr>
-            <p:nvPr/>
-          </p:nvSpPr>
-          <p:spPr bwMode="auto">
-            <a:xfrm>
-              <a:off x="3392488" y="4244975"/>
-              <a:ext cx="2620962" cy="1376363"/>
-            </a:xfrm>
-            <a:prstGeom prst="rect">
-              <a:avLst/>
-            </a:prstGeom>
-            <a:noFill/>
-            <a:ln w="9525">
-              <a:noFill/>
-              <a:miter lim="800000"/>
-              <a:headEnd/>
-              <a:tailEnd/>
-            </a:ln>
-          </p:spPr>
-          <p:txBody>
-            <a:bodyPr/>
-            <a:lstStyle/>
-            <a:p>
-              <a:endParaRPr lang="en-US"/>
-            </a:p>
-          </p:txBody>
-        </p:sp>
-        <p:sp>
-          <p:nvSpPr>
-            <p:cNvPr id="8212" name="Text Box 142"/>
-            <p:cNvSpPr txBox="1">
-              <a:spLocks noChangeArrowheads="1"/>
-            </p:cNvSpPr>
-            <p:nvPr/>
-          </p:nvSpPr>
-          <p:spPr bwMode="auto">
-            <a:xfrm>
-              <a:off x="5462588" y="3919538"/>
-              <a:ext cx="382587" cy="522287"/>
-            </a:xfrm>
-            <a:prstGeom prst="rect">
-              <a:avLst/>
-            </a:prstGeom>
-            <a:noFill/>
-            <a:ln w="9525">
-              <a:noFill/>
-              <a:miter lim="800000"/>
-              <a:headEnd/>
-              <a:tailEnd type="none" w="lg" len="lg"/>
-            </a:ln>
-          </p:spPr>
-          <p:txBody>
-            <a:bodyPr wrap="none">
-              <a:spAutoFit/>
-            </a:bodyPr>
-            <a:lstStyle/>
-            <a:p>
-              <a:r>
-                <a:rPr lang="en-US" sz="2800" b="1">
-                  <a:latin typeface="Comic Sans MS" pitchFamily="66" charset="0"/>
-                </a:rPr>
-                <a:t>a</a:t>
-              </a:r>
-            </a:p>
-          </p:txBody>
-        </p:sp>
-        <p:sp>
-          <p:nvSpPr>
-            <p:cNvPr id="8213" name="Text Box 143"/>
-            <p:cNvSpPr txBox="1">
-              <a:spLocks noChangeArrowheads="1"/>
-            </p:cNvSpPr>
-            <p:nvPr/>
-          </p:nvSpPr>
-          <p:spPr bwMode="auto">
-            <a:xfrm>
-              <a:off x="4083050" y="3935413"/>
-              <a:ext cx="817563" cy="523875"/>
-            </a:xfrm>
-            <a:prstGeom prst="rect">
-              <a:avLst/>
-            </a:prstGeom>
-            <a:noFill/>
-            <a:ln w="9525">
-              <a:noFill/>
-              <a:miter lim="800000"/>
-              <a:headEnd/>
-              <a:tailEnd type="none" w="lg" len="lg"/>
-            </a:ln>
-          </p:spPr>
-          <p:txBody>
-            <a:bodyPr wrap="none">
-              <a:spAutoFit/>
-            </a:bodyPr>
-            <a:lstStyle/>
-            <a:p>
-              <a:r>
-                <a:rPr lang="en-US" sz="2800" b="1">
-                  <a:latin typeface="Comic Sans MS" pitchFamily="66" charset="0"/>
-                </a:rPr>
-                <a:t>b</a:t>
-              </a:r>
-              <a:r>
-                <a:rPr lang="en-US" sz="2800" b="1">
-                  <a:latin typeface="Comic Sans MS" pitchFamily="66" charset="0"/>
-                  <a:cs typeface="Times New Roman" pitchFamily="18" charset="0"/>
-                </a:rPr>
-                <a:t>-</a:t>
-              </a:r>
-              <a:r>
-                <a:rPr lang="en-US" sz="2800" b="1">
-                  <a:latin typeface="Comic Sans MS" pitchFamily="66" charset="0"/>
-                </a:rPr>
-                <a:t>a</a:t>
-              </a:r>
-            </a:p>
-          </p:txBody>
-        </p:sp>
-        <p:graphicFrame>
-          <p:nvGraphicFramePr>
-            <p:cNvPr id="23" name="Object 22"/>
-            <p:cNvGraphicFramePr>
-              <a:graphicFrameLocks noChangeAspect="1"/>
-            </p:cNvGraphicFramePr>
-            <p:nvPr>
-              <p:extLst>
-                <p:ext uri="{D42A27DB-BD31-4B8C-83A1-F6EECF244321}">
-                  <p14:modId xmlns:p14="http://schemas.microsoft.com/office/powerpoint/2010/main" val="2682600571"/>
-                </p:ext>
-              </p:extLst>
-            </p:nvPr>
-          </p:nvGraphicFramePr>
-          <p:xfrm>
-            <a:off x="3869748" y="3500582"/>
-            <a:ext cx="2806700" cy="1962150"/>
-          </p:xfrm>
-          <a:graphic>
-            <a:graphicData uri="http://schemas.openxmlformats.org/presentationml/2006/ole">
-              <mc:AlternateContent xmlns:mc="http://schemas.openxmlformats.org/markup-compatibility/2006">
-                <mc:Choice xmlns:v="urn:schemas-microsoft-com:vml" Requires="v">
-                  <p:oleObj spid="_x0000_s187559" name="Equation" r:id="rId6" imgW="635000" imgH="444500" progId="Equation.DSMT4">
-                    <p:embed/>
-                  </p:oleObj>
-                </mc:Choice>
-                <mc:Fallback>
-                  <p:oleObj name="Equation" r:id="rId6" imgW="635000" imgH="444500" progId="Equation.DSMT4">
-                    <p:embed/>
-                    <p:pic>
-                      <p:nvPicPr>
-                        <p:cNvPr id="0" name=""/>
-                        <p:cNvPicPr/>
-                        <p:nvPr/>
-                      </p:nvPicPr>
-                      <p:blipFill>
-                        <a:blip r:embed="rId7"/>
-                        <a:stretch>
-                          <a:fillRect/>
-                        </a:stretch>
-                      </p:blipFill>
-                      <p:spPr>
-                        <a:xfrm>
-                          <a:off x="3869748" y="3500582"/>
-                          <a:ext cx="2806700" cy="1962150"/>
-                        </a:xfrm>
-                        <a:prstGeom prst="rect">
-                          <a:avLst/>
-                        </a:prstGeom>
-                      </p:spPr>
-                    </p:pic>
-                  </p:oleObj>
-                </mc:Fallback>
-              </mc:AlternateContent>
-            </a:graphicData>
-          </a:graphic>
-        </p:graphicFrame>
-      </p:grpSp>
-    </p:spTree>
-    <p:extLst>
-      <p:ext uri="{BB962C8B-B14F-4D97-AF65-F5344CB8AC3E}">
-        <p14:creationId xmlns:p14="http://schemas.microsoft.com/office/powerpoint/2010/main" val="3421818370"/>
-      </p:ext>
-    </p:extLst>
-  </p:cSld>
-  <p:clrMapOvr>
-    <a:masterClrMapping/>
-  </p:clrMapOvr>
-  <p:transition xmlns:p14="http://schemas.microsoft.com/office/powerpoint/2010/main" spd="slow" advClick="0">
-    <p:fade/>
-  </p:transition>
-  <p:timing>
-    <p:tnLst>
-      <p:par>
-        <p:cTn xmlns:p14="http://schemas.microsoft.com/office/powerpoint/2010/main" id="1" dur="indefinite" restart="never" nodeType="tmRoot"/>
-      </p:par>
-    </p:tnLst>
-  </p:timing>
-</p:sld>
-</file>
-
-<file path=ppt/slides/slide9.xml><?xml version="1.0" encoding="utf-8"?>
-<p:sld xmlns:a="http://schemas.openxmlformats.org/drawingml/2006/main" xmlns:r="http://schemas.openxmlformats.org/officeDocument/2006/relationships" xmlns:p="http://schemas.openxmlformats.org/presentationml/2006/main">
-  <p:cSld>
-    <p:spTree>
-      <p:nvGrpSpPr>
-        <p:cNvPr id="1" name=""/>
-        <p:cNvGrpSpPr/>
-        <p:nvPr/>
-      </p:nvGrpSpPr>
-      <p:grpSpPr>
-        <a:xfrm>
-          <a:off x="0" y="0"/>
-          <a:ext cx="0" cy="0"/>
-          <a:chOff x="0" y="0"/>
-          <a:chExt cx="0" cy="0"/>
-        </a:xfrm>
-      </p:grpSpPr>
-      <p:sp>
-        <p:nvSpPr>
-          <p:cNvPr id="8196" name="Slide Number Placeholder 3"/>
-          <p:cNvSpPr>
-            <a:spLocks noGrp="1"/>
-          </p:cNvSpPr>
-          <p:nvPr>
-            <p:ph type="sldNum" sz="quarter" idx="10"/>
-          </p:nvPr>
-        </p:nvSpPr>
-        <p:spPr>
-          <a:xfrm>
-            <a:off x="7571334" y="6553200"/>
-            <a:ext cx="1572666" cy="307777"/>
-          </a:xfrm>
-          <a:noFill/>
-        </p:spPr>
-        <p:txBody>
-          <a:bodyPr/>
-          <a:lstStyle/>
-          <a:p>
-            <a:r>
-              <a:rPr lang="en-US" dirty="0" smtClean="0"/>
-              <a:t>      </a:t>
-            </a:r>
-            <a:r>
-              <a:rPr lang="en-US" sz="1200" dirty="0" smtClean="0"/>
-              <a:t>proof-</a:t>
-            </a:r>
-            <a:r>
-              <a:rPr lang="en-US" sz="1200" dirty="0" err="1" smtClean="0"/>
-              <a:t>intro.I</a:t>
-            </a:r>
-            <a:r>
-              <a:rPr lang="en-US" sz="1200" dirty="0" smtClean="0"/>
-              <a:t>.</a:t>
-            </a:r>
-            <a:fld id="{90D7F182-AFDA-4334-AFA0-35192557D391}" type="slidenum">
-              <a:rPr lang="en-US" sz="1200" smtClean="0"/>
-              <a:pPr/>
-              <a:t>9</a:t>
-            </a:fld>
-            <a:endParaRPr lang="en-US" sz="1200" dirty="0" smtClean="0"/>
-          </a:p>
-        </p:txBody>
-      </p:sp>
-      <p:sp>
-        <p:nvSpPr>
-          <p:cNvPr id="8197" name="Rectangle 2"/>
-          <p:cNvSpPr>
-            <a:spLocks noGrp="1" noChangeArrowheads="1"/>
-          </p:cNvSpPr>
-          <p:nvPr>
-            <p:ph type="title"/>
-          </p:nvPr>
-        </p:nvSpPr>
-        <p:spPr/>
-        <p:txBody>
-          <a:bodyPr/>
-          <a:lstStyle/>
-          <a:p>
-            <a:pPr eaLnBrk="1" hangingPunct="1"/>
-            <a:r>
-              <a:rPr lang="en-US" smtClean="0"/>
-              <a:t>A Cool Proof</a:t>
-            </a:r>
-          </a:p>
-        </p:txBody>
-      </p:sp>
-      <p:graphicFrame>
-        <p:nvGraphicFramePr>
-          <p:cNvPr id="8194" name="Object 134"/>
-          <p:cNvGraphicFramePr>
-            <a:graphicFrameLocks noChangeAspect="1"/>
-          </p:cNvGraphicFramePr>
-          <p:nvPr/>
-        </p:nvGraphicFramePr>
-        <p:xfrm>
-          <a:off x="400050" y="9525"/>
-          <a:ext cx="114300" cy="177800"/>
-        </p:xfrm>
-        <a:graphic>
-          <a:graphicData uri="http://schemas.openxmlformats.org/presentationml/2006/ole">
-            <mc:AlternateContent xmlns:mc="http://schemas.openxmlformats.org/markup-compatibility/2006">
-              <mc:Choice xmlns:v="urn:schemas-microsoft-com:vml" Requires="v">
-                <p:oleObj spid="_x0000_s219171" name="Equation" r:id="rId4" imgW="114120" imgH="177480" progId="Equation.DSMT4">
-                  <p:embed/>
-                </p:oleObj>
-              </mc:Choice>
-              <mc:Fallback>
-                <p:oleObj name="Equation" r:id="rId4" imgW="114120" imgH="177480" progId="Equation.DSMT4">
-                  <p:embed/>
-                  <p:pic>
-                    <p:nvPicPr>
-                      <p:cNvPr id="0" name=""/>
-                      <p:cNvPicPr>
-                        <a:picLocks noChangeAspect="1" noChangeArrowheads="1"/>
-                      </p:cNvPicPr>
-                      <p:nvPr/>
-                    </p:nvPicPr>
-                    <p:blipFill>
-                      <a:blip r:embed="rId5">
-                        <a:extLst>
-                          <a:ext uri="{28A0092B-C50C-407E-A947-70E740481C1C}">
-                            <a14:useLocalDpi xmlns:a14="http://schemas.microsoft.com/office/drawing/2010/main" val="0"/>
-                          </a:ext>
-                        </a:extLst>
-                      </a:blip>
-                      <a:srcRect/>
-                      <a:stretch>
-                        <a:fillRect/>
-                      </a:stretch>
-                    </p:blipFill>
-                    <p:spPr bwMode="auto">
-                      <a:xfrm>
-                        <a:off x="400050" y="9525"/>
-                        <a:ext cx="114300" cy="177800"/>
-                      </a:xfrm>
-                      <a:prstGeom prst="rect">
-                        <a:avLst/>
-                      </a:prstGeom>
-                      <a:noFill/>
-                      <a:extLst>
-                        <a:ext uri="{909E8E84-426E-40dd-AFC4-6F175D3DCCD1}">
-                          <a14:hiddenFill xmlns:a14="http://schemas.microsoft.com/office/drawing/2010/main">
-                            <a:solidFill>
-                              <a:srgbClr val="FFFFFF"/>
-                            </a:solidFill>
-                          </a14:hiddenFill>
-                        </a:ext>
-                      </a:extLst>
-                    </p:spPr>
-                  </p:pic>
-                </p:oleObj>
-              </mc:Fallback>
-            </mc:AlternateContent>
-          </a:graphicData>
-        </a:graphic>
-      </p:graphicFrame>
       <p:sp>
         <p:nvSpPr>
           <p:cNvPr id="8198" name="AutoShape 76"/>
@@ -22985,7 +24434,7 @@
           <a:graphicData uri="http://schemas.openxmlformats.org/presentationml/2006/ole">
             <mc:AlternateContent xmlns:mc="http://schemas.openxmlformats.org/markup-compatibility/2006">
               <mc:Choice xmlns:v="urn:schemas-microsoft-com:vml" Requires="v">
-                <p:oleObj spid="_x0000_s219172" name="Equation" r:id="rId6" imgW="635000" imgH="444500" progId="Equation.DSMT4">
+                <p:oleObj spid="_x0000_s219186" name="Equation" r:id="rId6" imgW="635000" imgH="444500" progId="Equation.DSMT4">
                   <p:embed/>
                 </p:oleObj>
               </mc:Choice>

--- a/fall15/slidesF15/proofs1.pptx
+++ b/fall15/slidesF15/proofs1.pptx
@@ -5730,7 +5730,7 @@
           <a:graphicData uri="http://schemas.openxmlformats.org/presentationml/2006/ole">
             <mc:AlternateContent xmlns:mc="http://schemas.openxmlformats.org/markup-compatibility/2006">
               <mc:Choice xmlns:v="urn:schemas-microsoft-com:vml" Requires="v">
-                <p:oleObj spid="_x0000_s1233" name="Equation" r:id="rId4" imgW="914400" imgH="215640" progId="Equation.3">
+                <p:oleObj spid="_x0000_s1238" name="Equation" r:id="rId4" imgW="914400" imgH="215640" progId="Equation.3">
                   <p:embed/>
                 </p:oleObj>
               </mc:Choice>
@@ -5800,7 +5800,7 @@
           <a:graphicData uri="http://schemas.openxmlformats.org/presentationml/2006/ole">
             <mc:AlternateContent xmlns:mc="http://schemas.openxmlformats.org/markup-compatibility/2006">
               <mc:Choice xmlns:v="urn:schemas-microsoft-com:vml" Requires="v">
-                <p:oleObj spid="_x0000_s1234" name="Equation" r:id="rId6" imgW="914400" imgH="215640" progId="Equation.3">
+                <p:oleObj spid="_x0000_s1239" name="Equation" r:id="rId6" imgW="914400" imgH="215640" progId="Equation.3">
                   <p:embed/>
                 </p:oleObj>
               </mc:Choice>
@@ -5916,7 +5916,7 @@
           <a:graphicData uri="http://schemas.openxmlformats.org/presentationml/2006/ole">
             <mc:AlternateContent xmlns:mc="http://schemas.openxmlformats.org/markup-compatibility/2006">
               <mc:Choice xmlns:v="urn:schemas-microsoft-com:vml" Requires="v">
-                <p:oleObj spid="_x0000_s187578" name="Equation" r:id="rId4" imgW="635000" imgH="444500" progId="Equation.DSMT4">
+                <p:oleObj spid="_x0000_s187583" name="Equation" r:id="rId4" imgW="635000" imgH="444500" progId="Equation.DSMT4">
                   <p:embed/>
                 </p:oleObj>
               </mc:Choice>
@@ -6044,7 +6044,7 @@
           <a:graphicData uri="http://schemas.openxmlformats.org/presentationml/2006/ole">
             <mc:AlternateContent xmlns:mc="http://schemas.openxmlformats.org/markup-compatibility/2006">
               <mc:Choice xmlns:v="urn:schemas-microsoft-com:vml" Requires="v">
-                <p:oleObj spid="_x0000_s187579" name="Equation" r:id="rId6" imgW="114120" imgH="177480" progId="Equation.DSMT4">
+                <p:oleObj spid="_x0000_s187584" name="Equation" r:id="rId6" imgW="114120" imgH="177480" progId="Equation.DSMT4">
                   <p:embed/>
                 </p:oleObj>
               </mc:Choice>
@@ -6115,7 +6115,7 @@
             <a:avLst/>
           </a:prstGeom>
           <a:solidFill>
-            <a:srgbClr val="FF0000"/>
+            <a:srgbClr val="FF6168"/>
           </a:solidFill>
           <a:ln w="9525">
             <a:solidFill>
@@ -6153,7 +6153,7 @@
             <a:avLst/>
           </a:prstGeom>
           <a:solidFill>
-            <a:srgbClr val="FF0000"/>
+            <a:srgbClr val="FF6168"/>
           </a:solidFill>
           <a:ln w="9525">
             <a:solidFill>
@@ -6188,7 +6188,7 @@
             <a:chExt cx="2635250" cy="1503362"/>
           </a:xfrm>
           <a:solidFill>
-            <a:srgbClr val="FF0000"/>
+            <a:srgbClr val="FF6168"/>
           </a:solidFill>
         </p:grpSpPr>
         <p:sp>
@@ -6534,7 +6534,7 @@
             <a:avLst/>
           </a:prstGeom>
           <a:solidFill>
-            <a:srgbClr val="FF0000"/>
+            <a:srgbClr val="FF6168"/>
           </a:solidFill>
           <a:ln w="9525">
             <a:solidFill>
@@ -6686,14 +6686,14 @@
         </p:nvGrpSpPr>
         <p:grpSpPr>
           <a:xfrm>
-            <a:off x="2374904" y="1892300"/>
+            <a:off x="2362204" y="1905000"/>
             <a:ext cx="1605553" cy="1564648"/>
             <a:chOff x="2798444" y="1900210"/>
             <a:chExt cx="2656037" cy="1529469"/>
           </a:xfrm>
           <a:solidFill>
             <a:schemeClr val="accent1">
-              <a:lumMod val="50000"/>
+              <a:lumMod val="75000"/>
             </a:schemeClr>
           </a:solidFill>
         </p:grpSpPr>
@@ -6778,8 +6778,8 @@
         </p:nvSpPr>
         <p:spPr>
           <a:xfrm>
-            <a:off x="2659926" y="5384800"/>
-            <a:ext cx="3145212" cy="830997"/>
+            <a:off x="2551876" y="5168900"/>
+            <a:ext cx="3412112" cy="830997"/>
           </a:xfrm>
           <a:prstGeom prst="rect">
             <a:avLst/>
@@ -6812,7 +6812,7 @@
               <a:t>×</a:t>
             </a:r>
             <a:r>
-              <a:rPr lang="en-US" sz="4800" b="1" dirty="0" err="1">
+              <a:rPr lang="en-US" sz="4800" b="1" dirty="0" err="1" smtClean="0">
                 <a:solidFill>
                   <a:srgbClr val="0000F1"/>
                 </a:solidFill>
@@ -6822,13 +6822,14 @@
               <a:t>a</a:t>
             </a:r>
             <a:r>
-              <a:rPr lang="en-US" sz="4800" dirty="0">
+              <a:rPr lang="en-US" sz="4800" b="1" dirty="0" smtClean="0">
                 <a:solidFill>
-                  <a:srgbClr val="000000"/>
+                  <a:srgbClr val="0000F1"/>
                 </a:solidFill>
                 <a:latin typeface="Comic Sans MS" pitchFamily="66" charset="0"/>
+                <a:sym typeface="Symbol" pitchFamily="18" charset="2"/>
               </a:rPr>
-              <a:t> &amp; </a:t>
+              <a:t> </a:t>
             </a:r>
             <a:r>
               <a:rPr lang="en-US" sz="4800" dirty="0" smtClean="0">
@@ -6837,7 +6838,7 @@
                 </a:solidFill>
                 <a:latin typeface="Comic Sans MS" pitchFamily="66" charset="0"/>
               </a:rPr>
-              <a:t> </a:t>
+              <a:t> &amp;  </a:t>
             </a:r>
             <a:r>
               <a:rPr lang="en-US" sz="4800" b="1" dirty="0" err="1">
@@ -6891,24 +6892,106 @@
   <p:clrMapOvr>
     <a:masterClrMapping/>
   </p:clrMapOvr>
-  <mc:AlternateContent xmlns:mc="http://schemas.openxmlformats.org/markup-compatibility/2006" xmlns:p14="http://schemas.microsoft.com/office/powerpoint/2010/main">
-    <mc:Choice Requires="p14">
-      <p:transition spd="slow" p14:dur="1200" advClick="0">
-        <p:dissolve/>
+  <mc:AlternateContent xmlns:mc="http://schemas.openxmlformats.org/markup-compatibility/2006">
+    <mc:Choice xmlns:p14="http://schemas.microsoft.com/office/powerpoint/2010/main" Requires="p14">
+      <p:transition spd="med" p14:dur="700" advClick="0">
+        <p:fade/>
       </p:transition>
     </mc:Choice>
-    <mc:Fallback xmlns="">
-      <p:transition xmlns:p14="http://schemas.microsoft.com/office/powerpoint/2010/main" spd="slow" advClick="0">
-        <p:dissolve/>
+    <mc:Fallback>
+      <p:transition xmlns:p14="http://schemas.microsoft.com/office/powerpoint/2010/main" spd="med" advClick="0">
+        <p:fade/>
       </p:transition>
     </mc:Fallback>
   </mc:AlternateContent>
   <p:timing>
     <p:tnLst>
       <p:par>
-        <p:cTn xmlns:p14="http://schemas.microsoft.com/office/powerpoint/2010/main" id="1" dur="indefinite" restart="never" nodeType="tmRoot"/>
+        <p:cTn xmlns:p14="http://schemas.microsoft.com/office/powerpoint/2010/main" id="1" dur="indefinite" restart="never" nodeType="tmRoot">
+          <p:childTnLst>
+            <p:seq concurrent="1" nextAc="seek">
+              <p:cTn id="2" dur="indefinite" nodeType="mainSeq">
+                <p:childTnLst>
+                  <p:par>
+                    <p:cTn id="3" fill="hold">
+                      <p:stCondLst>
+                        <p:cond delay="indefinite"/>
+                        <p:cond evt="onBegin" delay="0">
+                          <p:tn val="2"/>
+                        </p:cond>
+                      </p:stCondLst>
+                      <p:childTnLst>
+                        <p:par>
+                          <p:cTn id="4" fill="hold">
+                            <p:stCondLst>
+                              <p:cond delay="0"/>
+                            </p:stCondLst>
+                            <p:childTnLst>
+                              <p:par>
+                                <p:cTn id="5" presetID="10" presetClass="entr" presetSubtype="0" fill="hold" grpId="0" nodeType="afterEffect">
+                                  <p:stCondLst>
+                                    <p:cond delay="500"/>
+                                  </p:stCondLst>
+                                  <p:childTnLst>
+                                    <p:set>
+                                      <p:cBhvr>
+                                        <p:cTn id="6" dur="1" fill="hold">
+                                          <p:stCondLst>
+                                            <p:cond delay="0"/>
+                                          </p:stCondLst>
+                                        </p:cTn>
+                                        <p:tgtEl>
+                                          <p:spTgt spid="4"/>
+                                        </p:tgtEl>
+                                        <p:attrNameLst>
+                                          <p:attrName>style.visibility</p:attrName>
+                                        </p:attrNameLst>
+                                      </p:cBhvr>
+                                      <p:to>
+                                        <p:strVal val="visible"/>
+                                      </p:to>
+                                    </p:set>
+                                    <p:animEffect transition="in" filter="fade">
+                                      <p:cBhvr>
+                                        <p:cTn id="7" dur="1000"/>
+                                        <p:tgtEl>
+                                          <p:spTgt spid="4"/>
+                                        </p:tgtEl>
+                                      </p:cBhvr>
+                                    </p:animEffect>
+                                  </p:childTnLst>
+                                </p:cTn>
+                              </p:par>
+                            </p:childTnLst>
+                          </p:cTn>
+                        </p:par>
+                      </p:childTnLst>
+                    </p:cTn>
+                  </p:par>
+                </p:childTnLst>
+              </p:cTn>
+              <p:prevCondLst>
+                <p:cond evt="onPrev" delay="0">
+                  <p:tgtEl>
+                    <p:sldTgt/>
+                  </p:tgtEl>
+                </p:cond>
+              </p:prevCondLst>
+              <p:nextCondLst>
+                <p:cond evt="onNext" delay="0">
+                  <p:tgtEl>
+                    <p:sldTgt/>
+                  </p:tgtEl>
+                </p:cond>
+              </p:nextCondLst>
+            </p:seq>
+          </p:childTnLst>
+        </p:cTn>
       </p:par>
     </p:tnLst>
+    <p:bldLst>
+      <p:bldP spid="4" grpId="0"/>
+    </p:bldLst>
   </p:timing>
 </p:sld>
 </file>
@@ -12787,7 +12870,7 @@
           <a:graphicData uri="http://schemas.openxmlformats.org/presentationml/2006/ole">
             <mc:AlternateContent xmlns:mc="http://schemas.openxmlformats.org/markup-compatibility/2006">
               <mc:Choice xmlns:v="urn:schemas-microsoft-com:vml" Requires="v">
-                <p:oleObj spid="_x0000_s9509" name="Equation" r:id="rId4" imgW="1270000" imgH="457200" progId="Equation.DSMT4">
+                <p:oleObj spid="_x0000_s9516" name="Equation" r:id="rId4" imgW="1270000" imgH="457200" progId="Equation.DSMT4">
                   <p:embed/>
                 </p:oleObj>
               </mc:Choice>
@@ -12882,7 +12965,7 @@
           <a:graphicData uri="http://schemas.openxmlformats.org/presentationml/2006/ole">
             <mc:AlternateContent xmlns:mc="http://schemas.openxmlformats.org/markup-compatibility/2006">
               <mc:Choice xmlns:v="urn:schemas-microsoft-com:vml" Requires="v">
-                <p:oleObj spid="_x0000_s9510" name="Equation" r:id="rId6" imgW="1270000" imgH="457200" progId="Equation.DSMT4">
+                <p:oleObj spid="_x0000_s9517" name="Equation" r:id="rId6" imgW="1270000" imgH="457200" progId="Equation.DSMT4">
                   <p:embed/>
                 </p:oleObj>
               </mc:Choice>
@@ -13049,7 +13132,7 @@
           <a:graphicData uri="http://schemas.openxmlformats.org/presentationml/2006/ole">
             <mc:AlternateContent xmlns:mc="http://schemas.openxmlformats.org/markup-compatibility/2006">
               <mc:Choice xmlns:v="urn:schemas-microsoft-com:vml" Requires="v">
-                <p:oleObj spid="_x0000_s9511" name="Equation" r:id="rId8" imgW="774360" imgH="203040" progId="Equation.DSMT4">
+                <p:oleObj spid="_x0000_s9518" name="Equation" r:id="rId8" imgW="774360" imgH="203040" progId="Equation.DSMT4">
                   <p:embed/>
                 </p:oleObj>
               </mc:Choice>
@@ -13626,7 +13709,7 @@
             <a:graphicData uri="http://schemas.openxmlformats.org/presentationml/2006/ole">
               <mc:AlternateContent xmlns:mc="http://schemas.openxmlformats.org/markup-compatibility/2006">
                 <mc:Choice xmlns:v="urn:schemas-microsoft-com:vml" Requires="v">
-                  <p:oleObj spid="_x0000_s10444" name="Equation" r:id="rId4" imgW="774360" imgH="203040" progId="Equation.DSMT4">
+                  <p:oleObj spid="_x0000_s10449" name="Equation" r:id="rId4" imgW="774360" imgH="203040" progId="Equation.DSMT4">
                     <p:embed/>
                   </p:oleObj>
                 </mc:Choice>
@@ -13791,7 +13874,7 @@
             <a:graphicData uri="http://schemas.openxmlformats.org/presentationml/2006/ole">
               <mc:AlternateContent xmlns:mc="http://schemas.openxmlformats.org/markup-compatibility/2006">
                 <mc:Choice xmlns:v="urn:schemas-microsoft-com:vml" Requires="v">
-                  <p:oleObj spid="_x0000_s10445" name="Equation" r:id="rId6" imgW="736560" imgH="203040" progId="Equation.DSMT4">
+                  <p:oleObj spid="_x0000_s10450" name="Equation" r:id="rId6" imgW="736560" imgH="203040" progId="Equation.DSMT4">
                     <p:embed/>
                   </p:oleObj>
                 </mc:Choice>
@@ -14642,7 +14725,7 @@
           <a:graphicData uri="http://schemas.openxmlformats.org/presentationml/2006/ole">
             <mc:AlternateContent xmlns:mc="http://schemas.openxmlformats.org/markup-compatibility/2006">
               <mc:Choice xmlns:v="urn:schemas-microsoft-com:vml" Requires="v">
-                <p:oleObj spid="_x0000_s11470" name="Equation" r:id="rId4" imgW="114120" imgH="177480" progId="Equation.DSMT4">
+                <p:oleObj spid="_x0000_s11475" name="Equation" r:id="rId4" imgW="114120" imgH="177480" progId="Equation.DSMT4">
                   <p:embed/>
                 </p:oleObj>
               </mc:Choice>
@@ -14712,7 +14795,7 @@
           <a:graphicData uri="http://schemas.openxmlformats.org/presentationml/2006/ole">
             <mc:AlternateContent xmlns:mc="http://schemas.openxmlformats.org/markup-compatibility/2006">
               <mc:Choice xmlns:v="urn:schemas-microsoft-com:vml" Requires="v">
-                <p:oleObj spid="_x0000_s11471" name="Equation" r:id="rId6" imgW="114120" imgH="177480" progId="Equation.DSMT4">
+                <p:oleObj spid="_x0000_s11476" name="Equation" r:id="rId6" imgW="114120" imgH="177480" progId="Equation.DSMT4">
                   <p:embed/>
                 </p:oleObj>
               </mc:Choice>
@@ -15928,7 +16011,7 @@
           <a:graphicData uri="http://schemas.openxmlformats.org/presentationml/2006/ole">
             <mc:AlternateContent xmlns:mc="http://schemas.openxmlformats.org/markup-compatibility/2006">
               <mc:Choice xmlns:v="urn:schemas-microsoft-com:vml" Requires="v">
-                <p:oleObj spid="_x0000_s184439" name="Equation" r:id="rId4" imgW="2552700" imgH="419100" progId="Equation.DSMT4">
+                <p:oleObj spid="_x0000_s184442" name="Equation" r:id="rId4" imgW="2552700" imgH="419100" progId="Equation.DSMT4">
                   <p:embed/>
                 </p:oleObj>
               </mc:Choice>
@@ -16602,7 +16685,7 @@
           <a:graphicData uri="http://schemas.openxmlformats.org/presentationml/2006/ole">
             <mc:AlternateContent xmlns:mc="http://schemas.openxmlformats.org/markup-compatibility/2006">
               <mc:Choice xmlns:v="urn:schemas-microsoft-com:vml" Requires="v">
-                <p:oleObj spid="_x0000_s12407" name="Equation" r:id="rId4" imgW="2590560" imgH="368280" progId="Equation.DSMT4">
+                <p:oleObj spid="_x0000_s12410" name="Equation" r:id="rId4" imgW="2590560" imgH="368280" progId="Equation.DSMT4">
                   <p:embed/>
                 </p:oleObj>
               </mc:Choice>
@@ -17501,7 +17584,7 @@
           <a:graphicData uri="http://schemas.openxmlformats.org/presentationml/2006/ole">
             <mc:AlternateContent xmlns:mc="http://schemas.openxmlformats.org/markup-compatibility/2006">
               <mc:Choice xmlns:v="urn:schemas-microsoft-com:vml" Requires="v">
-                <p:oleObj spid="_x0000_s13431" name="Equation" r:id="rId4" imgW="152280" imgH="393480" progId="Equation.DSMT4">
+                <p:oleObj spid="_x0000_s13434" name="Equation" r:id="rId4" imgW="152280" imgH="393480" progId="Equation.DSMT4">
                   <p:embed/>
                 </p:oleObj>
               </mc:Choice>
@@ -18636,7 +18719,7 @@
           <a:graphicData uri="http://schemas.openxmlformats.org/presentationml/2006/ole">
             <mc:AlternateContent xmlns:mc="http://schemas.openxmlformats.org/markup-compatibility/2006">
               <mc:Choice xmlns:v="urn:schemas-microsoft-com:vml" Requires="v">
-                <p:oleObj spid="_x0000_s150647" name="Equation" r:id="rId4" imgW="838200" imgH="241300" progId="Equation.DSMT4">
+                <p:oleObj spid="_x0000_s150650" name="Equation" r:id="rId4" imgW="838200" imgH="241300" progId="Equation.DSMT4">
                   <p:embed/>
                 </p:oleObj>
               </mc:Choice>
@@ -19305,7 +19388,7 @@
           <a:graphicData uri="http://schemas.openxmlformats.org/presentationml/2006/ole">
             <mc:AlternateContent xmlns:mc="http://schemas.openxmlformats.org/markup-compatibility/2006">
               <mc:Choice xmlns:v="urn:schemas-microsoft-com:vml" Requires="v">
-                <p:oleObj spid="_x0000_s6352" name="Equation" r:id="rId4" imgW="304560" imgH="139680" progId="Equation.DSMT4">
+                <p:oleObj spid="_x0000_s6357" name="Equation" r:id="rId4" imgW="304560" imgH="139680" progId="Equation.DSMT4">
                   <p:embed/>
                 </p:oleObj>
               </mc:Choice>
@@ -19375,7 +19458,7 @@
           <a:graphicData uri="http://schemas.openxmlformats.org/presentationml/2006/ole">
             <mc:AlternateContent xmlns:mc="http://schemas.openxmlformats.org/markup-compatibility/2006">
               <mc:Choice xmlns:v="urn:schemas-microsoft-com:vml" Requires="v">
-                <p:oleObj spid="_x0000_s6353" name="Equation" r:id="rId6" imgW="304560" imgH="139680" progId="Equation.DSMT4">
+                <p:oleObj spid="_x0000_s6358" name="Equation" r:id="rId6" imgW="304560" imgH="139680" progId="Equation.DSMT4">
                   <p:embed/>
                 </p:oleObj>
               </mc:Choice>
@@ -22435,7 +22518,7 @@
           <a:graphicData uri="http://schemas.openxmlformats.org/presentationml/2006/ole">
             <mc:AlternateContent xmlns:mc="http://schemas.openxmlformats.org/markup-compatibility/2006">
               <mc:Choice xmlns:v="urn:schemas-microsoft-com:vml" Requires="v">
-                <p:oleObj spid="_x0000_s7370" name="Equation" r:id="rId4" imgW="304560" imgH="139680" progId="Equation.DSMT4">
+                <p:oleObj spid="_x0000_s7375" name="Equation" r:id="rId4" imgW="304560" imgH="139680" progId="Equation.DSMT4">
                   <p:embed/>
                 </p:oleObj>
               </mc:Choice>
@@ -22505,7 +22588,7 @@
           <a:graphicData uri="http://schemas.openxmlformats.org/presentationml/2006/ole">
             <mc:AlternateContent xmlns:mc="http://schemas.openxmlformats.org/markup-compatibility/2006">
               <mc:Choice xmlns:v="urn:schemas-microsoft-com:vml" Requires="v">
-                <p:oleObj spid="_x0000_s7371" name="Equation" r:id="rId6" imgW="304560" imgH="139680" progId="Equation.DSMT4">
+                <p:oleObj spid="_x0000_s7376" name="Equation" r:id="rId6" imgW="304560" imgH="139680" progId="Equation.DSMT4">
                   <p:embed/>
                 </p:oleObj>
               </mc:Choice>
@@ -22914,7 +22997,7 @@
           <a:graphicData uri="http://schemas.openxmlformats.org/presentationml/2006/ole">
             <mc:AlternateContent xmlns:mc="http://schemas.openxmlformats.org/markup-compatibility/2006">
               <mc:Choice xmlns:v="urn:schemas-microsoft-com:vml" Requires="v">
-                <p:oleObj spid="_x0000_s210067" name="Equation" r:id="rId4" imgW="114120" imgH="177480" progId="Equation.DSMT4">
+                <p:oleObj spid="_x0000_s210072" name="Equation" r:id="rId4" imgW="114120" imgH="177480" progId="Equation.DSMT4">
                   <p:embed/>
                 </p:oleObj>
               </mc:Choice>
@@ -23519,7 +23602,7 @@
           <a:graphicData uri="http://schemas.openxmlformats.org/presentationml/2006/ole">
             <mc:AlternateContent xmlns:mc="http://schemas.openxmlformats.org/markup-compatibility/2006">
               <mc:Choice xmlns:v="urn:schemas-microsoft-com:vml" Requires="v">
-                <p:oleObj spid="_x0000_s210068" name="Equation" r:id="rId6" imgW="635000" imgH="469900" progId="Equation.DSMT4">
+                <p:oleObj spid="_x0000_s210073" name="Equation" r:id="rId6" imgW="635000" imgH="469900" progId="Equation.DSMT4">
                   <p:embed/>
                 </p:oleObj>
               </mc:Choice>
@@ -23755,7 +23838,7 @@
           <a:graphicData uri="http://schemas.openxmlformats.org/presentationml/2006/ole">
             <mc:AlternateContent xmlns:mc="http://schemas.openxmlformats.org/markup-compatibility/2006">
               <mc:Choice xmlns:v="urn:schemas-microsoft-com:vml" Requires="v">
-                <p:oleObj spid="_x0000_s219185" name="Equation" r:id="rId4" imgW="114120" imgH="177480" progId="Equation.DSMT4">
+                <p:oleObj spid="_x0000_s219190" name="Equation" r:id="rId4" imgW="114120" imgH="177480" progId="Equation.DSMT4">
                   <p:embed/>
                 </p:oleObj>
               </mc:Choice>
@@ -24434,7 +24517,7 @@
           <a:graphicData uri="http://schemas.openxmlformats.org/presentationml/2006/ole">
             <mc:AlternateContent xmlns:mc="http://schemas.openxmlformats.org/markup-compatibility/2006">
               <mc:Choice xmlns:v="urn:schemas-microsoft-com:vml" Requires="v">
-                <p:oleObj spid="_x0000_s219186" name="Equation" r:id="rId6" imgW="635000" imgH="444500" progId="Equation.DSMT4">
+                <p:oleObj spid="_x0000_s219191" name="Equation" r:id="rId6" imgW="635000" imgH="444500" progId="Equation.DSMT4">
                   <p:embed/>
                 </p:oleObj>
               </mc:Choice>

--- a/fall15/slidesF15/proofs1.pptx
+++ b/fall15/slidesF15/proofs1.pptx
@@ -5730,7 +5730,7 @@
           <a:graphicData uri="http://schemas.openxmlformats.org/presentationml/2006/ole">
             <mc:AlternateContent xmlns:mc="http://schemas.openxmlformats.org/markup-compatibility/2006">
               <mc:Choice xmlns:v="urn:schemas-microsoft-com:vml" Requires="v">
-                <p:oleObj spid="_x0000_s1238" name="Equation" r:id="rId4" imgW="914400" imgH="215640" progId="Equation.3">
+                <p:oleObj spid="_x0000_s1241" name="Equation" r:id="rId4" imgW="914400" imgH="215640" progId="Equation.3">
                   <p:embed/>
                 </p:oleObj>
               </mc:Choice>
@@ -5800,7 +5800,7 @@
           <a:graphicData uri="http://schemas.openxmlformats.org/presentationml/2006/ole">
             <mc:AlternateContent xmlns:mc="http://schemas.openxmlformats.org/markup-compatibility/2006">
               <mc:Choice xmlns:v="urn:schemas-microsoft-com:vml" Requires="v">
-                <p:oleObj spid="_x0000_s1239" name="Equation" r:id="rId6" imgW="914400" imgH="215640" progId="Equation.3">
+                <p:oleObj spid="_x0000_s1242" name="Equation" r:id="rId6" imgW="914400" imgH="215640" progId="Equation.3">
                   <p:embed/>
                 </p:oleObj>
               </mc:Choice>
@@ -5916,7 +5916,7 @@
           <a:graphicData uri="http://schemas.openxmlformats.org/presentationml/2006/ole">
             <mc:AlternateContent xmlns:mc="http://schemas.openxmlformats.org/markup-compatibility/2006">
               <mc:Choice xmlns:v="urn:schemas-microsoft-com:vml" Requires="v">
-                <p:oleObj spid="_x0000_s187583" name="Equation" r:id="rId4" imgW="635000" imgH="444500" progId="Equation.DSMT4">
+                <p:oleObj spid="_x0000_s187586" name="Equation" r:id="rId4" imgW="635000" imgH="444500" progId="Equation.DSMT4">
                   <p:embed/>
                 </p:oleObj>
               </mc:Choice>
@@ -6044,7 +6044,7 @@
           <a:graphicData uri="http://schemas.openxmlformats.org/presentationml/2006/ole">
             <mc:AlternateContent xmlns:mc="http://schemas.openxmlformats.org/markup-compatibility/2006">
               <mc:Choice xmlns:v="urn:schemas-microsoft-com:vml" Requires="v">
-                <p:oleObj spid="_x0000_s187584" name="Equation" r:id="rId6" imgW="114120" imgH="177480" progId="Equation.DSMT4">
+                <p:oleObj spid="_x0000_s187587" name="Equation" r:id="rId6" imgW="114120" imgH="177480" progId="Equation.DSMT4">
                   <p:embed/>
                 </p:oleObj>
               </mc:Choice>
@@ -6892,13 +6892,13 @@
   <p:clrMapOvr>
     <a:masterClrMapping/>
   </p:clrMapOvr>
-  <mc:AlternateContent xmlns:mc="http://schemas.openxmlformats.org/markup-compatibility/2006">
-    <mc:Choice xmlns:p14="http://schemas.microsoft.com/office/powerpoint/2010/main" Requires="p14">
+  <mc:AlternateContent xmlns:mc="http://schemas.openxmlformats.org/markup-compatibility/2006" xmlns:p14="http://schemas.microsoft.com/office/powerpoint/2010/main">
+    <mc:Choice Requires="p14">
       <p:transition spd="med" p14:dur="700" advClick="0">
         <p:fade/>
       </p:transition>
     </mc:Choice>
-    <mc:Fallback>
+    <mc:Fallback xmlns="">
       <p:transition xmlns:p14="http://schemas.microsoft.com/office/powerpoint/2010/main" spd="med" advClick="0">
         <p:fade/>
       </p:transition>
@@ -12626,7 +12626,7 @@
 </file>
 
 <file path=ppt/slides/slide17.xml><?xml version="1.0" encoding="utf-8"?>
-<p:sld xmlns:a="http://schemas.openxmlformats.org/drawingml/2006/main" xmlns:r="http://schemas.openxmlformats.org/officeDocument/2006/relationships" xmlns:p="http://schemas.openxmlformats.org/presentationml/2006/main">
+<p:sld xmlns:a="http://schemas.openxmlformats.org/drawingml/2006/main" xmlns:r="http://schemas.openxmlformats.org/officeDocument/2006/relationships" xmlns:p="http://schemas.openxmlformats.org/presentationml/2006/main" show="0">
   <p:cSld>
     <p:spTree>
       <p:nvGrpSpPr>
@@ -12870,7 +12870,7 @@
           <a:graphicData uri="http://schemas.openxmlformats.org/presentationml/2006/ole">
             <mc:AlternateContent xmlns:mc="http://schemas.openxmlformats.org/markup-compatibility/2006">
               <mc:Choice xmlns:v="urn:schemas-microsoft-com:vml" Requires="v">
-                <p:oleObj spid="_x0000_s9516" name="Equation" r:id="rId4" imgW="1270000" imgH="457200" progId="Equation.DSMT4">
+                <p:oleObj spid="_x0000_s9520" name="Equation" r:id="rId4" imgW="1270000" imgH="457200" progId="Equation.DSMT4">
                   <p:embed/>
                 </p:oleObj>
               </mc:Choice>
@@ -12965,7 +12965,7 @@
           <a:graphicData uri="http://schemas.openxmlformats.org/presentationml/2006/ole">
             <mc:AlternateContent xmlns:mc="http://schemas.openxmlformats.org/markup-compatibility/2006">
               <mc:Choice xmlns:v="urn:schemas-microsoft-com:vml" Requires="v">
-                <p:oleObj spid="_x0000_s9517" name="Equation" r:id="rId6" imgW="1270000" imgH="457200" progId="Equation.DSMT4">
+                <p:oleObj spid="_x0000_s9521" name="Equation" r:id="rId6" imgW="1270000" imgH="457200" progId="Equation.DSMT4">
                   <p:embed/>
                 </p:oleObj>
               </mc:Choice>
@@ -13132,7 +13132,7 @@
           <a:graphicData uri="http://schemas.openxmlformats.org/presentationml/2006/ole">
             <mc:AlternateContent xmlns:mc="http://schemas.openxmlformats.org/markup-compatibility/2006">
               <mc:Choice xmlns:v="urn:schemas-microsoft-com:vml" Requires="v">
-                <p:oleObj spid="_x0000_s9518" name="Equation" r:id="rId8" imgW="774360" imgH="203040" progId="Equation.DSMT4">
+                <p:oleObj spid="_x0000_s9522" name="Equation" r:id="rId8" imgW="774360" imgH="203040" progId="Equation.DSMT4">
                   <p:embed/>
                 </p:oleObj>
               </mc:Choice>
@@ -13451,7 +13451,7 @@
 </file>
 
 <file path=ppt/slides/slide18.xml><?xml version="1.0" encoding="utf-8"?>
-<p:sld xmlns:a="http://schemas.openxmlformats.org/drawingml/2006/main" xmlns:r="http://schemas.openxmlformats.org/officeDocument/2006/relationships" xmlns:p="http://schemas.openxmlformats.org/presentationml/2006/main">
+<p:sld xmlns:a="http://schemas.openxmlformats.org/drawingml/2006/main" xmlns:r="http://schemas.openxmlformats.org/officeDocument/2006/relationships" xmlns:p="http://schemas.openxmlformats.org/presentationml/2006/main" show="0">
   <p:cSld>
     <p:spTree>
       <p:nvGrpSpPr>
@@ -13709,7 +13709,7 @@
             <a:graphicData uri="http://schemas.openxmlformats.org/presentationml/2006/ole">
               <mc:AlternateContent xmlns:mc="http://schemas.openxmlformats.org/markup-compatibility/2006">
                 <mc:Choice xmlns:v="urn:schemas-microsoft-com:vml" Requires="v">
-                  <p:oleObj spid="_x0000_s10449" name="Equation" r:id="rId4" imgW="774360" imgH="203040" progId="Equation.DSMT4">
+                  <p:oleObj spid="_x0000_s10452" name="Equation" r:id="rId4" imgW="774360" imgH="203040" progId="Equation.DSMT4">
                     <p:embed/>
                   </p:oleObj>
                 </mc:Choice>
@@ -13874,7 +13874,7 @@
             <a:graphicData uri="http://schemas.openxmlformats.org/presentationml/2006/ole">
               <mc:AlternateContent xmlns:mc="http://schemas.openxmlformats.org/markup-compatibility/2006">
                 <mc:Choice xmlns:v="urn:schemas-microsoft-com:vml" Requires="v">
-                  <p:oleObj spid="_x0000_s10450" name="Equation" r:id="rId6" imgW="736560" imgH="203040" progId="Equation.DSMT4">
+                  <p:oleObj spid="_x0000_s10453" name="Equation" r:id="rId6" imgW="736560" imgH="203040" progId="Equation.DSMT4">
                     <p:embed/>
                   </p:oleObj>
                 </mc:Choice>
@@ -14242,7 +14242,7 @@
 </file>
 
 <file path=ppt/slides/slide19.xml><?xml version="1.0" encoding="utf-8"?>
-<p:sld xmlns:a="http://schemas.openxmlformats.org/drawingml/2006/main" xmlns:r="http://schemas.openxmlformats.org/officeDocument/2006/relationships" xmlns:p="http://schemas.openxmlformats.org/presentationml/2006/main">
+<p:sld xmlns:a="http://schemas.openxmlformats.org/drawingml/2006/main" xmlns:r="http://schemas.openxmlformats.org/officeDocument/2006/relationships" xmlns:p="http://schemas.openxmlformats.org/presentationml/2006/main" show="0">
   <p:cSld>
     <p:spTree>
       <p:nvGrpSpPr>
@@ -14725,7 +14725,7 @@
           <a:graphicData uri="http://schemas.openxmlformats.org/presentationml/2006/ole">
             <mc:AlternateContent xmlns:mc="http://schemas.openxmlformats.org/markup-compatibility/2006">
               <mc:Choice xmlns:v="urn:schemas-microsoft-com:vml" Requires="v">
-                <p:oleObj spid="_x0000_s11475" name="Equation" r:id="rId4" imgW="114120" imgH="177480" progId="Equation.DSMT4">
+                <p:oleObj spid="_x0000_s11478" name="Equation" r:id="rId4" imgW="114120" imgH="177480" progId="Equation.DSMT4">
                   <p:embed/>
                 </p:oleObj>
               </mc:Choice>
@@ -14795,7 +14795,7 @@
           <a:graphicData uri="http://schemas.openxmlformats.org/presentationml/2006/ole">
             <mc:AlternateContent xmlns:mc="http://schemas.openxmlformats.org/markup-compatibility/2006">
               <mc:Choice xmlns:v="urn:schemas-microsoft-com:vml" Requires="v">
-                <p:oleObj spid="_x0000_s11476" name="Equation" r:id="rId6" imgW="114120" imgH="177480" progId="Equation.DSMT4">
+                <p:oleObj spid="_x0000_s11479" name="Equation" r:id="rId6" imgW="114120" imgH="177480" progId="Equation.DSMT4">
                   <p:embed/>
                 </p:oleObj>
               </mc:Choice>
@@ -15378,7 +15378,7 @@
 </file>
 
 <file path=ppt/slides/slide20.xml><?xml version="1.0" encoding="utf-8"?>
-<p:sld xmlns:a="http://schemas.openxmlformats.org/drawingml/2006/main" xmlns:r="http://schemas.openxmlformats.org/officeDocument/2006/relationships" xmlns:p="http://schemas.openxmlformats.org/presentationml/2006/main">
+<p:sld xmlns:a="http://schemas.openxmlformats.org/drawingml/2006/main" xmlns:r="http://schemas.openxmlformats.org/officeDocument/2006/relationships" xmlns:p="http://schemas.openxmlformats.org/presentationml/2006/main" show="0">
   <p:cSld>
     <p:spTree>
       <p:nvGrpSpPr>
@@ -15885,7 +15885,7 @@
 </file>
 
 <file path=ppt/slides/slide21.xml><?xml version="1.0" encoding="utf-8"?>
-<p:sld xmlns:a="http://schemas.openxmlformats.org/drawingml/2006/main" xmlns:r="http://schemas.openxmlformats.org/officeDocument/2006/relationships" xmlns:p="http://schemas.openxmlformats.org/presentationml/2006/main">
+<p:sld xmlns:a="http://schemas.openxmlformats.org/drawingml/2006/main" xmlns:r="http://schemas.openxmlformats.org/officeDocument/2006/relationships" xmlns:p="http://schemas.openxmlformats.org/presentationml/2006/main" show="0">
   <p:cSld>
     <p:spTree>
       <p:nvGrpSpPr>
@@ -16011,7 +16011,7 @@
           <a:graphicData uri="http://schemas.openxmlformats.org/presentationml/2006/ole">
             <mc:AlternateContent xmlns:mc="http://schemas.openxmlformats.org/markup-compatibility/2006">
               <mc:Choice xmlns:v="urn:schemas-microsoft-com:vml" Requires="v">
-                <p:oleObj spid="_x0000_s184442" name="Equation" r:id="rId4" imgW="2552700" imgH="419100" progId="Equation.DSMT4">
+                <p:oleObj spid="_x0000_s184444" name="Equation" r:id="rId4" imgW="2552700" imgH="419100" progId="Equation.DSMT4">
                   <p:embed/>
                 </p:oleObj>
               </mc:Choice>
@@ -16685,7 +16685,7 @@
           <a:graphicData uri="http://schemas.openxmlformats.org/presentationml/2006/ole">
             <mc:AlternateContent xmlns:mc="http://schemas.openxmlformats.org/markup-compatibility/2006">
               <mc:Choice xmlns:v="urn:schemas-microsoft-com:vml" Requires="v">
-                <p:oleObj spid="_x0000_s12410" name="Equation" r:id="rId4" imgW="2590560" imgH="368280" progId="Equation.DSMT4">
+                <p:oleObj spid="_x0000_s12412" name="Equation" r:id="rId4" imgW="2590560" imgH="368280" progId="Equation.DSMT4">
                   <p:embed/>
                 </p:oleObj>
               </mc:Choice>
@@ -17156,7 +17156,7 @@
 </file>
 
 <file path=ppt/slides/slide23.xml><?xml version="1.0" encoding="utf-8"?>
-<p:sld xmlns:a="http://schemas.openxmlformats.org/drawingml/2006/main" xmlns:r="http://schemas.openxmlformats.org/officeDocument/2006/relationships" xmlns:p="http://schemas.openxmlformats.org/presentationml/2006/main">
+<p:sld xmlns:a="http://schemas.openxmlformats.org/drawingml/2006/main" xmlns:r="http://schemas.openxmlformats.org/officeDocument/2006/relationships" xmlns:p="http://schemas.openxmlformats.org/presentationml/2006/main" show="0">
   <p:cSld>
     <p:spTree>
       <p:nvGrpSpPr>
@@ -17584,7 +17584,7 @@
           <a:graphicData uri="http://schemas.openxmlformats.org/presentationml/2006/ole">
             <mc:AlternateContent xmlns:mc="http://schemas.openxmlformats.org/markup-compatibility/2006">
               <mc:Choice xmlns:v="urn:schemas-microsoft-com:vml" Requires="v">
-                <p:oleObj spid="_x0000_s13434" name="Equation" r:id="rId4" imgW="152280" imgH="393480" progId="Equation.DSMT4">
+                <p:oleObj spid="_x0000_s13436" name="Equation" r:id="rId4" imgW="152280" imgH="393480" progId="Equation.DSMT4">
                   <p:embed/>
                 </p:oleObj>
               </mc:Choice>
@@ -17643,13 +17643,13 @@
   <p:clrMapOvr>
     <a:masterClrMapping/>
   </p:clrMapOvr>
-  <mc:AlternateContent xmlns:mc="http://schemas.openxmlformats.org/markup-compatibility/2006" xmlns:p14="http://schemas.microsoft.com/office/powerpoint/2010/main">
-    <mc:Choice Requires="p14">
+  <mc:AlternateContent xmlns:mc="http://schemas.openxmlformats.org/markup-compatibility/2006">
+    <mc:Choice xmlns:p14="http://schemas.microsoft.com/office/powerpoint/2010/main" Requires="p14">
       <p:transition spd="med" p14:dur="600" advClick="0">
         <p:fade thruBlk="1"/>
       </p:transition>
     </mc:Choice>
-    <mc:Fallback xmlns="">
+    <mc:Fallback>
       <p:transition xmlns:p14="http://schemas.microsoft.com/office/powerpoint/2010/main" spd="med" advClick="0">
         <p:fade thruBlk="1"/>
       </p:transition>
@@ -17903,7 +17903,7 @@
 </file>
 
 <file path=ppt/slides/slide24.xml><?xml version="1.0" encoding="utf-8"?>
-<p:sld xmlns:a="http://schemas.openxmlformats.org/drawingml/2006/main" xmlns:r="http://schemas.openxmlformats.org/officeDocument/2006/relationships" xmlns:p="http://schemas.openxmlformats.org/presentationml/2006/main">
+<p:sld xmlns:a="http://schemas.openxmlformats.org/drawingml/2006/main" xmlns:r="http://schemas.openxmlformats.org/officeDocument/2006/relationships" xmlns:p="http://schemas.openxmlformats.org/presentationml/2006/main" show="0">
   <p:cSld>
     <p:spTree>
       <p:nvGrpSpPr>
@@ -18719,7 +18719,7 @@
           <a:graphicData uri="http://schemas.openxmlformats.org/presentationml/2006/ole">
             <mc:AlternateContent xmlns:mc="http://schemas.openxmlformats.org/markup-compatibility/2006">
               <mc:Choice xmlns:v="urn:schemas-microsoft-com:vml" Requires="v">
-                <p:oleObj spid="_x0000_s150650" name="Equation" r:id="rId4" imgW="838200" imgH="241300" progId="Equation.DSMT4">
+                <p:oleObj spid="_x0000_s150652" name="Equation" r:id="rId4" imgW="838200" imgH="241300" progId="Equation.DSMT4">
                   <p:embed/>
                 </p:oleObj>
               </mc:Choice>
@@ -19388,7 +19388,7 @@
           <a:graphicData uri="http://schemas.openxmlformats.org/presentationml/2006/ole">
             <mc:AlternateContent xmlns:mc="http://schemas.openxmlformats.org/markup-compatibility/2006">
               <mc:Choice xmlns:v="urn:schemas-microsoft-com:vml" Requires="v">
-                <p:oleObj spid="_x0000_s6357" name="Equation" r:id="rId4" imgW="304560" imgH="139680" progId="Equation.DSMT4">
+                <p:oleObj spid="_x0000_s6360" name="Equation" r:id="rId4" imgW="304560" imgH="139680" progId="Equation.DSMT4">
                   <p:embed/>
                 </p:oleObj>
               </mc:Choice>
@@ -19458,7 +19458,7 @@
           <a:graphicData uri="http://schemas.openxmlformats.org/presentationml/2006/ole">
             <mc:AlternateContent xmlns:mc="http://schemas.openxmlformats.org/markup-compatibility/2006">
               <mc:Choice xmlns:v="urn:schemas-microsoft-com:vml" Requires="v">
-                <p:oleObj spid="_x0000_s6358" name="Equation" r:id="rId6" imgW="304560" imgH="139680" progId="Equation.DSMT4">
+                <p:oleObj spid="_x0000_s6361" name="Equation" r:id="rId6" imgW="304560" imgH="139680" progId="Equation.DSMT4">
                   <p:embed/>
                 </p:oleObj>
               </mc:Choice>
@@ -22518,7 +22518,7 @@
           <a:graphicData uri="http://schemas.openxmlformats.org/presentationml/2006/ole">
             <mc:AlternateContent xmlns:mc="http://schemas.openxmlformats.org/markup-compatibility/2006">
               <mc:Choice xmlns:v="urn:schemas-microsoft-com:vml" Requires="v">
-                <p:oleObj spid="_x0000_s7375" name="Equation" r:id="rId4" imgW="304560" imgH="139680" progId="Equation.DSMT4">
+                <p:oleObj spid="_x0000_s7378" name="Equation" r:id="rId4" imgW="304560" imgH="139680" progId="Equation.DSMT4">
                   <p:embed/>
                 </p:oleObj>
               </mc:Choice>
@@ -22588,7 +22588,7 @@
           <a:graphicData uri="http://schemas.openxmlformats.org/presentationml/2006/ole">
             <mc:AlternateContent xmlns:mc="http://schemas.openxmlformats.org/markup-compatibility/2006">
               <mc:Choice xmlns:v="urn:schemas-microsoft-com:vml" Requires="v">
-                <p:oleObj spid="_x0000_s7376" name="Equation" r:id="rId6" imgW="304560" imgH="139680" progId="Equation.DSMT4">
+                <p:oleObj spid="_x0000_s7379" name="Equation" r:id="rId6" imgW="304560" imgH="139680" progId="Equation.DSMT4">
                   <p:embed/>
                 </p:oleObj>
               </mc:Choice>
@@ -22997,7 +22997,7 @@
           <a:graphicData uri="http://schemas.openxmlformats.org/presentationml/2006/ole">
             <mc:AlternateContent xmlns:mc="http://schemas.openxmlformats.org/markup-compatibility/2006">
               <mc:Choice xmlns:v="urn:schemas-microsoft-com:vml" Requires="v">
-                <p:oleObj spid="_x0000_s210072" name="Equation" r:id="rId4" imgW="114120" imgH="177480" progId="Equation.DSMT4">
+                <p:oleObj spid="_x0000_s210075" name="Equation" r:id="rId4" imgW="114120" imgH="177480" progId="Equation.DSMT4">
                   <p:embed/>
                 </p:oleObj>
               </mc:Choice>
@@ -23602,7 +23602,7 @@
           <a:graphicData uri="http://schemas.openxmlformats.org/presentationml/2006/ole">
             <mc:AlternateContent xmlns:mc="http://schemas.openxmlformats.org/markup-compatibility/2006">
               <mc:Choice xmlns:v="urn:schemas-microsoft-com:vml" Requires="v">
-                <p:oleObj spid="_x0000_s210073" name="Equation" r:id="rId6" imgW="635000" imgH="469900" progId="Equation.DSMT4">
+                <p:oleObj spid="_x0000_s210076" name="Equation" r:id="rId6" imgW="635000" imgH="469900" progId="Equation.DSMT4">
                   <p:embed/>
                 </p:oleObj>
               </mc:Choice>
@@ -23838,7 +23838,7 @@
           <a:graphicData uri="http://schemas.openxmlformats.org/presentationml/2006/ole">
             <mc:AlternateContent xmlns:mc="http://schemas.openxmlformats.org/markup-compatibility/2006">
               <mc:Choice xmlns:v="urn:schemas-microsoft-com:vml" Requires="v">
-                <p:oleObj spid="_x0000_s219190" name="Equation" r:id="rId4" imgW="114120" imgH="177480" progId="Equation.DSMT4">
+                <p:oleObj spid="_x0000_s219193" name="Equation" r:id="rId4" imgW="114120" imgH="177480" progId="Equation.DSMT4">
                   <p:embed/>
                 </p:oleObj>
               </mc:Choice>
@@ -24517,7 +24517,7 @@
           <a:graphicData uri="http://schemas.openxmlformats.org/presentationml/2006/ole">
             <mc:AlternateContent xmlns:mc="http://schemas.openxmlformats.org/markup-compatibility/2006">
               <mc:Choice xmlns:v="urn:schemas-microsoft-com:vml" Requires="v">
-                <p:oleObj spid="_x0000_s219191" name="Equation" r:id="rId6" imgW="635000" imgH="444500" progId="Equation.DSMT4">
+                <p:oleObj spid="_x0000_s219194" name="Equation" r:id="rId6" imgW="635000" imgH="444500" progId="Equation.DSMT4">
                   <p:embed/>
                 </p:oleObj>
               </mc:Choice>
